--- a/assorted/aspnetcore_enterprise.pptx
+++ b/assorted/aspnetcore_enterprise.pptx
@@ -7,14 +7,20 @@
     <p:sldMasterId id="2147483800" r:id="rId3"/>
   </p:sldMasterIdLst>
   <p:notesMasterIdLst>
-    <p:notesMasterId r:id="rId6"/>
+    <p:notesMasterId r:id="rId12"/>
   </p:notesMasterIdLst>
   <p:handoutMasterIdLst>
-    <p:handoutMasterId r:id="rId7"/>
+    <p:handoutMasterId r:id="rId13"/>
   </p:handoutMasterIdLst>
   <p:sldIdLst>
     <p:sldId id="327" r:id="rId4"/>
     <p:sldId id="328" r:id="rId5"/>
+    <p:sldId id="329" r:id="rId6"/>
+    <p:sldId id="330" r:id="rId7"/>
+    <p:sldId id="331" r:id="rId8"/>
+    <p:sldId id="332" r:id="rId9"/>
+    <p:sldId id="333" r:id="rId10"/>
+    <p:sldId id="334" r:id="rId11"/>
   </p:sldIdLst>
   <p:sldSz cx="9144000" cy="6858000" type="screen4x3"/>
   <p:notesSz cx="7302500" cy="9588500"/>
@@ -174,6 +180,2752 @@
     </p:ext>
   </p:extLst>
 </p:presentation>
+</file>
+
+<file path=ppt/diagrams/colors1.xml><?xml version="1.0" encoding="utf-8"?>
+<dgm:colorsDef xmlns:dgm="http://schemas.openxmlformats.org/drawingml/2006/diagram" xmlns:a="http://schemas.openxmlformats.org/drawingml/2006/main" uniqueId="urn:microsoft.com/office/officeart/2005/8/colors/accent1_2">
+  <dgm:title val=""/>
+  <dgm:desc val=""/>
+  <dgm:catLst>
+    <dgm:cat type="accent1" pri="11200"/>
+  </dgm:catLst>
+  <dgm:styleLbl name="node0">
+    <dgm:fillClrLst meth="repeat">
+      <a:schemeClr val="accent1"/>
+    </dgm:fillClrLst>
+    <dgm:linClrLst meth="repeat">
+      <a:schemeClr val="lt1"/>
+    </dgm:linClrLst>
+    <dgm:effectClrLst/>
+    <dgm:txLinClrLst/>
+    <dgm:txFillClrLst/>
+    <dgm:txEffectClrLst/>
+  </dgm:styleLbl>
+  <dgm:styleLbl name="alignNode1">
+    <dgm:fillClrLst meth="repeat">
+      <a:schemeClr val="accent1"/>
+    </dgm:fillClrLst>
+    <dgm:linClrLst meth="repeat">
+      <a:schemeClr val="accent1"/>
+    </dgm:linClrLst>
+    <dgm:effectClrLst/>
+    <dgm:txLinClrLst/>
+    <dgm:txFillClrLst/>
+    <dgm:txEffectClrLst/>
+  </dgm:styleLbl>
+  <dgm:styleLbl name="node1">
+    <dgm:fillClrLst meth="repeat">
+      <a:schemeClr val="accent1"/>
+    </dgm:fillClrLst>
+    <dgm:linClrLst meth="repeat">
+      <a:schemeClr val="lt1"/>
+    </dgm:linClrLst>
+    <dgm:effectClrLst/>
+    <dgm:txLinClrLst/>
+    <dgm:txFillClrLst/>
+    <dgm:txEffectClrLst/>
+  </dgm:styleLbl>
+  <dgm:styleLbl name="lnNode1">
+    <dgm:fillClrLst meth="repeat">
+      <a:schemeClr val="accent1"/>
+    </dgm:fillClrLst>
+    <dgm:linClrLst meth="repeat">
+      <a:schemeClr val="lt1"/>
+    </dgm:linClrLst>
+    <dgm:effectClrLst/>
+    <dgm:txLinClrLst/>
+    <dgm:txFillClrLst/>
+    <dgm:txEffectClrLst/>
+  </dgm:styleLbl>
+  <dgm:styleLbl name="vennNode1">
+    <dgm:fillClrLst meth="repeat">
+      <a:schemeClr val="accent1">
+        <a:alpha val="50000"/>
+      </a:schemeClr>
+    </dgm:fillClrLst>
+    <dgm:linClrLst meth="repeat">
+      <a:schemeClr val="lt1"/>
+    </dgm:linClrLst>
+    <dgm:effectClrLst/>
+    <dgm:txLinClrLst/>
+    <dgm:txFillClrLst/>
+    <dgm:txEffectClrLst/>
+  </dgm:styleLbl>
+  <dgm:styleLbl name="node2">
+    <dgm:fillClrLst meth="repeat">
+      <a:schemeClr val="accent1"/>
+    </dgm:fillClrLst>
+    <dgm:linClrLst meth="repeat">
+      <a:schemeClr val="lt1"/>
+    </dgm:linClrLst>
+    <dgm:effectClrLst/>
+    <dgm:txLinClrLst/>
+    <dgm:txFillClrLst/>
+    <dgm:txEffectClrLst/>
+  </dgm:styleLbl>
+  <dgm:styleLbl name="node3">
+    <dgm:fillClrLst meth="repeat">
+      <a:schemeClr val="accent1"/>
+    </dgm:fillClrLst>
+    <dgm:linClrLst meth="repeat">
+      <a:schemeClr val="lt1"/>
+    </dgm:linClrLst>
+    <dgm:effectClrLst/>
+    <dgm:txLinClrLst/>
+    <dgm:txFillClrLst/>
+    <dgm:txEffectClrLst/>
+  </dgm:styleLbl>
+  <dgm:styleLbl name="node4">
+    <dgm:fillClrLst meth="repeat">
+      <a:schemeClr val="accent1"/>
+    </dgm:fillClrLst>
+    <dgm:linClrLst meth="repeat">
+      <a:schemeClr val="lt1"/>
+    </dgm:linClrLst>
+    <dgm:effectClrLst/>
+    <dgm:txLinClrLst/>
+    <dgm:txFillClrLst/>
+    <dgm:txEffectClrLst/>
+  </dgm:styleLbl>
+  <dgm:styleLbl name="fgImgPlace1">
+    <dgm:fillClrLst meth="repeat">
+      <a:schemeClr val="accent1">
+        <a:tint val="50000"/>
+      </a:schemeClr>
+    </dgm:fillClrLst>
+    <dgm:linClrLst meth="repeat">
+      <a:schemeClr val="lt1"/>
+    </dgm:linClrLst>
+    <dgm:effectClrLst/>
+    <dgm:txLinClrLst/>
+    <dgm:txFillClrLst meth="repeat">
+      <a:schemeClr val="lt1"/>
+    </dgm:txFillClrLst>
+    <dgm:txEffectClrLst/>
+  </dgm:styleLbl>
+  <dgm:styleLbl name="alignImgPlace1">
+    <dgm:fillClrLst meth="repeat">
+      <a:schemeClr val="accent1">
+        <a:tint val="50000"/>
+      </a:schemeClr>
+    </dgm:fillClrLst>
+    <dgm:linClrLst meth="repeat">
+      <a:schemeClr val="lt1"/>
+    </dgm:linClrLst>
+    <dgm:effectClrLst/>
+    <dgm:txLinClrLst/>
+    <dgm:txFillClrLst meth="repeat">
+      <a:schemeClr val="lt1"/>
+    </dgm:txFillClrLst>
+    <dgm:txEffectClrLst/>
+  </dgm:styleLbl>
+  <dgm:styleLbl name="bgImgPlace1">
+    <dgm:fillClrLst meth="repeat">
+      <a:schemeClr val="accent1">
+        <a:tint val="50000"/>
+      </a:schemeClr>
+    </dgm:fillClrLst>
+    <dgm:linClrLst meth="repeat">
+      <a:schemeClr val="lt1"/>
+    </dgm:linClrLst>
+    <dgm:effectClrLst/>
+    <dgm:txLinClrLst/>
+    <dgm:txFillClrLst meth="repeat">
+      <a:schemeClr val="lt1"/>
+    </dgm:txFillClrLst>
+    <dgm:txEffectClrLst/>
+  </dgm:styleLbl>
+  <dgm:styleLbl name="sibTrans2D1">
+    <dgm:fillClrLst meth="repeat">
+      <a:schemeClr val="accent1">
+        <a:tint val="60000"/>
+      </a:schemeClr>
+    </dgm:fillClrLst>
+    <dgm:linClrLst meth="repeat">
+      <a:schemeClr val="accent1">
+        <a:tint val="60000"/>
+      </a:schemeClr>
+    </dgm:linClrLst>
+    <dgm:effectClrLst/>
+    <dgm:txLinClrLst/>
+    <dgm:txFillClrLst/>
+    <dgm:txEffectClrLst/>
+  </dgm:styleLbl>
+  <dgm:styleLbl name="fgSibTrans2D1">
+    <dgm:fillClrLst meth="repeat">
+      <a:schemeClr val="accent1">
+        <a:tint val="60000"/>
+      </a:schemeClr>
+    </dgm:fillClrLst>
+    <dgm:linClrLst meth="repeat">
+      <a:schemeClr val="accent1">
+        <a:tint val="60000"/>
+      </a:schemeClr>
+    </dgm:linClrLst>
+    <dgm:effectClrLst/>
+    <dgm:txLinClrLst/>
+    <dgm:txFillClrLst/>
+    <dgm:txEffectClrLst/>
+  </dgm:styleLbl>
+  <dgm:styleLbl name="bgSibTrans2D1">
+    <dgm:fillClrLst meth="repeat">
+      <a:schemeClr val="accent1">
+        <a:tint val="60000"/>
+      </a:schemeClr>
+    </dgm:fillClrLst>
+    <dgm:linClrLst meth="repeat">
+      <a:schemeClr val="accent1">
+        <a:tint val="60000"/>
+      </a:schemeClr>
+    </dgm:linClrLst>
+    <dgm:effectClrLst/>
+    <dgm:txLinClrLst/>
+    <dgm:txFillClrLst/>
+    <dgm:txEffectClrLst/>
+  </dgm:styleLbl>
+  <dgm:styleLbl name="sibTrans1D1">
+    <dgm:fillClrLst meth="repeat">
+      <a:schemeClr val="accent1"/>
+    </dgm:fillClrLst>
+    <dgm:linClrLst meth="repeat">
+      <a:schemeClr val="accent1"/>
+    </dgm:linClrLst>
+    <dgm:effectClrLst/>
+    <dgm:txLinClrLst/>
+    <dgm:txFillClrLst meth="repeat">
+      <a:schemeClr val="tx1"/>
+    </dgm:txFillClrLst>
+    <dgm:txEffectClrLst/>
+  </dgm:styleLbl>
+  <dgm:styleLbl name="callout">
+    <dgm:fillClrLst meth="repeat">
+      <a:schemeClr val="accent1"/>
+    </dgm:fillClrLst>
+    <dgm:linClrLst meth="repeat">
+      <a:schemeClr val="accent1">
+        <a:tint val="50000"/>
+      </a:schemeClr>
+    </dgm:linClrLst>
+    <dgm:effectClrLst/>
+    <dgm:txLinClrLst/>
+    <dgm:txFillClrLst meth="repeat">
+      <a:schemeClr val="tx1"/>
+    </dgm:txFillClrLst>
+    <dgm:txEffectClrLst/>
+  </dgm:styleLbl>
+  <dgm:styleLbl name="asst0">
+    <dgm:fillClrLst meth="repeat">
+      <a:schemeClr val="accent1"/>
+    </dgm:fillClrLst>
+    <dgm:linClrLst meth="repeat">
+      <a:schemeClr val="lt1"/>
+    </dgm:linClrLst>
+    <dgm:effectClrLst/>
+    <dgm:txLinClrLst/>
+    <dgm:txFillClrLst/>
+    <dgm:txEffectClrLst/>
+  </dgm:styleLbl>
+  <dgm:styleLbl name="asst1">
+    <dgm:fillClrLst meth="repeat">
+      <a:schemeClr val="accent1"/>
+    </dgm:fillClrLst>
+    <dgm:linClrLst meth="repeat">
+      <a:schemeClr val="lt1"/>
+    </dgm:linClrLst>
+    <dgm:effectClrLst/>
+    <dgm:txLinClrLst/>
+    <dgm:txFillClrLst/>
+    <dgm:txEffectClrLst/>
+  </dgm:styleLbl>
+  <dgm:styleLbl name="asst2">
+    <dgm:fillClrLst meth="repeat">
+      <a:schemeClr val="accent1"/>
+    </dgm:fillClrLst>
+    <dgm:linClrLst meth="repeat">
+      <a:schemeClr val="lt1"/>
+    </dgm:linClrLst>
+    <dgm:effectClrLst/>
+    <dgm:txLinClrLst/>
+    <dgm:txFillClrLst/>
+    <dgm:txEffectClrLst/>
+  </dgm:styleLbl>
+  <dgm:styleLbl name="asst3">
+    <dgm:fillClrLst meth="repeat">
+      <a:schemeClr val="accent1"/>
+    </dgm:fillClrLst>
+    <dgm:linClrLst meth="repeat">
+      <a:schemeClr val="lt1"/>
+    </dgm:linClrLst>
+    <dgm:effectClrLst/>
+    <dgm:txLinClrLst/>
+    <dgm:txFillClrLst/>
+    <dgm:txEffectClrLst/>
+  </dgm:styleLbl>
+  <dgm:styleLbl name="asst4">
+    <dgm:fillClrLst meth="repeat">
+      <a:schemeClr val="accent1"/>
+    </dgm:fillClrLst>
+    <dgm:linClrLst meth="repeat">
+      <a:schemeClr val="lt1"/>
+    </dgm:linClrLst>
+    <dgm:effectClrLst/>
+    <dgm:txLinClrLst/>
+    <dgm:txFillClrLst/>
+    <dgm:txEffectClrLst/>
+  </dgm:styleLbl>
+  <dgm:styleLbl name="parChTrans2D1">
+    <dgm:fillClrLst meth="repeat">
+      <a:schemeClr val="accent1">
+        <a:tint val="60000"/>
+      </a:schemeClr>
+    </dgm:fillClrLst>
+    <dgm:linClrLst meth="repeat">
+      <a:schemeClr val="accent1">
+        <a:tint val="60000"/>
+      </a:schemeClr>
+    </dgm:linClrLst>
+    <dgm:effectClrLst/>
+    <dgm:txLinClrLst/>
+    <dgm:txFillClrLst meth="repeat">
+      <a:schemeClr val="lt1"/>
+    </dgm:txFillClrLst>
+    <dgm:txEffectClrLst/>
+  </dgm:styleLbl>
+  <dgm:styleLbl name="parChTrans2D2">
+    <dgm:fillClrLst meth="repeat">
+      <a:schemeClr val="accent1"/>
+    </dgm:fillClrLst>
+    <dgm:linClrLst meth="repeat">
+      <a:schemeClr val="accent1"/>
+    </dgm:linClrLst>
+    <dgm:effectClrLst/>
+    <dgm:txLinClrLst/>
+    <dgm:txFillClrLst meth="repeat">
+      <a:schemeClr val="lt1"/>
+    </dgm:txFillClrLst>
+    <dgm:txEffectClrLst/>
+  </dgm:styleLbl>
+  <dgm:styleLbl name="parChTrans2D3">
+    <dgm:fillClrLst meth="repeat">
+      <a:schemeClr val="accent1"/>
+    </dgm:fillClrLst>
+    <dgm:linClrLst meth="repeat">
+      <a:schemeClr val="accent1"/>
+    </dgm:linClrLst>
+    <dgm:effectClrLst/>
+    <dgm:txLinClrLst/>
+    <dgm:txFillClrLst meth="repeat">
+      <a:schemeClr val="lt1"/>
+    </dgm:txFillClrLst>
+    <dgm:txEffectClrLst/>
+  </dgm:styleLbl>
+  <dgm:styleLbl name="parChTrans2D4">
+    <dgm:fillClrLst meth="repeat">
+      <a:schemeClr val="accent1"/>
+    </dgm:fillClrLst>
+    <dgm:linClrLst meth="repeat">
+      <a:schemeClr val="accent1"/>
+    </dgm:linClrLst>
+    <dgm:effectClrLst/>
+    <dgm:txLinClrLst/>
+    <dgm:txFillClrLst meth="repeat">
+      <a:schemeClr val="lt1"/>
+    </dgm:txFillClrLst>
+    <dgm:txEffectClrLst/>
+  </dgm:styleLbl>
+  <dgm:styleLbl name="parChTrans1D1">
+    <dgm:fillClrLst meth="repeat">
+      <a:schemeClr val="accent1"/>
+    </dgm:fillClrLst>
+    <dgm:linClrLst meth="repeat">
+      <a:schemeClr val="accent1">
+        <a:shade val="60000"/>
+      </a:schemeClr>
+    </dgm:linClrLst>
+    <dgm:effectClrLst/>
+    <dgm:txLinClrLst/>
+    <dgm:txFillClrLst meth="repeat">
+      <a:schemeClr val="tx1"/>
+    </dgm:txFillClrLst>
+    <dgm:txEffectClrLst/>
+  </dgm:styleLbl>
+  <dgm:styleLbl name="parChTrans1D2">
+    <dgm:fillClrLst meth="repeat">
+      <a:schemeClr val="accent1"/>
+    </dgm:fillClrLst>
+    <dgm:linClrLst meth="repeat">
+      <a:schemeClr val="accent1">
+        <a:shade val="60000"/>
+      </a:schemeClr>
+    </dgm:linClrLst>
+    <dgm:effectClrLst/>
+    <dgm:txLinClrLst/>
+    <dgm:txFillClrLst meth="repeat">
+      <a:schemeClr val="tx1"/>
+    </dgm:txFillClrLst>
+    <dgm:txEffectClrLst/>
+  </dgm:styleLbl>
+  <dgm:styleLbl name="parChTrans1D3">
+    <dgm:fillClrLst meth="repeat">
+      <a:schemeClr val="accent1"/>
+    </dgm:fillClrLst>
+    <dgm:linClrLst meth="repeat">
+      <a:schemeClr val="accent1">
+        <a:shade val="80000"/>
+      </a:schemeClr>
+    </dgm:linClrLst>
+    <dgm:effectClrLst/>
+    <dgm:txLinClrLst/>
+    <dgm:txFillClrLst meth="repeat">
+      <a:schemeClr val="tx1"/>
+    </dgm:txFillClrLst>
+    <dgm:txEffectClrLst/>
+  </dgm:styleLbl>
+  <dgm:styleLbl name="parChTrans1D4">
+    <dgm:fillClrLst meth="repeat">
+      <a:schemeClr val="accent1"/>
+    </dgm:fillClrLst>
+    <dgm:linClrLst meth="repeat">
+      <a:schemeClr val="accent1">
+        <a:shade val="80000"/>
+      </a:schemeClr>
+    </dgm:linClrLst>
+    <dgm:effectClrLst/>
+    <dgm:txLinClrLst/>
+    <dgm:txFillClrLst meth="repeat">
+      <a:schemeClr val="tx1"/>
+    </dgm:txFillClrLst>
+    <dgm:txEffectClrLst/>
+  </dgm:styleLbl>
+  <dgm:styleLbl name="fgAcc1">
+    <dgm:fillClrLst meth="repeat">
+      <a:schemeClr val="lt1">
+        <a:alpha val="90000"/>
+      </a:schemeClr>
+    </dgm:fillClrLst>
+    <dgm:linClrLst meth="repeat">
+      <a:schemeClr val="accent1"/>
+    </dgm:linClrLst>
+    <dgm:effectClrLst/>
+    <dgm:txLinClrLst/>
+    <dgm:txFillClrLst meth="repeat">
+      <a:schemeClr val="dk1"/>
+    </dgm:txFillClrLst>
+    <dgm:txEffectClrLst/>
+  </dgm:styleLbl>
+  <dgm:styleLbl name="conFgAcc1">
+    <dgm:fillClrLst meth="repeat">
+      <a:schemeClr val="lt1">
+        <a:alpha val="90000"/>
+      </a:schemeClr>
+    </dgm:fillClrLst>
+    <dgm:linClrLst meth="repeat">
+      <a:schemeClr val="accent1"/>
+    </dgm:linClrLst>
+    <dgm:effectClrLst/>
+    <dgm:txLinClrLst/>
+    <dgm:txFillClrLst meth="repeat">
+      <a:schemeClr val="dk1"/>
+    </dgm:txFillClrLst>
+    <dgm:txEffectClrLst/>
+  </dgm:styleLbl>
+  <dgm:styleLbl name="alignAcc1">
+    <dgm:fillClrLst meth="repeat">
+      <a:schemeClr val="lt1">
+        <a:alpha val="90000"/>
+      </a:schemeClr>
+    </dgm:fillClrLst>
+    <dgm:linClrLst meth="repeat">
+      <a:schemeClr val="accent1"/>
+    </dgm:linClrLst>
+    <dgm:effectClrLst/>
+    <dgm:txLinClrLst/>
+    <dgm:txFillClrLst meth="repeat">
+      <a:schemeClr val="dk1"/>
+    </dgm:txFillClrLst>
+    <dgm:txEffectClrLst/>
+  </dgm:styleLbl>
+  <dgm:styleLbl name="trAlignAcc1">
+    <dgm:fillClrLst meth="repeat">
+      <a:schemeClr val="lt1">
+        <a:alpha val="40000"/>
+      </a:schemeClr>
+    </dgm:fillClrLst>
+    <dgm:linClrLst meth="repeat">
+      <a:schemeClr val="accent1"/>
+    </dgm:linClrLst>
+    <dgm:effectClrLst/>
+    <dgm:txLinClrLst/>
+    <dgm:txFillClrLst meth="repeat">
+      <a:schemeClr val="dk1"/>
+    </dgm:txFillClrLst>
+    <dgm:txEffectClrLst/>
+  </dgm:styleLbl>
+  <dgm:styleLbl name="bgAcc1">
+    <dgm:fillClrLst meth="repeat">
+      <a:schemeClr val="lt1">
+        <a:alpha val="90000"/>
+      </a:schemeClr>
+    </dgm:fillClrLst>
+    <dgm:linClrLst meth="repeat">
+      <a:schemeClr val="accent1"/>
+    </dgm:linClrLst>
+    <dgm:effectClrLst/>
+    <dgm:txLinClrLst/>
+    <dgm:txFillClrLst meth="repeat">
+      <a:schemeClr val="dk1"/>
+    </dgm:txFillClrLst>
+    <dgm:txEffectClrLst/>
+  </dgm:styleLbl>
+  <dgm:styleLbl name="solidFgAcc1">
+    <dgm:fillClrLst meth="repeat">
+      <a:schemeClr val="lt1"/>
+    </dgm:fillClrLst>
+    <dgm:linClrLst meth="repeat">
+      <a:schemeClr val="accent1"/>
+    </dgm:linClrLst>
+    <dgm:effectClrLst/>
+    <dgm:txLinClrLst/>
+    <dgm:txFillClrLst meth="repeat">
+      <a:schemeClr val="dk1"/>
+    </dgm:txFillClrLst>
+    <dgm:txEffectClrLst/>
+  </dgm:styleLbl>
+  <dgm:styleLbl name="solidAlignAcc1">
+    <dgm:fillClrLst meth="repeat">
+      <a:schemeClr val="lt1"/>
+    </dgm:fillClrLst>
+    <dgm:linClrLst meth="repeat">
+      <a:schemeClr val="accent1"/>
+    </dgm:linClrLst>
+    <dgm:effectClrLst/>
+    <dgm:txLinClrLst/>
+    <dgm:txFillClrLst meth="repeat">
+      <a:schemeClr val="dk1"/>
+    </dgm:txFillClrLst>
+    <dgm:txEffectClrLst/>
+  </dgm:styleLbl>
+  <dgm:styleLbl name="solidBgAcc1">
+    <dgm:fillClrLst meth="repeat">
+      <a:schemeClr val="lt1"/>
+    </dgm:fillClrLst>
+    <dgm:linClrLst meth="repeat">
+      <a:schemeClr val="accent1"/>
+    </dgm:linClrLst>
+    <dgm:effectClrLst/>
+    <dgm:txLinClrLst/>
+    <dgm:txFillClrLst meth="repeat">
+      <a:schemeClr val="dk1"/>
+    </dgm:txFillClrLst>
+    <dgm:txEffectClrLst/>
+  </dgm:styleLbl>
+  <dgm:styleLbl name="fgAccFollowNode1">
+    <dgm:fillClrLst meth="repeat">
+      <a:schemeClr val="accent1">
+        <a:alpha val="90000"/>
+        <a:tint val="40000"/>
+      </a:schemeClr>
+    </dgm:fillClrLst>
+    <dgm:linClrLst meth="repeat">
+      <a:schemeClr val="accent1">
+        <a:alpha val="90000"/>
+        <a:tint val="40000"/>
+      </a:schemeClr>
+    </dgm:linClrLst>
+    <dgm:effectClrLst/>
+    <dgm:txLinClrLst/>
+    <dgm:txFillClrLst meth="repeat">
+      <a:schemeClr val="dk1"/>
+    </dgm:txFillClrLst>
+    <dgm:txEffectClrLst/>
+  </dgm:styleLbl>
+  <dgm:styleLbl name="alignAccFollowNode1">
+    <dgm:fillClrLst meth="repeat">
+      <a:schemeClr val="accent1">
+        <a:alpha val="90000"/>
+        <a:tint val="40000"/>
+      </a:schemeClr>
+    </dgm:fillClrLst>
+    <dgm:linClrLst meth="repeat">
+      <a:schemeClr val="accent1">
+        <a:alpha val="90000"/>
+        <a:tint val="40000"/>
+      </a:schemeClr>
+    </dgm:linClrLst>
+    <dgm:effectClrLst/>
+    <dgm:txLinClrLst/>
+    <dgm:txFillClrLst meth="repeat">
+      <a:schemeClr val="dk1"/>
+    </dgm:txFillClrLst>
+    <dgm:txEffectClrLst/>
+  </dgm:styleLbl>
+  <dgm:styleLbl name="bgAccFollowNode1">
+    <dgm:fillClrLst meth="repeat">
+      <a:schemeClr val="accent1">
+        <a:alpha val="90000"/>
+        <a:tint val="40000"/>
+      </a:schemeClr>
+    </dgm:fillClrLst>
+    <dgm:linClrLst meth="repeat">
+      <a:schemeClr val="accent1">
+        <a:alpha val="90000"/>
+        <a:tint val="40000"/>
+      </a:schemeClr>
+    </dgm:linClrLst>
+    <dgm:effectClrLst/>
+    <dgm:txLinClrLst/>
+    <dgm:txFillClrLst meth="repeat">
+      <a:schemeClr val="dk1"/>
+    </dgm:txFillClrLst>
+    <dgm:txEffectClrLst/>
+  </dgm:styleLbl>
+  <dgm:styleLbl name="fgAcc0">
+    <dgm:fillClrLst meth="repeat">
+      <a:schemeClr val="lt1">
+        <a:alpha val="90000"/>
+      </a:schemeClr>
+    </dgm:fillClrLst>
+    <dgm:linClrLst meth="repeat">
+      <a:schemeClr val="accent1"/>
+    </dgm:linClrLst>
+    <dgm:effectClrLst/>
+    <dgm:txLinClrLst/>
+    <dgm:txFillClrLst meth="repeat">
+      <a:schemeClr val="dk1"/>
+    </dgm:txFillClrLst>
+    <dgm:txEffectClrLst/>
+  </dgm:styleLbl>
+  <dgm:styleLbl name="fgAcc2">
+    <dgm:fillClrLst meth="repeat">
+      <a:schemeClr val="lt1">
+        <a:alpha val="90000"/>
+      </a:schemeClr>
+    </dgm:fillClrLst>
+    <dgm:linClrLst meth="repeat">
+      <a:schemeClr val="accent1"/>
+    </dgm:linClrLst>
+    <dgm:effectClrLst/>
+    <dgm:txLinClrLst/>
+    <dgm:txFillClrLst meth="repeat">
+      <a:schemeClr val="dk1"/>
+    </dgm:txFillClrLst>
+    <dgm:txEffectClrLst/>
+  </dgm:styleLbl>
+  <dgm:styleLbl name="fgAcc3">
+    <dgm:fillClrLst meth="repeat">
+      <a:schemeClr val="lt1">
+        <a:alpha val="90000"/>
+      </a:schemeClr>
+    </dgm:fillClrLst>
+    <dgm:linClrLst meth="repeat">
+      <a:schemeClr val="accent1"/>
+    </dgm:linClrLst>
+    <dgm:effectClrLst/>
+    <dgm:txLinClrLst/>
+    <dgm:txFillClrLst meth="repeat">
+      <a:schemeClr val="dk1"/>
+    </dgm:txFillClrLst>
+    <dgm:txEffectClrLst/>
+  </dgm:styleLbl>
+  <dgm:styleLbl name="fgAcc4">
+    <dgm:fillClrLst meth="repeat">
+      <a:schemeClr val="lt1">
+        <a:alpha val="90000"/>
+      </a:schemeClr>
+    </dgm:fillClrLst>
+    <dgm:linClrLst meth="repeat">
+      <a:schemeClr val="accent1"/>
+    </dgm:linClrLst>
+    <dgm:effectClrLst/>
+    <dgm:txLinClrLst/>
+    <dgm:txFillClrLst meth="repeat">
+      <a:schemeClr val="dk1"/>
+    </dgm:txFillClrLst>
+    <dgm:txEffectClrLst/>
+  </dgm:styleLbl>
+  <dgm:styleLbl name="bgShp">
+    <dgm:fillClrLst meth="repeat">
+      <a:schemeClr val="accent1">
+        <a:tint val="40000"/>
+      </a:schemeClr>
+    </dgm:fillClrLst>
+    <dgm:linClrLst meth="repeat">
+      <a:schemeClr val="accent1"/>
+    </dgm:linClrLst>
+    <dgm:effectClrLst/>
+    <dgm:txLinClrLst/>
+    <dgm:txFillClrLst meth="repeat">
+      <a:schemeClr val="dk1"/>
+    </dgm:txFillClrLst>
+    <dgm:txEffectClrLst/>
+  </dgm:styleLbl>
+  <dgm:styleLbl name="dkBgShp">
+    <dgm:fillClrLst meth="repeat">
+      <a:schemeClr val="accent1">
+        <a:shade val="80000"/>
+      </a:schemeClr>
+    </dgm:fillClrLst>
+    <dgm:linClrLst meth="repeat">
+      <a:schemeClr val="accent1"/>
+    </dgm:linClrLst>
+    <dgm:effectClrLst/>
+    <dgm:txLinClrLst/>
+    <dgm:txFillClrLst meth="repeat">
+      <a:schemeClr val="lt1"/>
+    </dgm:txFillClrLst>
+    <dgm:txEffectClrLst/>
+  </dgm:styleLbl>
+  <dgm:styleLbl name="trBgShp">
+    <dgm:fillClrLst meth="repeat">
+      <a:schemeClr val="accent1">
+        <a:tint val="50000"/>
+        <a:alpha val="40000"/>
+      </a:schemeClr>
+    </dgm:fillClrLst>
+    <dgm:linClrLst meth="repeat">
+      <a:schemeClr val="accent1"/>
+    </dgm:linClrLst>
+    <dgm:effectClrLst/>
+    <dgm:txLinClrLst/>
+    <dgm:txFillClrLst meth="repeat">
+      <a:schemeClr val="lt1"/>
+    </dgm:txFillClrLst>
+    <dgm:txEffectClrLst/>
+  </dgm:styleLbl>
+  <dgm:styleLbl name="fgShp">
+    <dgm:fillClrLst meth="repeat">
+      <a:schemeClr val="accent1">
+        <a:tint val="60000"/>
+      </a:schemeClr>
+    </dgm:fillClrLst>
+    <dgm:linClrLst meth="repeat">
+      <a:schemeClr val="lt1"/>
+    </dgm:linClrLst>
+    <dgm:effectClrLst/>
+    <dgm:txLinClrLst/>
+    <dgm:txFillClrLst meth="repeat">
+      <a:schemeClr val="dk1"/>
+    </dgm:txFillClrLst>
+    <dgm:txEffectClrLst/>
+  </dgm:styleLbl>
+  <dgm:styleLbl name="revTx">
+    <dgm:fillClrLst meth="repeat">
+      <a:schemeClr val="lt1">
+        <a:alpha val="0"/>
+      </a:schemeClr>
+    </dgm:fillClrLst>
+    <dgm:linClrLst meth="repeat">
+      <a:schemeClr val="dk1">
+        <a:alpha val="0"/>
+      </a:schemeClr>
+    </dgm:linClrLst>
+    <dgm:effectClrLst/>
+    <dgm:txLinClrLst/>
+    <dgm:txFillClrLst meth="repeat">
+      <a:schemeClr val="tx1"/>
+    </dgm:txFillClrLst>
+    <dgm:txEffectClrLst/>
+  </dgm:styleLbl>
+</dgm:colorsDef>
+</file>
+
+<file path=ppt/diagrams/data1.xml><?xml version="1.0" encoding="utf-8"?>
+<dgm:dataModel xmlns:dgm="http://schemas.openxmlformats.org/drawingml/2006/diagram" xmlns:a="http://schemas.openxmlformats.org/drawingml/2006/main">
+  <dgm:ptLst>
+    <dgm:pt modelId="{4FABB2AB-8341-4387-95D0-6C871C4B1E75}" type="doc">
+      <dgm:prSet loTypeId="urn:microsoft.com/office/officeart/2005/8/layout/default" loCatId="list" qsTypeId="urn:microsoft.com/office/officeart/2005/8/quickstyle/simple1" qsCatId="simple" csTypeId="urn:microsoft.com/office/officeart/2005/8/colors/accent1_2" csCatId="accent1" phldr="1"/>
+      <dgm:spPr/>
+      <dgm:t>
+        <a:bodyPr/>
+        <a:lstStyle/>
+        <a:p>
+          <a:endParaRPr lang="en-US"/>
+        </a:p>
+      </dgm:t>
+    </dgm:pt>
+    <dgm:pt modelId="{5689F1C2-3825-4226-A8AC-73A29AE8DA8C}">
+      <dgm:prSet phldrT="[Text]"/>
+      <dgm:spPr/>
+      <dgm:t>
+        <a:bodyPr/>
+        <a:lstStyle/>
+        <a:p>
+          <a:r>
+            <a:rPr lang="en-US" dirty="0"/>
+            <a:t>.NET Core</a:t>
+          </a:r>
+        </a:p>
+      </dgm:t>
+    </dgm:pt>
+    <dgm:pt modelId="{5A2F31E2-1B46-47BE-8EC6-DBBD58FED895}" type="parTrans" cxnId="{CCD18C19-48AE-4175-88C9-E9F4A084F6C7}">
+      <dgm:prSet/>
+      <dgm:spPr/>
+      <dgm:t>
+        <a:bodyPr/>
+        <a:lstStyle/>
+        <a:p>
+          <a:endParaRPr lang="en-US"/>
+        </a:p>
+      </dgm:t>
+    </dgm:pt>
+    <dgm:pt modelId="{6F42E390-AD0C-48DD-8D3C-93B0864ECB81}" type="sibTrans" cxnId="{CCD18C19-48AE-4175-88C9-E9F4A084F6C7}">
+      <dgm:prSet/>
+      <dgm:spPr/>
+      <dgm:t>
+        <a:bodyPr/>
+        <a:lstStyle/>
+        <a:p>
+          <a:endParaRPr lang="en-US"/>
+        </a:p>
+      </dgm:t>
+    </dgm:pt>
+    <dgm:pt modelId="{AD6476F4-1233-4C80-A9D7-E48D3F8CE419}">
+      <dgm:prSet phldrT="[Text]"/>
+      <dgm:spPr/>
+      <dgm:t>
+        <a:bodyPr/>
+        <a:lstStyle/>
+        <a:p>
+          <a:r>
+            <a:rPr lang="en-US" dirty="0"/>
+            <a:t>Hosting</a:t>
+          </a:r>
+        </a:p>
+      </dgm:t>
+    </dgm:pt>
+    <dgm:pt modelId="{BEBB047D-902A-47AF-A9DF-390E4E30F612}" type="parTrans" cxnId="{D07343B5-13AB-419D-AECF-35CE36125863}">
+      <dgm:prSet/>
+      <dgm:spPr/>
+      <dgm:t>
+        <a:bodyPr/>
+        <a:lstStyle/>
+        <a:p>
+          <a:endParaRPr lang="en-US"/>
+        </a:p>
+      </dgm:t>
+    </dgm:pt>
+    <dgm:pt modelId="{85E9B465-7865-4FF4-A450-B138E8C41EC7}" type="sibTrans" cxnId="{D07343B5-13AB-419D-AECF-35CE36125863}">
+      <dgm:prSet/>
+      <dgm:spPr/>
+      <dgm:t>
+        <a:bodyPr/>
+        <a:lstStyle/>
+        <a:p>
+          <a:endParaRPr lang="en-US"/>
+        </a:p>
+      </dgm:t>
+    </dgm:pt>
+    <dgm:pt modelId="{8A612EA1-C407-4AE9-B444-7A6E8B0BC71F}">
+      <dgm:prSet phldrT="[Text]"/>
+      <dgm:spPr/>
+      <dgm:t>
+        <a:bodyPr/>
+        <a:lstStyle/>
+        <a:p>
+          <a:r>
+            <a:rPr lang="en-US" dirty="0"/>
+            <a:t>Middleware</a:t>
+          </a:r>
+        </a:p>
+      </dgm:t>
+    </dgm:pt>
+    <dgm:pt modelId="{A424C1DC-9E38-4F06-80B4-E4AAA335D15E}" type="parTrans" cxnId="{EE8FF3D2-5495-47F1-99C8-7E5215EF67F8}">
+      <dgm:prSet/>
+      <dgm:spPr/>
+      <dgm:t>
+        <a:bodyPr/>
+        <a:lstStyle/>
+        <a:p>
+          <a:endParaRPr lang="en-US"/>
+        </a:p>
+      </dgm:t>
+    </dgm:pt>
+    <dgm:pt modelId="{E19239A5-5A15-4ED4-BD65-CD5BC6E3E2FF}" type="sibTrans" cxnId="{EE8FF3D2-5495-47F1-99C8-7E5215EF67F8}">
+      <dgm:prSet/>
+      <dgm:spPr/>
+      <dgm:t>
+        <a:bodyPr/>
+        <a:lstStyle/>
+        <a:p>
+          <a:endParaRPr lang="en-US"/>
+        </a:p>
+      </dgm:t>
+    </dgm:pt>
+    <dgm:pt modelId="{4AF4971F-B93E-4D2F-A375-95B6761C426F}">
+      <dgm:prSet phldrT="[Text]"/>
+      <dgm:spPr/>
+      <dgm:t>
+        <a:bodyPr/>
+        <a:lstStyle/>
+        <a:p>
+          <a:r>
+            <a:rPr lang="en-US" dirty="0"/>
+            <a:t>Security</a:t>
+          </a:r>
+        </a:p>
+      </dgm:t>
+    </dgm:pt>
+    <dgm:pt modelId="{156B7F09-3F74-4EBB-B55B-69C406D9ADE3}" type="parTrans" cxnId="{92E52645-490D-469A-8FA7-E7E280A56A28}">
+      <dgm:prSet/>
+      <dgm:spPr/>
+      <dgm:t>
+        <a:bodyPr/>
+        <a:lstStyle/>
+        <a:p>
+          <a:endParaRPr lang="en-US"/>
+        </a:p>
+      </dgm:t>
+    </dgm:pt>
+    <dgm:pt modelId="{7EE574F6-75D8-4FBF-8731-BBA4C00A57A8}" type="sibTrans" cxnId="{92E52645-490D-469A-8FA7-E7E280A56A28}">
+      <dgm:prSet/>
+      <dgm:spPr/>
+      <dgm:t>
+        <a:bodyPr/>
+        <a:lstStyle/>
+        <a:p>
+          <a:endParaRPr lang="en-US"/>
+        </a:p>
+      </dgm:t>
+    </dgm:pt>
+    <dgm:pt modelId="{B78DA597-2353-44E7-B496-2A9805E5F1D2}">
+      <dgm:prSet phldrT="[Text]"/>
+      <dgm:spPr/>
+      <dgm:t>
+        <a:bodyPr/>
+        <a:lstStyle/>
+        <a:p>
+          <a:r>
+            <a:rPr lang="en-US" dirty="0"/>
+            <a:t>Data Access</a:t>
+          </a:r>
+        </a:p>
+      </dgm:t>
+    </dgm:pt>
+    <dgm:pt modelId="{8491C830-7FCF-4867-B524-605730A60633}" type="parTrans" cxnId="{BF8F4C00-FADD-47BC-8FF6-B0D6F5FF7438}">
+      <dgm:prSet/>
+      <dgm:spPr/>
+      <dgm:t>
+        <a:bodyPr/>
+        <a:lstStyle/>
+        <a:p>
+          <a:endParaRPr lang="en-US"/>
+        </a:p>
+      </dgm:t>
+    </dgm:pt>
+    <dgm:pt modelId="{B85D36DF-21C0-4243-B5DB-643CB057FF3F}" type="sibTrans" cxnId="{BF8F4C00-FADD-47BC-8FF6-B0D6F5FF7438}">
+      <dgm:prSet/>
+      <dgm:spPr/>
+      <dgm:t>
+        <a:bodyPr/>
+        <a:lstStyle/>
+        <a:p>
+          <a:endParaRPr lang="en-US"/>
+        </a:p>
+      </dgm:t>
+    </dgm:pt>
+    <dgm:pt modelId="{01A7C761-A245-47C8-81A5-70F8E91D6242}">
+      <dgm:prSet phldrT="[Text]"/>
+      <dgm:spPr/>
+      <dgm:t>
+        <a:bodyPr/>
+        <a:lstStyle/>
+        <a:p>
+          <a:r>
+            <a:rPr lang="en-US" dirty="0"/>
+            <a:t>ASP.NET Core</a:t>
+          </a:r>
+        </a:p>
+      </dgm:t>
+    </dgm:pt>
+    <dgm:pt modelId="{29F8BFDD-172C-49BF-A1DB-3067112A87EA}" type="parTrans" cxnId="{F75B920D-CCBB-4386-9CE6-5DCBD0EBA70B}">
+      <dgm:prSet/>
+      <dgm:spPr/>
+      <dgm:t>
+        <a:bodyPr/>
+        <a:lstStyle/>
+        <a:p>
+          <a:endParaRPr lang="en-US"/>
+        </a:p>
+      </dgm:t>
+    </dgm:pt>
+    <dgm:pt modelId="{090F4C8C-B6F2-4007-B445-30C3E63D49A5}" type="sibTrans" cxnId="{F75B920D-CCBB-4386-9CE6-5DCBD0EBA70B}">
+      <dgm:prSet/>
+      <dgm:spPr/>
+      <dgm:t>
+        <a:bodyPr/>
+        <a:lstStyle/>
+        <a:p>
+          <a:endParaRPr lang="en-US"/>
+        </a:p>
+      </dgm:t>
+    </dgm:pt>
+    <dgm:pt modelId="{EB5847D1-F179-4077-9B45-4530078E0A19}" type="pres">
+      <dgm:prSet presAssocID="{4FABB2AB-8341-4387-95D0-6C871C4B1E75}" presName="diagram" presStyleCnt="0">
+        <dgm:presLayoutVars>
+          <dgm:dir/>
+          <dgm:resizeHandles val="exact"/>
+        </dgm:presLayoutVars>
+      </dgm:prSet>
+      <dgm:spPr/>
+    </dgm:pt>
+    <dgm:pt modelId="{981A6281-86F8-4AC1-900E-EE98A647CCC7}" type="pres">
+      <dgm:prSet presAssocID="{5689F1C2-3825-4226-A8AC-73A29AE8DA8C}" presName="node" presStyleLbl="node1" presStyleIdx="0" presStyleCnt="6">
+        <dgm:presLayoutVars>
+          <dgm:bulletEnabled val="1"/>
+        </dgm:presLayoutVars>
+      </dgm:prSet>
+      <dgm:spPr/>
+    </dgm:pt>
+    <dgm:pt modelId="{ABB9A1DF-410C-4DAC-946D-CF79361E9962}" type="pres">
+      <dgm:prSet presAssocID="{6F42E390-AD0C-48DD-8D3C-93B0864ECB81}" presName="sibTrans" presStyleCnt="0"/>
+      <dgm:spPr/>
+    </dgm:pt>
+    <dgm:pt modelId="{7CF9E0E1-57E1-4E71-AB2A-705C54310011}" type="pres">
+      <dgm:prSet presAssocID="{AD6476F4-1233-4C80-A9D7-E48D3F8CE419}" presName="node" presStyleLbl="node1" presStyleIdx="1" presStyleCnt="6">
+        <dgm:presLayoutVars>
+          <dgm:bulletEnabled val="1"/>
+        </dgm:presLayoutVars>
+      </dgm:prSet>
+      <dgm:spPr/>
+    </dgm:pt>
+    <dgm:pt modelId="{23C9B72A-DC8E-4156-AB59-1640EC1D6FDF}" type="pres">
+      <dgm:prSet presAssocID="{85E9B465-7865-4FF4-A450-B138E8C41EC7}" presName="sibTrans" presStyleCnt="0"/>
+      <dgm:spPr/>
+    </dgm:pt>
+    <dgm:pt modelId="{59568C65-5F91-47FC-BD3B-7D6E5AF8542E}" type="pres">
+      <dgm:prSet presAssocID="{8A612EA1-C407-4AE9-B444-7A6E8B0BC71F}" presName="node" presStyleLbl="node1" presStyleIdx="2" presStyleCnt="6">
+        <dgm:presLayoutVars>
+          <dgm:bulletEnabled val="1"/>
+        </dgm:presLayoutVars>
+      </dgm:prSet>
+      <dgm:spPr/>
+    </dgm:pt>
+    <dgm:pt modelId="{0BF18364-9EF8-4B5D-BEA2-2207A9EA3288}" type="pres">
+      <dgm:prSet presAssocID="{E19239A5-5A15-4ED4-BD65-CD5BC6E3E2FF}" presName="sibTrans" presStyleCnt="0"/>
+      <dgm:spPr/>
+    </dgm:pt>
+    <dgm:pt modelId="{93093A55-75FF-42DD-A388-171C815381CD}" type="pres">
+      <dgm:prSet presAssocID="{4AF4971F-B93E-4D2F-A375-95B6761C426F}" presName="node" presStyleLbl="node1" presStyleIdx="3" presStyleCnt="6">
+        <dgm:presLayoutVars>
+          <dgm:bulletEnabled val="1"/>
+        </dgm:presLayoutVars>
+      </dgm:prSet>
+      <dgm:spPr/>
+    </dgm:pt>
+    <dgm:pt modelId="{BA65A016-1BD2-4BD7-B7B0-E381EA89EC87}" type="pres">
+      <dgm:prSet presAssocID="{7EE574F6-75D8-4FBF-8731-BBA4C00A57A8}" presName="sibTrans" presStyleCnt="0"/>
+      <dgm:spPr/>
+    </dgm:pt>
+    <dgm:pt modelId="{07B597A2-DACE-457C-BABE-06FE57D509E5}" type="pres">
+      <dgm:prSet presAssocID="{B78DA597-2353-44E7-B496-2A9805E5F1D2}" presName="node" presStyleLbl="node1" presStyleIdx="4" presStyleCnt="6">
+        <dgm:presLayoutVars>
+          <dgm:bulletEnabled val="1"/>
+        </dgm:presLayoutVars>
+      </dgm:prSet>
+      <dgm:spPr/>
+    </dgm:pt>
+    <dgm:pt modelId="{376B8C51-F66A-4EDD-B4B6-E1AD38F76C3A}" type="pres">
+      <dgm:prSet presAssocID="{B85D36DF-21C0-4243-B5DB-643CB057FF3F}" presName="sibTrans" presStyleCnt="0"/>
+      <dgm:spPr/>
+    </dgm:pt>
+    <dgm:pt modelId="{025112D9-9E0E-477B-B4A8-B3E5D8E05C0C}" type="pres">
+      <dgm:prSet presAssocID="{01A7C761-A245-47C8-81A5-70F8E91D6242}" presName="node" presStyleLbl="node1" presStyleIdx="5" presStyleCnt="6">
+        <dgm:presLayoutVars>
+          <dgm:bulletEnabled val="1"/>
+        </dgm:presLayoutVars>
+      </dgm:prSet>
+      <dgm:spPr/>
+    </dgm:pt>
+  </dgm:ptLst>
+  <dgm:cxnLst>
+    <dgm:cxn modelId="{BAD7D139-BF94-4A63-A4AB-738C58EFC107}" type="presOf" srcId="{B78DA597-2353-44E7-B496-2A9805E5F1D2}" destId="{07B597A2-DACE-457C-BABE-06FE57D509E5}" srcOrd="0" destOrd="0" presId="urn:microsoft.com/office/officeart/2005/8/layout/default"/>
+    <dgm:cxn modelId="{F75B920D-CCBB-4386-9CE6-5DCBD0EBA70B}" srcId="{4FABB2AB-8341-4387-95D0-6C871C4B1E75}" destId="{01A7C761-A245-47C8-81A5-70F8E91D6242}" srcOrd="5" destOrd="0" parTransId="{29F8BFDD-172C-49BF-A1DB-3067112A87EA}" sibTransId="{090F4C8C-B6F2-4007-B445-30C3E63D49A5}"/>
+    <dgm:cxn modelId="{D31DA084-1BC8-4AF4-BAF3-2914896DCB51}" type="presOf" srcId="{8A612EA1-C407-4AE9-B444-7A6E8B0BC71F}" destId="{59568C65-5F91-47FC-BD3B-7D6E5AF8542E}" srcOrd="0" destOrd="0" presId="urn:microsoft.com/office/officeart/2005/8/layout/default"/>
+    <dgm:cxn modelId="{D07343B5-13AB-419D-AECF-35CE36125863}" srcId="{4FABB2AB-8341-4387-95D0-6C871C4B1E75}" destId="{AD6476F4-1233-4C80-A9D7-E48D3F8CE419}" srcOrd="1" destOrd="0" parTransId="{BEBB047D-902A-47AF-A9DF-390E4E30F612}" sibTransId="{85E9B465-7865-4FF4-A450-B138E8C41EC7}"/>
+    <dgm:cxn modelId="{E196C12A-942F-4A77-A418-D0256C7AC037}" type="presOf" srcId="{AD6476F4-1233-4C80-A9D7-E48D3F8CE419}" destId="{7CF9E0E1-57E1-4E71-AB2A-705C54310011}" srcOrd="0" destOrd="0" presId="urn:microsoft.com/office/officeart/2005/8/layout/default"/>
+    <dgm:cxn modelId="{BF8F4C00-FADD-47BC-8FF6-B0D6F5FF7438}" srcId="{4FABB2AB-8341-4387-95D0-6C871C4B1E75}" destId="{B78DA597-2353-44E7-B496-2A9805E5F1D2}" srcOrd="4" destOrd="0" parTransId="{8491C830-7FCF-4867-B524-605730A60633}" sibTransId="{B85D36DF-21C0-4243-B5DB-643CB057FF3F}"/>
+    <dgm:cxn modelId="{61808D5C-AF9D-4FD1-8A6F-93116DBA0020}" type="presOf" srcId="{4FABB2AB-8341-4387-95D0-6C871C4B1E75}" destId="{EB5847D1-F179-4077-9B45-4530078E0A19}" srcOrd="0" destOrd="0" presId="urn:microsoft.com/office/officeart/2005/8/layout/default"/>
+    <dgm:cxn modelId="{CCD18C19-48AE-4175-88C9-E9F4A084F6C7}" srcId="{4FABB2AB-8341-4387-95D0-6C871C4B1E75}" destId="{5689F1C2-3825-4226-A8AC-73A29AE8DA8C}" srcOrd="0" destOrd="0" parTransId="{5A2F31E2-1B46-47BE-8EC6-DBBD58FED895}" sibTransId="{6F42E390-AD0C-48DD-8D3C-93B0864ECB81}"/>
+    <dgm:cxn modelId="{596BBAFC-6570-4997-8020-18D31556627C}" type="presOf" srcId="{5689F1C2-3825-4226-A8AC-73A29AE8DA8C}" destId="{981A6281-86F8-4AC1-900E-EE98A647CCC7}" srcOrd="0" destOrd="0" presId="urn:microsoft.com/office/officeart/2005/8/layout/default"/>
+    <dgm:cxn modelId="{D9E3FD46-8465-4AF1-B6CA-D03F0BCA9AA1}" type="presOf" srcId="{01A7C761-A245-47C8-81A5-70F8E91D6242}" destId="{025112D9-9E0E-477B-B4A8-B3E5D8E05C0C}" srcOrd="0" destOrd="0" presId="urn:microsoft.com/office/officeart/2005/8/layout/default"/>
+    <dgm:cxn modelId="{EE8FF3D2-5495-47F1-99C8-7E5215EF67F8}" srcId="{4FABB2AB-8341-4387-95D0-6C871C4B1E75}" destId="{8A612EA1-C407-4AE9-B444-7A6E8B0BC71F}" srcOrd="2" destOrd="0" parTransId="{A424C1DC-9E38-4F06-80B4-E4AAA335D15E}" sibTransId="{E19239A5-5A15-4ED4-BD65-CD5BC6E3E2FF}"/>
+    <dgm:cxn modelId="{DCEEF805-4CC8-40F6-9270-D33CFA9AEF30}" type="presOf" srcId="{4AF4971F-B93E-4D2F-A375-95B6761C426F}" destId="{93093A55-75FF-42DD-A388-171C815381CD}" srcOrd="0" destOrd="0" presId="urn:microsoft.com/office/officeart/2005/8/layout/default"/>
+    <dgm:cxn modelId="{92E52645-490D-469A-8FA7-E7E280A56A28}" srcId="{4FABB2AB-8341-4387-95D0-6C871C4B1E75}" destId="{4AF4971F-B93E-4D2F-A375-95B6761C426F}" srcOrd="3" destOrd="0" parTransId="{156B7F09-3F74-4EBB-B55B-69C406D9ADE3}" sibTransId="{7EE574F6-75D8-4FBF-8731-BBA4C00A57A8}"/>
+    <dgm:cxn modelId="{A0E5B55A-F383-483C-ADFB-CC2F0344FD69}" type="presParOf" srcId="{EB5847D1-F179-4077-9B45-4530078E0A19}" destId="{981A6281-86F8-4AC1-900E-EE98A647CCC7}" srcOrd="0" destOrd="0" presId="urn:microsoft.com/office/officeart/2005/8/layout/default"/>
+    <dgm:cxn modelId="{1012DE70-4BCD-4303-8EB2-5653456B0B0B}" type="presParOf" srcId="{EB5847D1-F179-4077-9B45-4530078E0A19}" destId="{ABB9A1DF-410C-4DAC-946D-CF79361E9962}" srcOrd="1" destOrd="0" presId="urn:microsoft.com/office/officeart/2005/8/layout/default"/>
+    <dgm:cxn modelId="{F1381393-5199-4A42-A63F-3B2DB4D72705}" type="presParOf" srcId="{EB5847D1-F179-4077-9B45-4530078E0A19}" destId="{7CF9E0E1-57E1-4E71-AB2A-705C54310011}" srcOrd="2" destOrd="0" presId="urn:microsoft.com/office/officeart/2005/8/layout/default"/>
+    <dgm:cxn modelId="{8330C3F4-D695-47ED-B7CC-707D9B7CD5C3}" type="presParOf" srcId="{EB5847D1-F179-4077-9B45-4530078E0A19}" destId="{23C9B72A-DC8E-4156-AB59-1640EC1D6FDF}" srcOrd="3" destOrd="0" presId="urn:microsoft.com/office/officeart/2005/8/layout/default"/>
+    <dgm:cxn modelId="{F9E50BC2-766B-4430-8A91-4B3400F42BDF}" type="presParOf" srcId="{EB5847D1-F179-4077-9B45-4530078E0A19}" destId="{59568C65-5F91-47FC-BD3B-7D6E5AF8542E}" srcOrd="4" destOrd="0" presId="urn:microsoft.com/office/officeart/2005/8/layout/default"/>
+    <dgm:cxn modelId="{C6767603-15B4-4D18-B22D-A1DD4DD73B56}" type="presParOf" srcId="{EB5847D1-F179-4077-9B45-4530078E0A19}" destId="{0BF18364-9EF8-4B5D-BEA2-2207A9EA3288}" srcOrd="5" destOrd="0" presId="urn:microsoft.com/office/officeart/2005/8/layout/default"/>
+    <dgm:cxn modelId="{F6F3A9DF-56E4-4A2C-ABB7-312825286F2E}" type="presParOf" srcId="{EB5847D1-F179-4077-9B45-4530078E0A19}" destId="{93093A55-75FF-42DD-A388-171C815381CD}" srcOrd="6" destOrd="0" presId="urn:microsoft.com/office/officeart/2005/8/layout/default"/>
+    <dgm:cxn modelId="{CBAEBA90-5078-4076-B825-86FF4517E08B}" type="presParOf" srcId="{EB5847D1-F179-4077-9B45-4530078E0A19}" destId="{BA65A016-1BD2-4BD7-B7B0-E381EA89EC87}" srcOrd="7" destOrd="0" presId="urn:microsoft.com/office/officeart/2005/8/layout/default"/>
+    <dgm:cxn modelId="{FED0528B-B81E-45DC-B010-8CDFD46445C4}" type="presParOf" srcId="{EB5847D1-F179-4077-9B45-4530078E0A19}" destId="{07B597A2-DACE-457C-BABE-06FE57D509E5}" srcOrd="8" destOrd="0" presId="urn:microsoft.com/office/officeart/2005/8/layout/default"/>
+    <dgm:cxn modelId="{23E804D9-7FEF-4F48-A84C-3E4F9E2CB915}" type="presParOf" srcId="{EB5847D1-F179-4077-9B45-4530078E0A19}" destId="{376B8C51-F66A-4EDD-B4B6-E1AD38F76C3A}" srcOrd="9" destOrd="0" presId="urn:microsoft.com/office/officeart/2005/8/layout/default"/>
+    <dgm:cxn modelId="{7029BBA7-3C16-4F3F-87F6-A132239D42DF}" type="presParOf" srcId="{EB5847D1-F179-4077-9B45-4530078E0A19}" destId="{025112D9-9E0E-477B-B4A8-B3E5D8E05C0C}" srcOrd="10" destOrd="0" presId="urn:microsoft.com/office/officeart/2005/8/layout/default"/>
+  </dgm:cxnLst>
+  <dgm:bg/>
+  <dgm:whole/>
+  <dgm:extLst>
+    <a:ext uri="http://schemas.microsoft.com/office/drawing/2008/diagram">
+      <dsp:dataModelExt xmlns:dsp="http://schemas.microsoft.com/office/drawing/2008/diagram" relId="rId6" minVer="http://schemas.openxmlformats.org/drawingml/2006/diagram"/>
+    </a:ext>
+  </dgm:extLst>
+</dgm:dataModel>
+</file>
+
+<file path=ppt/diagrams/drawing1.xml><?xml version="1.0" encoding="utf-8"?>
+<dsp:drawing xmlns:dgm="http://schemas.openxmlformats.org/drawingml/2006/diagram" xmlns:dsp="http://schemas.microsoft.com/office/drawing/2008/diagram" xmlns:a="http://schemas.openxmlformats.org/drawingml/2006/main">
+  <dsp:spTree>
+    <dsp:nvGrpSpPr>
+      <dsp:cNvPr id="0" name=""/>
+      <dsp:cNvGrpSpPr/>
+    </dsp:nvGrpSpPr>
+    <dsp:grpSpPr/>
+    <dsp:sp modelId="{981A6281-86F8-4AC1-900E-EE98A647CCC7}">
+      <dsp:nvSpPr>
+        <dsp:cNvPr id="0" name=""/>
+        <dsp:cNvSpPr/>
+      </dsp:nvSpPr>
+      <dsp:spPr>
+        <a:xfrm>
+          <a:off x="916483" y="1984"/>
+          <a:ext cx="2030015" cy="1218009"/>
+        </a:xfrm>
+        <a:prstGeom prst="rect">
+          <a:avLst/>
+        </a:prstGeom>
+        <a:solidFill>
+          <a:schemeClr val="accent1">
+            <a:hueOff val="0"/>
+            <a:satOff val="0"/>
+            <a:lumOff val="0"/>
+            <a:alphaOff val="0"/>
+          </a:schemeClr>
+        </a:solidFill>
+        <a:ln w="25400" cap="rnd" cmpd="sng" algn="ctr">
+          <a:solidFill>
+            <a:schemeClr val="lt1">
+              <a:hueOff val="0"/>
+              <a:satOff val="0"/>
+              <a:lumOff val="0"/>
+              <a:alphaOff val="0"/>
+            </a:schemeClr>
+          </a:solidFill>
+          <a:prstDash val="solid"/>
+        </a:ln>
+        <a:effectLst/>
+      </dsp:spPr>
+      <dsp:style>
+        <a:lnRef idx="2">
+          <a:scrgbClr r="0" g="0" b="0"/>
+        </a:lnRef>
+        <a:fillRef idx="1">
+          <a:scrgbClr r="0" g="0" b="0"/>
+        </a:fillRef>
+        <a:effectRef idx="0">
+          <a:scrgbClr r="0" g="0" b="0"/>
+        </a:effectRef>
+        <a:fontRef idx="minor">
+          <a:schemeClr val="lt1"/>
+        </a:fontRef>
+      </dsp:style>
+      <dsp:txBody>
+        <a:bodyPr spcFirstLastPara="0" vert="horz" wrap="square" lIns="102870" tIns="102870" rIns="102870" bIns="102870" numCol="1" spcCol="1270" anchor="ctr" anchorCtr="0">
+          <a:noAutofit/>
+        </a:bodyPr>
+        <a:lstStyle/>
+        <a:p>
+          <a:pPr marL="0" lvl="0" indent="0" algn="ctr" defTabSz="1200150">
+            <a:lnSpc>
+              <a:spcPct val="90000"/>
+            </a:lnSpc>
+            <a:spcBef>
+              <a:spcPct val="0"/>
+            </a:spcBef>
+            <a:spcAft>
+              <a:spcPct val="35000"/>
+            </a:spcAft>
+            <a:buNone/>
+          </a:pPr>
+          <a:r>
+            <a:rPr lang="en-US" sz="2700" kern="1200" dirty="0"/>
+            <a:t>.NET Core</a:t>
+          </a:r>
+        </a:p>
+      </dsp:txBody>
+      <dsp:txXfrm>
+        <a:off x="916483" y="1984"/>
+        <a:ext cx="2030015" cy="1218009"/>
+      </dsp:txXfrm>
+    </dsp:sp>
+    <dsp:sp modelId="{7CF9E0E1-57E1-4E71-AB2A-705C54310011}">
+      <dsp:nvSpPr>
+        <dsp:cNvPr id="0" name=""/>
+        <dsp:cNvSpPr/>
+      </dsp:nvSpPr>
+      <dsp:spPr>
+        <a:xfrm>
+          <a:off x="3149500" y="1984"/>
+          <a:ext cx="2030015" cy="1218009"/>
+        </a:xfrm>
+        <a:prstGeom prst="rect">
+          <a:avLst/>
+        </a:prstGeom>
+        <a:solidFill>
+          <a:schemeClr val="accent1">
+            <a:hueOff val="0"/>
+            <a:satOff val="0"/>
+            <a:lumOff val="0"/>
+            <a:alphaOff val="0"/>
+          </a:schemeClr>
+        </a:solidFill>
+        <a:ln w="25400" cap="rnd" cmpd="sng" algn="ctr">
+          <a:solidFill>
+            <a:schemeClr val="lt1">
+              <a:hueOff val="0"/>
+              <a:satOff val="0"/>
+              <a:lumOff val="0"/>
+              <a:alphaOff val="0"/>
+            </a:schemeClr>
+          </a:solidFill>
+          <a:prstDash val="solid"/>
+        </a:ln>
+        <a:effectLst/>
+      </dsp:spPr>
+      <dsp:style>
+        <a:lnRef idx="2">
+          <a:scrgbClr r="0" g="0" b="0"/>
+        </a:lnRef>
+        <a:fillRef idx="1">
+          <a:scrgbClr r="0" g="0" b="0"/>
+        </a:fillRef>
+        <a:effectRef idx="0">
+          <a:scrgbClr r="0" g="0" b="0"/>
+        </a:effectRef>
+        <a:fontRef idx="minor">
+          <a:schemeClr val="lt1"/>
+        </a:fontRef>
+      </dsp:style>
+      <dsp:txBody>
+        <a:bodyPr spcFirstLastPara="0" vert="horz" wrap="square" lIns="102870" tIns="102870" rIns="102870" bIns="102870" numCol="1" spcCol="1270" anchor="ctr" anchorCtr="0">
+          <a:noAutofit/>
+        </a:bodyPr>
+        <a:lstStyle/>
+        <a:p>
+          <a:pPr marL="0" lvl="0" indent="0" algn="ctr" defTabSz="1200150">
+            <a:lnSpc>
+              <a:spcPct val="90000"/>
+            </a:lnSpc>
+            <a:spcBef>
+              <a:spcPct val="0"/>
+            </a:spcBef>
+            <a:spcAft>
+              <a:spcPct val="35000"/>
+            </a:spcAft>
+            <a:buNone/>
+          </a:pPr>
+          <a:r>
+            <a:rPr lang="en-US" sz="2700" kern="1200" dirty="0"/>
+            <a:t>Hosting</a:t>
+          </a:r>
+        </a:p>
+      </dsp:txBody>
+      <dsp:txXfrm>
+        <a:off x="3149500" y="1984"/>
+        <a:ext cx="2030015" cy="1218009"/>
+      </dsp:txXfrm>
+    </dsp:sp>
+    <dsp:sp modelId="{59568C65-5F91-47FC-BD3B-7D6E5AF8542E}">
+      <dsp:nvSpPr>
+        <dsp:cNvPr id="0" name=""/>
+        <dsp:cNvSpPr/>
+      </dsp:nvSpPr>
+      <dsp:spPr>
+        <a:xfrm>
+          <a:off x="916483" y="1422995"/>
+          <a:ext cx="2030015" cy="1218009"/>
+        </a:xfrm>
+        <a:prstGeom prst="rect">
+          <a:avLst/>
+        </a:prstGeom>
+        <a:solidFill>
+          <a:schemeClr val="accent1">
+            <a:hueOff val="0"/>
+            <a:satOff val="0"/>
+            <a:lumOff val="0"/>
+            <a:alphaOff val="0"/>
+          </a:schemeClr>
+        </a:solidFill>
+        <a:ln w="25400" cap="rnd" cmpd="sng" algn="ctr">
+          <a:solidFill>
+            <a:schemeClr val="lt1">
+              <a:hueOff val="0"/>
+              <a:satOff val="0"/>
+              <a:lumOff val="0"/>
+              <a:alphaOff val="0"/>
+            </a:schemeClr>
+          </a:solidFill>
+          <a:prstDash val="solid"/>
+        </a:ln>
+        <a:effectLst/>
+      </dsp:spPr>
+      <dsp:style>
+        <a:lnRef idx="2">
+          <a:scrgbClr r="0" g="0" b="0"/>
+        </a:lnRef>
+        <a:fillRef idx="1">
+          <a:scrgbClr r="0" g="0" b="0"/>
+        </a:fillRef>
+        <a:effectRef idx="0">
+          <a:scrgbClr r="0" g="0" b="0"/>
+        </a:effectRef>
+        <a:fontRef idx="minor">
+          <a:schemeClr val="lt1"/>
+        </a:fontRef>
+      </dsp:style>
+      <dsp:txBody>
+        <a:bodyPr spcFirstLastPara="0" vert="horz" wrap="square" lIns="102870" tIns="102870" rIns="102870" bIns="102870" numCol="1" spcCol="1270" anchor="ctr" anchorCtr="0">
+          <a:noAutofit/>
+        </a:bodyPr>
+        <a:lstStyle/>
+        <a:p>
+          <a:pPr marL="0" lvl="0" indent="0" algn="ctr" defTabSz="1200150">
+            <a:lnSpc>
+              <a:spcPct val="90000"/>
+            </a:lnSpc>
+            <a:spcBef>
+              <a:spcPct val="0"/>
+            </a:spcBef>
+            <a:spcAft>
+              <a:spcPct val="35000"/>
+            </a:spcAft>
+            <a:buNone/>
+          </a:pPr>
+          <a:r>
+            <a:rPr lang="en-US" sz="2700" kern="1200" dirty="0"/>
+            <a:t>Middleware</a:t>
+          </a:r>
+        </a:p>
+      </dsp:txBody>
+      <dsp:txXfrm>
+        <a:off x="916483" y="1422995"/>
+        <a:ext cx="2030015" cy="1218009"/>
+      </dsp:txXfrm>
+    </dsp:sp>
+    <dsp:sp modelId="{93093A55-75FF-42DD-A388-171C815381CD}">
+      <dsp:nvSpPr>
+        <dsp:cNvPr id="0" name=""/>
+        <dsp:cNvSpPr/>
+      </dsp:nvSpPr>
+      <dsp:spPr>
+        <a:xfrm>
+          <a:off x="3149500" y="1422995"/>
+          <a:ext cx="2030015" cy="1218009"/>
+        </a:xfrm>
+        <a:prstGeom prst="rect">
+          <a:avLst/>
+        </a:prstGeom>
+        <a:solidFill>
+          <a:schemeClr val="accent1">
+            <a:hueOff val="0"/>
+            <a:satOff val="0"/>
+            <a:lumOff val="0"/>
+            <a:alphaOff val="0"/>
+          </a:schemeClr>
+        </a:solidFill>
+        <a:ln w="25400" cap="rnd" cmpd="sng" algn="ctr">
+          <a:solidFill>
+            <a:schemeClr val="lt1">
+              <a:hueOff val="0"/>
+              <a:satOff val="0"/>
+              <a:lumOff val="0"/>
+              <a:alphaOff val="0"/>
+            </a:schemeClr>
+          </a:solidFill>
+          <a:prstDash val="solid"/>
+        </a:ln>
+        <a:effectLst/>
+      </dsp:spPr>
+      <dsp:style>
+        <a:lnRef idx="2">
+          <a:scrgbClr r="0" g="0" b="0"/>
+        </a:lnRef>
+        <a:fillRef idx="1">
+          <a:scrgbClr r="0" g="0" b="0"/>
+        </a:fillRef>
+        <a:effectRef idx="0">
+          <a:scrgbClr r="0" g="0" b="0"/>
+        </a:effectRef>
+        <a:fontRef idx="minor">
+          <a:schemeClr val="lt1"/>
+        </a:fontRef>
+      </dsp:style>
+      <dsp:txBody>
+        <a:bodyPr spcFirstLastPara="0" vert="horz" wrap="square" lIns="102870" tIns="102870" rIns="102870" bIns="102870" numCol="1" spcCol="1270" anchor="ctr" anchorCtr="0">
+          <a:noAutofit/>
+        </a:bodyPr>
+        <a:lstStyle/>
+        <a:p>
+          <a:pPr marL="0" lvl="0" indent="0" algn="ctr" defTabSz="1200150">
+            <a:lnSpc>
+              <a:spcPct val="90000"/>
+            </a:lnSpc>
+            <a:spcBef>
+              <a:spcPct val="0"/>
+            </a:spcBef>
+            <a:spcAft>
+              <a:spcPct val="35000"/>
+            </a:spcAft>
+            <a:buNone/>
+          </a:pPr>
+          <a:r>
+            <a:rPr lang="en-US" sz="2700" kern="1200" dirty="0"/>
+            <a:t>Security</a:t>
+          </a:r>
+        </a:p>
+      </dsp:txBody>
+      <dsp:txXfrm>
+        <a:off x="3149500" y="1422995"/>
+        <a:ext cx="2030015" cy="1218009"/>
+      </dsp:txXfrm>
+    </dsp:sp>
+    <dsp:sp modelId="{07B597A2-DACE-457C-BABE-06FE57D509E5}">
+      <dsp:nvSpPr>
+        <dsp:cNvPr id="0" name=""/>
+        <dsp:cNvSpPr/>
+      </dsp:nvSpPr>
+      <dsp:spPr>
+        <a:xfrm>
+          <a:off x="916483" y="2844006"/>
+          <a:ext cx="2030015" cy="1218009"/>
+        </a:xfrm>
+        <a:prstGeom prst="rect">
+          <a:avLst/>
+        </a:prstGeom>
+        <a:solidFill>
+          <a:schemeClr val="accent1">
+            <a:hueOff val="0"/>
+            <a:satOff val="0"/>
+            <a:lumOff val="0"/>
+            <a:alphaOff val="0"/>
+          </a:schemeClr>
+        </a:solidFill>
+        <a:ln w="25400" cap="rnd" cmpd="sng" algn="ctr">
+          <a:solidFill>
+            <a:schemeClr val="lt1">
+              <a:hueOff val="0"/>
+              <a:satOff val="0"/>
+              <a:lumOff val="0"/>
+              <a:alphaOff val="0"/>
+            </a:schemeClr>
+          </a:solidFill>
+          <a:prstDash val="solid"/>
+        </a:ln>
+        <a:effectLst/>
+      </dsp:spPr>
+      <dsp:style>
+        <a:lnRef idx="2">
+          <a:scrgbClr r="0" g="0" b="0"/>
+        </a:lnRef>
+        <a:fillRef idx="1">
+          <a:scrgbClr r="0" g="0" b="0"/>
+        </a:fillRef>
+        <a:effectRef idx="0">
+          <a:scrgbClr r="0" g="0" b="0"/>
+        </a:effectRef>
+        <a:fontRef idx="minor">
+          <a:schemeClr val="lt1"/>
+        </a:fontRef>
+      </dsp:style>
+      <dsp:txBody>
+        <a:bodyPr spcFirstLastPara="0" vert="horz" wrap="square" lIns="102870" tIns="102870" rIns="102870" bIns="102870" numCol="1" spcCol="1270" anchor="ctr" anchorCtr="0">
+          <a:noAutofit/>
+        </a:bodyPr>
+        <a:lstStyle/>
+        <a:p>
+          <a:pPr marL="0" lvl="0" indent="0" algn="ctr" defTabSz="1200150">
+            <a:lnSpc>
+              <a:spcPct val="90000"/>
+            </a:lnSpc>
+            <a:spcBef>
+              <a:spcPct val="0"/>
+            </a:spcBef>
+            <a:spcAft>
+              <a:spcPct val="35000"/>
+            </a:spcAft>
+            <a:buNone/>
+          </a:pPr>
+          <a:r>
+            <a:rPr lang="en-US" sz="2700" kern="1200" dirty="0"/>
+            <a:t>Data Access</a:t>
+          </a:r>
+        </a:p>
+      </dsp:txBody>
+      <dsp:txXfrm>
+        <a:off x="916483" y="2844006"/>
+        <a:ext cx="2030015" cy="1218009"/>
+      </dsp:txXfrm>
+    </dsp:sp>
+    <dsp:sp modelId="{025112D9-9E0E-477B-B4A8-B3E5D8E05C0C}">
+      <dsp:nvSpPr>
+        <dsp:cNvPr id="0" name=""/>
+        <dsp:cNvSpPr/>
+      </dsp:nvSpPr>
+      <dsp:spPr>
+        <a:xfrm>
+          <a:off x="3149500" y="2844006"/>
+          <a:ext cx="2030015" cy="1218009"/>
+        </a:xfrm>
+        <a:prstGeom prst="rect">
+          <a:avLst/>
+        </a:prstGeom>
+        <a:solidFill>
+          <a:schemeClr val="accent1">
+            <a:hueOff val="0"/>
+            <a:satOff val="0"/>
+            <a:lumOff val="0"/>
+            <a:alphaOff val="0"/>
+          </a:schemeClr>
+        </a:solidFill>
+        <a:ln w="25400" cap="rnd" cmpd="sng" algn="ctr">
+          <a:solidFill>
+            <a:schemeClr val="lt1">
+              <a:hueOff val="0"/>
+              <a:satOff val="0"/>
+              <a:lumOff val="0"/>
+              <a:alphaOff val="0"/>
+            </a:schemeClr>
+          </a:solidFill>
+          <a:prstDash val="solid"/>
+        </a:ln>
+        <a:effectLst/>
+      </dsp:spPr>
+      <dsp:style>
+        <a:lnRef idx="2">
+          <a:scrgbClr r="0" g="0" b="0"/>
+        </a:lnRef>
+        <a:fillRef idx="1">
+          <a:scrgbClr r="0" g="0" b="0"/>
+        </a:fillRef>
+        <a:effectRef idx="0">
+          <a:scrgbClr r="0" g="0" b="0"/>
+        </a:effectRef>
+        <a:fontRef idx="minor">
+          <a:schemeClr val="lt1"/>
+        </a:fontRef>
+      </dsp:style>
+      <dsp:txBody>
+        <a:bodyPr spcFirstLastPara="0" vert="horz" wrap="square" lIns="102870" tIns="102870" rIns="102870" bIns="102870" numCol="1" spcCol="1270" anchor="ctr" anchorCtr="0">
+          <a:noAutofit/>
+        </a:bodyPr>
+        <a:lstStyle/>
+        <a:p>
+          <a:pPr marL="0" lvl="0" indent="0" algn="ctr" defTabSz="1200150">
+            <a:lnSpc>
+              <a:spcPct val="90000"/>
+            </a:lnSpc>
+            <a:spcBef>
+              <a:spcPct val="0"/>
+            </a:spcBef>
+            <a:spcAft>
+              <a:spcPct val="35000"/>
+            </a:spcAft>
+            <a:buNone/>
+          </a:pPr>
+          <a:r>
+            <a:rPr lang="en-US" sz="2700" kern="1200" dirty="0"/>
+            <a:t>ASP.NET Core</a:t>
+          </a:r>
+        </a:p>
+      </dsp:txBody>
+      <dsp:txXfrm>
+        <a:off x="3149500" y="2844006"/>
+        <a:ext cx="2030015" cy="1218009"/>
+      </dsp:txXfrm>
+    </dsp:sp>
+  </dsp:spTree>
+</dsp:drawing>
+</file>
+
+<file path=ppt/diagrams/layout1.xml><?xml version="1.0" encoding="utf-8"?>
+<dgm:layoutDef xmlns:dgm="http://schemas.openxmlformats.org/drawingml/2006/diagram" xmlns:a="http://schemas.openxmlformats.org/drawingml/2006/main" uniqueId="urn:microsoft.com/office/officeart/2005/8/layout/default">
+  <dgm:title val=""/>
+  <dgm:desc val=""/>
+  <dgm:catLst>
+    <dgm:cat type="list" pri="400"/>
+  </dgm:catLst>
+  <dgm:sampData>
+    <dgm:dataModel>
+      <dgm:ptLst>
+        <dgm:pt modelId="0" type="doc"/>
+        <dgm:pt modelId="1">
+          <dgm:prSet phldr="1"/>
+        </dgm:pt>
+        <dgm:pt modelId="2">
+          <dgm:prSet phldr="1"/>
+        </dgm:pt>
+        <dgm:pt modelId="3">
+          <dgm:prSet phldr="1"/>
+        </dgm:pt>
+        <dgm:pt modelId="4">
+          <dgm:prSet phldr="1"/>
+        </dgm:pt>
+        <dgm:pt modelId="5">
+          <dgm:prSet phldr="1"/>
+        </dgm:pt>
+      </dgm:ptLst>
+      <dgm:cxnLst>
+        <dgm:cxn modelId="6" srcId="0" destId="1" srcOrd="0" destOrd="0"/>
+        <dgm:cxn modelId="7" srcId="0" destId="2" srcOrd="1" destOrd="0"/>
+        <dgm:cxn modelId="8" srcId="0" destId="3" srcOrd="2" destOrd="0"/>
+        <dgm:cxn modelId="9" srcId="0" destId="4" srcOrd="3" destOrd="0"/>
+        <dgm:cxn modelId="10" srcId="0" destId="5" srcOrd="4" destOrd="0"/>
+      </dgm:cxnLst>
+      <dgm:bg/>
+      <dgm:whole/>
+    </dgm:dataModel>
+  </dgm:sampData>
+  <dgm:styleData>
+    <dgm:dataModel>
+      <dgm:ptLst>
+        <dgm:pt modelId="0" type="doc"/>
+        <dgm:pt modelId="1"/>
+        <dgm:pt modelId="2"/>
+      </dgm:ptLst>
+      <dgm:cxnLst>
+        <dgm:cxn modelId="3" srcId="0" destId="1" srcOrd="0" destOrd="0"/>
+        <dgm:cxn modelId="4" srcId="0" destId="2" srcOrd="1" destOrd="0"/>
+      </dgm:cxnLst>
+      <dgm:bg/>
+      <dgm:whole/>
+    </dgm:dataModel>
+  </dgm:styleData>
+  <dgm:clrData>
+    <dgm:dataModel>
+      <dgm:ptLst>
+        <dgm:pt modelId="0" type="doc"/>
+        <dgm:pt modelId="1"/>
+        <dgm:pt modelId="2"/>
+        <dgm:pt modelId="3"/>
+        <dgm:pt modelId="4"/>
+        <dgm:pt modelId="5"/>
+        <dgm:pt modelId="6"/>
+      </dgm:ptLst>
+      <dgm:cxnLst>
+        <dgm:cxn modelId="7" srcId="0" destId="1" srcOrd="0" destOrd="0"/>
+        <dgm:cxn modelId="8" srcId="0" destId="2" srcOrd="1" destOrd="0"/>
+        <dgm:cxn modelId="9" srcId="0" destId="3" srcOrd="2" destOrd="0"/>
+        <dgm:cxn modelId="10" srcId="0" destId="4" srcOrd="3" destOrd="0"/>
+        <dgm:cxn modelId="11" srcId="0" destId="5" srcOrd="4" destOrd="0"/>
+        <dgm:cxn modelId="12" srcId="0" destId="6" srcOrd="5" destOrd="0"/>
+      </dgm:cxnLst>
+      <dgm:bg/>
+      <dgm:whole/>
+    </dgm:dataModel>
+  </dgm:clrData>
+  <dgm:layoutNode name="diagram">
+    <dgm:varLst>
+      <dgm:dir/>
+      <dgm:resizeHandles val="exact"/>
+    </dgm:varLst>
+    <dgm:choose name="Name0">
+      <dgm:if name="Name1" func="var" arg="dir" op="equ" val="norm">
+        <dgm:alg type="snake">
+          <dgm:param type="grDir" val="tL"/>
+          <dgm:param type="flowDir" val="row"/>
+          <dgm:param type="contDir" val="sameDir"/>
+          <dgm:param type="off" val="ctr"/>
+        </dgm:alg>
+      </dgm:if>
+      <dgm:else name="Name2">
+        <dgm:alg type="snake">
+          <dgm:param type="grDir" val="tR"/>
+          <dgm:param type="flowDir" val="row"/>
+          <dgm:param type="contDir" val="sameDir"/>
+          <dgm:param type="off" val="ctr"/>
+        </dgm:alg>
+      </dgm:else>
+    </dgm:choose>
+    <dgm:shape xmlns:r="http://schemas.openxmlformats.org/officeDocument/2006/relationships" r:blip="">
+      <dgm:adjLst/>
+    </dgm:shape>
+    <dgm:presOf/>
+    <dgm:constrLst>
+      <dgm:constr type="w" for="ch" forName="node" refType="w"/>
+      <dgm:constr type="h" for="ch" forName="node" refType="w" refFor="ch" refForName="node" fact="0.6"/>
+      <dgm:constr type="w" for="ch" forName="sibTrans" refType="w" refFor="ch" refForName="node" fact="0.1"/>
+      <dgm:constr type="sp" refType="w" refFor="ch" refForName="sibTrans"/>
+      <dgm:constr type="primFontSz" for="ch" forName="node" op="equ" val="65"/>
+    </dgm:constrLst>
+    <dgm:ruleLst/>
+    <dgm:forEach name="Name3" axis="ch" ptType="node">
+      <dgm:layoutNode name="node">
+        <dgm:varLst>
+          <dgm:bulletEnabled val="1"/>
+        </dgm:varLst>
+        <dgm:alg type="tx"/>
+        <dgm:shape xmlns:r="http://schemas.openxmlformats.org/officeDocument/2006/relationships" type="rect" r:blip="">
+          <dgm:adjLst/>
+        </dgm:shape>
+        <dgm:presOf axis="desOrSelf" ptType="node"/>
+        <dgm:constrLst>
+          <dgm:constr type="lMarg" refType="primFontSz" fact="0.3"/>
+          <dgm:constr type="rMarg" refType="primFontSz" fact="0.3"/>
+          <dgm:constr type="tMarg" refType="primFontSz" fact="0.3"/>
+          <dgm:constr type="bMarg" refType="primFontSz" fact="0.3"/>
+        </dgm:constrLst>
+        <dgm:ruleLst>
+          <dgm:rule type="primFontSz" val="5" fact="NaN" max="NaN"/>
+        </dgm:ruleLst>
+      </dgm:layoutNode>
+      <dgm:forEach name="Name4" axis="followSib" ptType="sibTrans" cnt="1">
+        <dgm:layoutNode name="sibTrans">
+          <dgm:alg type="sp"/>
+          <dgm:shape xmlns:r="http://schemas.openxmlformats.org/officeDocument/2006/relationships" r:blip="">
+            <dgm:adjLst/>
+          </dgm:shape>
+          <dgm:presOf/>
+          <dgm:constrLst/>
+          <dgm:ruleLst/>
+        </dgm:layoutNode>
+      </dgm:forEach>
+    </dgm:forEach>
+  </dgm:layoutNode>
+</dgm:layoutDef>
+</file>
+
+<file path=ppt/diagrams/quickStyle1.xml><?xml version="1.0" encoding="utf-8"?>
+<dgm:styleDef xmlns:dgm="http://schemas.openxmlformats.org/drawingml/2006/diagram" xmlns:a="http://schemas.openxmlformats.org/drawingml/2006/main" uniqueId="urn:microsoft.com/office/officeart/2005/8/quickstyle/simple1">
+  <dgm:title val=""/>
+  <dgm:desc val=""/>
+  <dgm:catLst>
+    <dgm:cat type="simple" pri="10100"/>
+  </dgm:catLst>
+  <dgm:scene3d>
+    <a:camera prst="orthographicFront"/>
+    <a:lightRig rig="threePt" dir="t"/>
+  </dgm:scene3d>
+  <dgm:styleLbl name="node0">
+    <dgm:scene3d>
+      <a:camera prst="orthographicFront"/>
+      <a:lightRig rig="threePt" dir="t"/>
+    </dgm:scene3d>
+    <dgm:sp3d/>
+    <dgm:txPr/>
+    <dgm:style>
+      <a:lnRef idx="2">
+        <a:scrgbClr r="0" g="0" b="0"/>
+      </a:lnRef>
+      <a:fillRef idx="1">
+        <a:scrgbClr r="0" g="0" b="0"/>
+      </a:fillRef>
+      <a:effectRef idx="0">
+        <a:scrgbClr r="0" g="0" b="0"/>
+      </a:effectRef>
+      <a:fontRef idx="minor">
+        <a:schemeClr val="lt1"/>
+      </a:fontRef>
+    </dgm:style>
+  </dgm:styleLbl>
+  <dgm:styleLbl name="lnNode1">
+    <dgm:scene3d>
+      <a:camera prst="orthographicFront"/>
+      <a:lightRig rig="threePt" dir="t"/>
+    </dgm:scene3d>
+    <dgm:sp3d/>
+    <dgm:txPr/>
+    <dgm:style>
+      <a:lnRef idx="2">
+        <a:scrgbClr r="0" g="0" b="0"/>
+      </a:lnRef>
+      <a:fillRef idx="1">
+        <a:scrgbClr r="0" g="0" b="0"/>
+      </a:fillRef>
+      <a:effectRef idx="0">
+        <a:scrgbClr r="0" g="0" b="0"/>
+      </a:effectRef>
+      <a:fontRef idx="minor">
+        <a:schemeClr val="lt1"/>
+      </a:fontRef>
+    </dgm:style>
+  </dgm:styleLbl>
+  <dgm:styleLbl name="vennNode1">
+    <dgm:scene3d>
+      <a:camera prst="orthographicFront"/>
+      <a:lightRig rig="threePt" dir="t"/>
+    </dgm:scene3d>
+    <dgm:sp3d/>
+    <dgm:txPr/>
+    <dgm:style>
+      <a:lnRef idx="2">
+        <a:scrgbClr r="0" g="0" b="0"/>
+      </a:lnRef>
+      <a:fillRef idx="1">
+        <a:scrgbClr r="0" g="0" b="0"/>
+      </a:fillRef>
+      <a:effectRef idx="0">
+        <a:scrgbClr r="0" g="0" b="0"/>
+      </a:effectRef>
+      <a:fontRef idx="minor">
+        <a:schemeClr val="tx1"/>
+      </a:fontRef>
+    </dgm:style>
+  </dgm:styleLbl>
+  <dgm:styleLbl name="alignNode1">
+    <dgm:scene3d>
+      <a:camera prst="orthographicFront"/>
+      <a:lightRig rig="threePt" dir="t"/>
+    </dgm:scene3d>
+    <dgm:sp3d/>
+    <dgm:txPr/>
+    <dgm:style>
+      <a:lnRef idx="2">
+        <a:scrgbClr r="0" g="0" b="0"/>
+      </a:lnRef>
+      <a:fillRef idx="1">
+        <a:scrgbClr r="0" g="0" b="0"/>
+      </a:fillRef>
+      <a:effectRef idx="0">
+        <a:scrgbClr r="0" g="0" b="0"/>
+      </a:effectRef>
+      <a:fontRef idx="minor">
+        <a:schemeClr val="lt1"/>
+      </a:fontRef>
+    </dgm:style>
+  </dgm:styleLbl>
+  <dgm:styleLbl name="node1">
+    <dgm:scene3d>
+      <a:camera prst="orthographicFront"/>
+      <a:lightRig rig="threePt" dir="t"/>
+    </dgm:scene3d>
+    <dgm:sp3d/>
+    <dgm:txPr/>
+    <dgm:style>
+      <a:lnRef idx="2">
+        <a:scrgbClr r="0" g="0" b="0"/>
+      </a:lnRef>
+      <a:fillRef idx="1">
+        <a:scrgbClr r="0" g="0" b="0"/>
+      </a:fillRef>
+      <a:effectRef idx="0">
+        <a:scrgbClr r="0" g="0" b="0"/>
+      </a:effectRef>
+      <a:fontRef idx="minor">
+        <a:schemeClr val="lt1"/>
+      </a:fontRef>
+    </dgm:style>
+  </dgm:styleLbl>
+  <dgm:styleLbl name="node2">
+    <dgm:scene3d>
+      <a:camera prst="orthographicFront"/>
+      <a:lightRig rig="threePt" dir="t"/>
+    </dgm:scene3d>
+    <dgm:sp3d/>
+    <dgm:txPr/>
+    <dgm:style>
+      <a:lnRef idx="2">
+        <a:scrgbClr r="0" g="0" b="0"/>
+      </a:lnRef>
+      <a:fillRef idx="1">
+        <a:scrgbClr r="0" g="0" b="0"/>
+      </a:fillRef>
+      <a:effectRef idx="0">
+        <a:scrgbClr r="0" g="0" b="0"/>
+      </a:effectRef>
+      <a:fontRef idx="minor">
+        <a:schemeClr val="lt1"/>
+      </a:fontRef>
+    </dgm:style>
+  </dgm:styleLbl>
+  <dgm:styleLbl name="node3">
+    <dgm:scene3d>
+      <a:camera prst="orthographicFront"/>
+      <a:lightRig rig="threePt" dir="t"/>
+    </dgm:scene3d>
+    <dgm:sp3d/>
+    <dgm:txPr/>
+    <dgm:style>
+      <a:lnRef idx="2">
+        <a:scrgbClr r="0" g="0" b="0"/>
+      </a:lnRef>
+      <a:fillRef idx="1">
+        <a:scrgbClr r="0" g="0" b="0"/>
+      </a:fillRef>
+      <a:effectRef idx="0">
+        <a:scrgbClr r="0" g="0" b="0"/>
+      </a:effectRef>
+      <a:fontRef idx="minor">
+        <a:schemeClr val="lt1"/>
+      </a:fontRef>
+    </dgm:style>
+  </dgm:styleLbl>
+  <dgm:styleLbl name="node4">
+    <dgm:scene3d>
+      <a:camera prst="orthographicFront"/>
+      <a:lightRig rig="threePt" dir="t"/>
+    </dgm:scene3d>
+    <dgm:sp3d/>
+    <dgm:txPr/>
+    <dgm:style>
+      <a:lnRef idx="2">
+        <a:scrgbClr r="0" g="0" b="0"/>
+      </a:lnRef>
+      <a:fillRef idx="1">
+        <a:scrgbClr r="0" g="0" b="0"/>
+      </a:fillRef>
+      <a:effectRef idx="0">
+        <a:scrgbClr r="0" g="0" b="0"/>
+      </a:effectRef>
+      <a:fontRef idx="minor">
+        <a:schemeClr val="lt1"/>
+      </a:fontRef>
+    </dgm:style>
+  </dgm:styleLbl>
+  <dgm:styleLbl name="fgImgPlace1">
+    <dgm:scene3d>
+      <a:camera prst="orthographicFront"/>
+      <a:lightRig rig="threePt" dir="t"/>
+    </dgm:scene3d>
+    <dgm:sp3d/>
+    <dgm:txPr/>
+    <dgm:style>
+      <a:lnRef idx="2">
+        <a:scrgbClr r="0" g="0" b="0"/>
+      </a:lnRef>
+      <a:fillRef idx="1">
+        <a:scrgbClr r="0" g="0" b="0"/>
+      </a:fillRef>
+      <a:effectRef idx="0">
+        <a:scrgbClr r="0" g="0" b="0"/>
+      </a:effectRef>
+      <a:fontRef idx="minor"/>
+    </dgm:style>
+  </dgm:styleLbl>
+  <dgm:styleLbl name="alignImgPlace1">
+    <dgm:scene3d>
+      <a:camera prst="orthographicFront"/>
+      <a:lightRig rig="threePt" dir="t"/>
+    </dgm:scene3d>
+    <dgm:sp3d/>
+    <dgm:txPr/>
+    <dgm:style>
+      <a:lnRef idx="2">
+        <a:scrgbClr r="0" g="0" b="0"/>
+      </a:lnRef>
+      <a:fillRef idx="1">
+        <a:scrgbClr r="0" g="0" b="0"/>
+      </a:fillRef>
+      <a:effectRef idx="0">
+        <a:scrgbClr r="0" g="0" b="0"/>
+      </a:effectRef>
+      <a:fontRef idx="minor"/>
+    </dgm:style>
+  </dgm:styleLbl>
+  <dgm:styleLbl name="bgImgPlace1">
+    <dgm:scene3d>
+      <a:camera prst="orthographicFront"/>
+      <a:lightRig rig="threePt" dir="t"/>
+    </dgm:scene3d>
+    <dgm:sp3d/>
+    <dgm:txPr/>
+    <dgm:style>
+      <a:lnRef idx="2">
+        <a:scrgbClr r="0" g="0" b="0"/>
+      </a:lnRef>
+      <a:fillRef idx="1">
+        <a:scrgbClr r="0" g="0" b="0"/>
+      </a:fillRef>
+      <a:effectRef idx="0">
+        <a:scrgbClr r="0" g="0" b="0"/>
+      </a:effectRef>
+      <a:fontRef idx="minor"/>
+    </dgm:style>
+  </dgm:styleLbl>
+  <dgm:styleLbl name="sibTrans2D1">
+    <dgm:scene3d>
+      <a:camera prst="orthographicFront"/>
+      <a:lightRig rig="threePt" dir="t"/>
+    </dgm:scene3d>
+    <dgm:sp3d/>
+    <dgm:txPr/>
+    <dgm:style>
+      <a:lnRef idx="0">
+        <a:scrgbClr r="0" g="0" b="0"/>
+      </a:lnRef>
+      <a:fillRef idx="1">
+        <a:scrgbClr r="0" g="0" b="0"/>
+      </a:fillRef>
+      <a:effectRef idx="0">
+        <a:scrgbClr r="0" g="0" b="0"/>
+      </a:effectRef>
+      <a:fontRef idx="minor">
+        <a:schemeClr val="lt1"/>
+      </a:fontRef>
+    </dgm:style>
+  </dgm:styleLbl>
+  <dgm:styleLbl name="fgSibTrans2D1">
+    <dgm:scene3d>
+      <a:camera prst="orthographicFront"/>
+      <a:lightRig rig="threePt" dir="t"/>
+    </dgm:scene3d>
+    <dgm:sp3d/>
+    <dgm:txPr/>
+    <dgm:style>
+      <a:lnRef idx="0">
+        <a:scrgbClr r="0" g="0" b="0"/>
+      </a:lnRef>
+      <a:fillRef idx="1">
+        <a:scrgbClr r="0" g="0" b="0"/>
+      </a:fillRef>
+      <a:effectRef idx="0">
+        <a:scrgbClr r="0" g="0" b="0"/>
+      </a:effectRef>
+      <a:fontRef idx="minor">
+        <a:schemeClr val="lt1"/>
+      </a:fontRef>
+    </dgm:style>
+  </dgm:styleLbl>
+  <dgm:styleLbl name="bgSibTrans2D1">
+    <dgm:scene3d>
+      <a:camera prst="orthographicFront"/>
+      <a:lightRig rig="threePt" dir="t"/>
+    </dgm:scene3d>
+    <dgm:sp3d/>
+    <dgm:txPr/>
+    <dgm:style>
+      <a:lnRef idx="0">
+        <a:scrgbClr r="0" g="0" b="0"/>
+      </a:lnRef>
+      <a:fillRef idx="1">
+        <a:scrgbClr r="0" g="0" b="0"/>
+      </a:fillRef>
+      <a:effectRef idx="0">
+        <a:scrgbClr r="0" g="0" b="0"/>
+      </a:effectRef>
+      <a:fontRef idx="minor">
+        <a:schemeClr val="lt1"/>
+      </a:fontRef>
+    </dgm:style>
+  </dgm:styleLbl>
+  <dgm:styleLbl name="sibTrans1D1">
+    <dgm:scene3d>
+      <a:camera prst="orthographicFront"/>
+      <a:lightRig rig="threePt" dir="t"/>
+    </dgm:scene3d>
+    <dgm:sp3d/>
+    <dgm:txPr/>
+    <dgm:style>
+      <a:lnRef idx="1">
+        <a:scrgbClr r="0" g="0" b="0"/>
+      </a:lnRef>
+      <a:fillRef idx="0">
+        <a:scrgbClr r="0" g="0" b="0"/>
+      </a:fillRef>
+      <a:effectRef idx="0">
+        <a:scrgbClr r="0" g="0" b="0"/>
+      </a:effectRef>
+      <a:fontRef idx="minor"/>
+    </dgm:style>
+  </dgm:styleLbl>
+  <dgm:styleLbl name="callout">
+    <dgm:scene3d>
+      <a:camera prst="orthographicFront"/>
+      <a:lightRig rig="threePt" dir="t"/>
+    </dgm:scene3d>
+    <dgm:sp3d/>
+    <dgm:txPr/>
+    <dgm:style>
+      <a:lnRef idx="2">
+        <a:scrgbClr r="0" g="0" b="0"/>
+      </a:lnRef>
+      <a:fillRef idx="1">
+        <a:scrgbClr r="0" g="0" b="0"/>
+      </a:fillRef>
+      <a:effectRef idx="0">
+        <a:scrgbClr r="0" g="0" b="0"/>
+      </a:effectRef>
+      <a:fontRef idx="minor"/>
+    </dgm:style>
+  </dgm:styleLbl>
+  <dgm:styleLbl name="asst0">
+    <dgm:scene3d>
+      <a:camera prst="orthographicFront"/>
+      <a:lightRig rig="threePt" dir="t"/>
+    </dgm:scene3d>
+    <dgm:sp3d/>
+    <dgm:txPr/>
+    <dgm:style>
+      <a:lnRef idx="2">
+        <a:scrgbClr r="0" g="0" b="0"/>
+      </a:lnRef>
+      <a:fillRef idx="1">
+        <a:scrgbClr r="0" g="0" b="0"/>
+      </a:fillRef>
+      <a:effectRef idx="0">
+        <a:scrgbClr r="0" g="0" b="0"/>
+      </a:effectRef>
+      <a:fontRef idx="minor">
+        <a:schemeClr val="lt1"/>
+      </a:fontRef>
+    </dgm:style>
+  </dgm:styleLbl>
+  <dgm:styleLbl name="asst1">
+    <dgm:scene3d>
+      <a:camera prst="orthographicFront"/>
+      <a:lightRig rig="threePt" dir="t"/>
+    </dgm:scene3d>
+    <dgm:sp3d/>
+    <dgm:txPr/>
+    <dgm:style>
+      <a:lnRef idx="2">
+        <a:scrgbClr r="0" g="0" b="0"/>
+      </a:lnRef>
+      <a:fillRef idx="1">
+        <a:scrgbClr r="0" g="0" b="0"/>
+      </a:fillRef>
+      <a:effectRef idx="0">
+        <a:scrgbClr r="0" g="0" b="0"/>
+      </a:effectRef>
+      <a:fontRef idx="minor">
+        <a:schemeClr val="lt1"/>
+      </a:fontRef>
+    </dgm:style>
+  </dgm:styleLbl>
+  <dgm:styleLbl name="asst2">
+    <dgm:scene3d>
+      <a:camera prst="orthographicFront"/>
+      <a:lightRig rig="threePt" dir="t"/>
+    </dgm:scene3d>
+    <dgm:sp3d/>
+    <dgm:txPr/>
+    <dgm:style>
+      <a:lnRef idx="2">
+        <a:scrgbClr r="0" g="0" b="0"/>
+      </a:lnRef>
+      <a:fillRef idx="1">
+        <a:scrgbClr r="0" g="0" b="0"/>
+      </a:fillRef>
+      <a:effectRef idx="0">
+        <a:scrgbClr r="0" g="0" b="0"/>
+      </a:effectRef>
+      <a:fontRef idx="minor">
+        <a:schemeClr val="lt1"/>
+      </a:fontRef>
+    </dgm:style>
+  </dgm:styleLbl>
+  <dgm:styleLbl name="asst3">
+    <dgm:scene3d>
+      <a:camera prst="orthographicFront"/>
+      <a:lightRig rig="threePt" dir="t"/>
+    </dgm:scene3d>
+    <dgm:sp3d/>
+    <dgm:txPr/>
+    <dgm:style>
+      <a:lnRef idx="2">
+        <a:scrgbClr r="0" g="0" b="0"/>
+      </a:lnRef>
+      <a:fillRef idx="1">
+        <a:scrgbClr r="0" g="0" b="0"/>
+      </a:fillRef>
+      <a:effectRef idx="0">
+        <a:scrgbClr r="0" g="0" b="0"/>
+      </a:effectRef>
+      <a:fontRef idx="minor">
+        <a:schemeClr val="lt1"/>
+      </a:fontRef>
+    </dgm:style>
+  </dgm:styleLbl>
+  <dgm:styleLbl name="asst4">
+    <dgm:scene3d>
+      <a:camera prst="orthographicFront"/>
+      <a:lightRig rig="threePt" dir="t"/>
+    </dgm:scene3d>
+    <dgm:sp3d/>
+    <dgm:txPr/>
+    <dgm:style>
+      <a:lnRef idx="2">
+        <a:scrgbClr r="0" g="0" b="0"/>
+      </a:lnRef>
+      <a:fillRef idx="1">
+        <a:scrgbClr r="0" g="0" b="0"/>
+      </a:fillRef>
+      <a:effectRef idx="0">
+        <a:scrgbClr r="0" g="0" b="0"/>
+      </a:effectRef>
+      <a:fontRef idx="minor">
+        <a:schemeClr val="lt1"/>
+      </a:fontRef>
+    </dgm:style>
+  </dgm:styleLbl>
+  <dgm:styleLbl name="parChTrans2D1">
+    <dgm:scene3d>
+      <a:camera prst="orthographicFront"/>
+      <a:lightRig rig="threePt" dir="t"/>
+    </dgm:scene3d>
+    <dgm:sp3d/>
+    <dgm:txPr/>
+    <dgm:style>
+      <a:lnRef idx="2">
+        <a:scrgbClr r="0" g="0" b="0"/>
+      </a:lnRef>
+      <a:fillRef idx="1">
+        <a:scrgbClr r="0" g="0" b="0"/>
+      </a:fillRef>
+      <a:effectRef idx="0">
+        <a:scrgbClr r="0" g="0" b="0"/>
+      </a:effectRef>
+      <a:fontRef idx="minor">
+        <a:schemeClr val="lt1"/>
+      </a:fontRef>
+    </dgm:style>
+  </dgm:styleLbl>
+  <dgm:styleLbl name="parChTrans2D2">
+    <dgm:scene3d>
+      <a:camera prst="orthographicFront"/>
+      <a:lightRig rig="threePt" dir="t"/>
+    </dgm:scene3d>
+    <dgm:sp3d/>
+    <dgm:txPr/>
+    <dgm:style>
+      <a:lnRef idx="2">
+        <a:scrgbClr r="0" g="0" b="0"/>
+      </a:lnRef>
+      <a:fillRef idx="1">
+        <a:scrgbClr r="0" g="0" b="0"/>
+      </a:fillRef>
+      <a:effectRef idx="0">
+        <a:scrgbClr r="0" g="0" b="0"/>
+      </a:effectRef>
+      <a:fontRef idx="minor">
+        <a:schemeClr val="lt1"/>
+      </a:fontRef>
+    </dgm:style>
+  </dgm:styleLbl>
+  <dgm:styleLbl name="parChTrans2D3">
+    <dgm:scene3d>
+      <a:camera prst="orthographicFront"/>
+      <a:lightRig rig="threePt" dir="t"/>
+    </dgm:scene3d>
+    <dgm:sp3d/>
+    <dgm:txPr/>
+    <dgm:style>
+      <a:lnRef idx="2">
+        <a:scrgbClr r="0" g="0" b="0"/>
+      </a:lnRef>
+      <a:fillRef idx="1">
+        <a:scrgbClr r="0" g="0" b="0"/>
+      </a:fillRef>
+      <a:effectRef idx="0">
+        <a:scrgbClr r="0" g="0" b="0"/>
+      </a:effectRef>
+      <a:fontRef idx="minor">
+        <a:schemeClr val="lt1"/>
+      </a:fontRef>
+    </dgm:style>
+  </dgm:styleLbl>
+  <dgm:styleLbl name="parChTrans2D4">
+    <dgm:scene3d>
+      <a:camera prst="orthographicFront"/>
+      <a:lightRig rig="threePt" dir="t"/>
+    </dgm:scene3d>
+    <dgm:sp3d/>
+    <dgm:txPr/>
+    <dgm:style>
+      <a:lnRef idx="2">
+        <a:scrgbClr r="0" g="0" b="0"/>
+      </a:lnRef>
+      <a:fillRef idx="1">
+        <a:scrgbClr r="0" g="0" b="0"/>
+      </a:fillRef>
+      <a:effectRef idx="0">
+        <a:scrgbClr r="0" g="0" b="0"/>
+      </a:effectRef>
+      <a:fontRef idx="minor">
+        <a:schemeClr val="lt1"/>
+      </a:fontRef>
+    </dgm:style>
+  </dgm:styleLbl>
+  <dgm:styleLbl name="parChTrans1D1">
+    <dgm:scene3d>
+      <a:camera prst="orthographicFront"/>
+      <a:lightRig rig="threePt" dir="t"/>
+    </dgm:scene3d>
+    <dgm:sp3d/>
+    <dgm:txPr/>
+    <dgm:style>
+      <a:lnRef idx="2">
+        <a:scrgbClr r="0" g="0" b="0"/>
+      </a:lnRef>
+      <a:fillRef idx="0">
+        <a:scrgbClr r="0" g="0" b="0"/>
+      </a:fillRef>
+      <a:effectRef idx="0">
+        <a:scrgbClr r="0" g="0" b="0"/>
+      </a:effectRef>
+      <a:fontRef idx="minor"/>
+    </dgm:style>
+  </dgm:styleLbl>
+  <dgm:styleLbl name="parChTrans1D2">
+    <dgm:scene3d>
+      <a:camera prst="orthographicFront"/>
+      <a:lightRig rig="threePt" dir="t"/>
+    </dgm:scene3d>
+    <dgm:sp3d/>
+    <dgm:txPr/>
+    <dgm:style>
+      <a:lnRef idx="2">
+        <a:scrgbClr r="0" g="0" b="0"/>
+      </a:lnRef>
+      <a:fillRef idx="0">
+        <a:scrgbClr r="0" g="0" b="0"/>
+      </a:fillRef>
+      <a:effectRef idx="0">
+        <a:scrgbClr r="0" g="0" b="0"/>
+      </a:effectRef>
+      <a:fontRef idx="minor"/>
+    </dgm:style>
+  </dgm:styleLbl>
+  <dgm:styleLbl name="parChTrans1D3">
+    <dgm:scene3d>
+      <a:camera prst="orthographicFront"/>
+      <a:lightRig rig="threePt" dir="t"/>
+    </dgm:scene3d>
+    <dgm:sp3d/>
+    <dgm:txPr/>
+    <dgm:style>
+      <a:lnRef idx="2">
+        <a:scrgbClr r="0" g="0" b="0"/>
+      </a:lnRef>
+      <a:fillRef idx="0">
+        <a:scrgbClr r="0" g="0" b="0"/>
+      </a:fillRef>
+      <a:effectRef idx="0">
+        <a:scrgbClr r="0" g="0" b="0"/>
+      </a:effectRef>
+      <a:fontRef idx="minor"/>
+    </dgm:style>
+  </dgm:styleLbl>
+  <dgm:styleLbl name="parChTrans1D4">
+    <dgm:scene3d>
+      <a:camera prst="orthographicFront"/>
+      <a:lightRig rig="threePt" dir="t"/>
+    </dgm:scene3d>
+    <dgm:sp3d/>
+    <dgm:txPr/>
+    <dgm:style>
+      <a:lnRef idx="2">
+        <a:scrgbClr r="0" g="0" b="0"/>
+      </a:lnRef>
+      <a:fillRef idx="0">
+        <a:scrgbClr r="0" g="0" b="0"/>
+      </a:fillRef>
+      <a:effectRef idx="0">
+        <a:scrgbClr r="0" g="0" b="0"/>
+      </a:effectRef>
+      <a:fontRef idx="minor"/>
+    </dgm:style>
+  </dgm:styleLbl>
+  <dgm:styleLbl name="fgAcc1">
+    <dgm:scene3d>
+      <a:camera prst="orthographicFront"/>
+      <a:lightRig rig="threePt" dir="t"/>
+    </dgm:scene3d>
+    <dgm:sp3d/>
+    <dgm:txPr/>
+    <dgm:style>
+      <a:lnRef idx="2">
+        <a:scrgbClr r="0" g="0" b="0"/>
+      </a:lnRef>
+      <a:fillRef idx="1">
+        <a:scrgbClr r="0" g="0" b="0"/>
+      </a:fillRef>
+      <a:effectRef idx="0">
+        <a:scrgbClr r="0" g="0" b="0"/>
+      </a:effectRef>
+      <a:fontRef idx="minor"/>
+    </dgm:style>
+  </dgm:styleLbl>
+  <dgm:styleLbl name="conFgAcc1">
+    <dgm:scene3d>
+      <a:camera prst="orthographicFront"/>
+      <a:lightRig rig="threePt" dir="t"/>
+    </dgm:scene3d>
+    <dgm:sp3d/>
+    <dgm:txPr/>
+    <dgm:style>
+      <a:lnRef idx="2">
+        <a:scrgbClr r="0" g="0" b="0"/>
+      </a:lnRef>
+      <a:fillRef idx="1">
+        <a:scrgbClr r="0" g="0" b="0"/>
+      </a:fillRef>
+      <a:effectRef idx="0">
+        <a:scrgbClr r="0" g="0" b="0"/>
+      </a:effectRef>
+      <a:fontRef idx="minor"/>
+    </dgm:style>
+  </dgm:styleLbl>
+  <dgm:styleLbl name="alignAcc1">
+    <dgm:scene3d>
+      <a:camera prst="orthographicFront"/>
+      <a:lightRig rig="threePt" dir="t"/>
+    </dgm:scene3d>
+    <dgm:sp3d/>
+    <dgm:txPr/>
+    <dgm:style>
+      <a:lnRef idx="2">
+        <a:scrgbClr r="0" g="0" b="0"/>
+      </a:lnRef>
+      <a:fillRef idx="1">
+        <a:scrgbClr r="0" g="0" b="0"/>
+      </a:fillRef>
+      <a:effectRef idx="0">
+        <a:scrgbClr r="0" g="0" b="0"/>
+      </a:effectRef>
+      <a:fontRef idx="minor"/>
+    </dgm:style>
+  </dgm:styleLbl>
+  <dgm:styleLbl name="trAlignAcc1">
+    <dgm:scene3d>
+      <a:camera prst="orthographicFront"/>
+      <a:lightRig rig="threePt" dir="t"/>
+    </dgm:scene3d>
+    <dgm:sp3d/>
+    <dgm:txPr/>
+    <dgm:style>
+      <a:lnRef idx="1">
+        <a:scrgbClr r="0" g="0" b="0"/>
+      </a:lnRef>
+      <a:fillRef idx="1">
+        <a:scrgbClr r="0" g="0" b="0"/>
+      </a:fillRef>
+      <a:effectRef idx="0">
+        <a:scrgbClr r="0" g="0" b="0"/>
+      </a:effectRef>
+      <a:fontRef idx="minor"/>
+    </dgm:style>
+  </dgm:styleLbl>
+  <dgm:styleLbl name="bgAcc1">
+    <dgm:scene3d>
+      <a:camera prst="orthographicFront"/>
+      <a:lightRig rig="threePt" dir="t"/>
+    </dgm:scene3d>
+    <dgm:sp3d/>
+    <dgm:txPr/>
+    <dgm:style>
+      <a:lnRef idx="2">
+        <a:scrgbClr r="0" g="0" b="0"/>
+      </a:lnRef>
+      <a:fillRef idx="1">
+        <a:scrgbClr r="0" g="0" b="0"/>
+      </a:fillRef>
+      <a:effectRef idx="0">
+        <a:scrgbClr r="0" g="0" b="0"/>
+      </a:effectRef>
+      <a:fontRef idx="minor"/>
+    </dgm:style>
+  </dgm:styleLbl>
+  <dgm:styleLbl name="solidFgAcc1">
+    <dgm:scene3d>
+      <a:camera prst="orthographicFront"/>
+      <a:lightRig rig="threePt" dir="t"/>
+    </dgm:scene3d>
+    <dgm:sp3d/>
+    <dgm:txPr/>
+    <dgm:style>
+      <a:lnRef idx="2">
+        <a:scrgbClr r="0" g="0" b="0"/>
+      </a:lnRef>
+      <a:fillRef idx="1">
+        <a:scrgbClr r="0" g="0" b="0"/>
+      </a:fillRef>
+      <a:effectRef idx="0">
+        <a:scrgbClr r="0" g="0" b="0"/>
+      </a:effectRef>
+      <a:fontRef idx="minor"/>
+    </dgm:style>
+  </dgm:styleLbl>
+  <dgm:styleLbl name="solidAlignAcc1">
+    <dgm:scene3d>
+      <a:camera prst="orthographicFront"/>
+      <a:lightRig rig="threePt" dir="t"/>
+    </dgm:scene3d>
+    <dgm:sp3d/>
+    <dgm:txPr/>
+    <dgm:style>
+      <a:lnRef idx="2">
+        <a:scrgbClr r="0" g="0" b="0"/>
+      </a:lnRef>
+      <a:fillRef idx="1">
+        <a:scrgbClr r="0" g="0" b="0"/>
+      </a:fillRef>
+      <a:effectRef idx="0">
+        <a:scrgbClr r="0" g="0" b="0"/>
+      </a:effectRef>
+      <a:fontRef idx="minor"/>
+    </dgm:style>
+  </dgm:styleLbl>
+  <dgm:styleLbl name="solidBgAcc1">
+    <dgm:scene3d>
+      <a:camera prst="orthographicFront"/>
+      <a:lightRig rig="threePt" dir="t"/>
+    </dgm:scene3d>
+    <dgm:sp3d/>
+    <dgm:txPr/>
+    <dgm:style>
+      <a:lnRef idx="2">
+        <a:scrgbClr r="0" g="0" b="0"/>
+      </a:lnRef>
+      <a:fillRef idx="1">
+        <a:scrgbClr r="0" g="0" b="0"/>
+      </a:fillRef>
+      <a:effectRef idx="0">
+        <a:scrgbClr r="0" g="0" b="0"/>
+      </a:effectRef>
+      <a:fontRef idx="minor"/>
+    </dgm:style>
+  </dgm:styleLbl>
+  <dgm:styleLbl name="fgAccFollowNode1">
+    <dgm:scene3d>
+      <a:camera prst="orthographicFront"/>
+      <a:lightRig rig="threePt" dir="t"/>
+    </dgm:scene3d>
+    <dgm:sp3d/>
+    <dgm:txPr/>
+    <dgm:style>
+      <a:lnRef idx="2">
+        <a:scrgbClr r="0" g="0" b="0"/>
+      </a:lnRef>
+      <a:fillRef idx="1">
+        <a:scrgbClr r="0" g="0" b="0"/>
+      </a:fillRef>
+      <a:effectRef idx="0">
+        <a:scrgbClr r="0" g="0" b="0"/>
+      </a:effectRef>
+      <a:fontRef idx="minor"/>
+    </dgm:style>
+  </dgm:styleLbl>
+  <dgm:styleLbl name="alignAccFollowNode1">
+    <dgm:scene3d>
+      <a:camera prst="orthographicFront"/>
+      <a:lightRig rig="threePt" dir="t"/>
+    </dgm:scene3d>
+    <dgm:sp3d/>
+    <dgm:txPr/>
+    <dgm:style>
+      <a:lnRef idx="2">
+        <a:scrgbClr r="0" g="0" b="0"/>
+      </a:lnRef>
+      <a:fillRef idx="1">
+        <a:scrgbClr r="0" g="0" b="0"/>
+      </a:fillRef>
+      <a:effectRef idx="0">
+        <a:scrgbClr r="0" g="0" b="0"/>
+      </a:effectRef>
+      <a:fontRef idx="minor"/>
+    </dgm:style>
+  </dgm:styleLbl>
+  <dgm:styleLbl name="bgAccFollowNode1">
+    <dgm:scene3d>
+      <a:camera prst="orthographicFront"/>
+      <a:lightRig rig="threePt" dir="t"/>
+    </dgm:scene3d>
+    <dgm:sp3d/>
+    <dgm:txPr/>
+    <dgm:style>
+      <a:lnRef idx="2">
+        <a:scrgbClr r="0" g="0" b="0"/>
+      </a:lnRef>
+      <a:fillRef idx="1">
+        <a:scrgbClr r="0" g="0" b="0"/>
+      </a:fillRef>
+      <a:effectRef idx="0">
+        <a:scrgbClr r="0" g="0" b="0"/>
+      </a:effectRef>
+      <a:fontRef idx="minor"/>
+    </dgm:style>
+  </dgm:styleLbl>
+  <dgm:styleLbl name="fgAcc0">
+    <dgm:scene3d>
+      <a:camera prst="orthographicFront"/>
+      <a:lightRig rig="threePt" dir="t"/>
+    </dgm:scene3d>
+    <dgm:sp3d/>
+    <dgm:txPr/>
+    <dgm:style>
+      <a:lnRef idx="2">
+        <a:scrgbClr r="0" g="0" b="0"/>
+      </a:lnRef>
+      <a:fillRef idx="1">
+        <a:scrgbClr r="0" g="0" b="0"/>
+      </a:fillRef>
+      <a:effectRef idx="0">
+        <a:scrgbClr r="0" g="0" b="0"/>
+      </a:effectRef>
+      <a:fontRef idx="minor"/>
+    </dgm:style>
+  </dgm:styleLbl>
+  <dgm:styleLbl name="fgAcc2">
+    <dgm:scene3d>
+      <a:camera prst="orthographicFront"/>
+      <a:lightRig rig="threePt" dir="t"/>
+    </dgm:scene3d>
+    <dgm:sp3d/>
+    <dgm:txPr/>
+    <dgm:style>
+      <a:lnRef idx="2">
+        <a:scrgbClr r="0" g="0" b="0"/>
+      </a:lnRef>
+      <a:fillRef idx="1">
+        <a:scrgbClr r="0" g="0" b="0"/>
+      </a:fillRef>
+      <a:effectRef idx="0">
+        <a:scrgbClr r="0" g="0" b="0"/>
+      </a:effectRef>
+      <a:fontRef idx="minor"/>
+    </dgm:style>
+  </dgm:styleLbl>
+  <dgm:styleLbl name="fgAcc3">
+    <dgm:scene3d>
+      <a:camera prst="orthographicFront"/>
+      <a:lightRig rig="threePt" dir="t"/>
+    </dgm:scene3d>
+    <dgm:sp3d/>
+    <dgm:txPr/>
+    <dgm:style>
+      <a:lnRef idx="2">
+        <a:scrgbClr r="0" g="0" b="0"/>
+      </a:lnRef>
+      <a:fillRef idx="1">
+        <a:scrgbClr r="0" g="0" b="0"/>
+      </a:fillRef>
+      <a:effectRef idx="0">
+        <a:scrgbClr r="0" g="0" b="0"/>
+      </a:effectRef>
+      <a:fontRef idx="minor"/>
+    </dgm:style>
+  </dgm:styleLbl>
+  <dgm:styleLbl name="fgAcc4">
+    <dgm:scene3d>
+      <a:camera prst="orthographicFront"/>
+      <a:lightRig rig="threePt" dir="t"/>
+    </dgm:scene3d>
+    <dgm:sp3d/>
+    <dgm:txPr/>
+    <dgm:style>
+      <a:lnRef idx="2">
+        <a:scrgbClr r="0" g="0" b="0"/>
+      </a:lnRef>
+      <a:fillRef idx="1">
+        <a:scrgbClr r="0" g="0" b="0"/>
+      </a:fillRef>
+      <a:effectRef idx="0">
+        <a:scrgbClr r="0" g="0" b="0"/>
+      </a:effectRef>
+      <a:fontRef idx="minor"/>
+    </dgm:style>
+  </dgm:styleLbl>
+  <dgm:styleLbl name="bgShp">
+    <dgm:scene3d>
+      <a:camera prst="orthographicFront"/>
+      <a:lightRig rig="threePt" dir="t"/>
+    </dgm:scene3d>
+    <dgm:sp3d/>
+    <dgm:txPr/>
+    <dgm:style>
+      <a:lnRef idx="0">
+        <a:scrgbClr r="0" g="0" b="0"/>
+      </a:lnRef>
+      <a:fillRef idx="1">
+        <a:scrgbClr r="0" g="0" b="0"/>
+      </a:fillRef>
+      <a:effectRef idx="0">
+        <a:scrgbClr r="0" g="0" b="0"/>
+      </a:effectRef>
+      <a:fontRef idx="minor"/>
+    </dgm:style>
+  </dgm:styleLbl>
+  <dgm:styleLbl name="dkBgShp">
+    <dgm:scene3d>
+      <a:camera prst="orthographicFront"/>
+      <a:lightRig rig="threePt" dir="t"/>
+    </dgm:scene3d>
+    <dgm:sp3d/>
+    <dgm:txPr/>
+    <dgm:style>
+      <a:lnRef idx="0">
+        <a:scrgbClr r="0" g="0" b="0"/>
+      </a:lnRef>
+      <a:fillRef idx="1">
+        <a:scrgbClr r="0" g="0" b="0"/>
+      </a:fillRef>
+      <a:effectRef idx="0">
+        <a:scrgbClr r="0" g="0" b="0"/>
+      </a:effectRef>
+      <a:fontRef idx="minor"/>
+    </dgm:style>
+  </dgm:styleLbl>
+  <dgm:styleLbl name="trBgShp">
+    <dgm:scene3d>
+      <a:camera prst="orthographicFront"/>
+      <a:lightRig rig="threePt" dir="t"/>
+    </dgm:scene3d>
+    <dgm:sp3d/>
+    <dgm:txPr/>
+    <dgm:style>
+      <a:lnRef idx="0">
+        <a:scrgbClr r="0" g="0" b="0"/>
+      </a:lnRef>
+      <a:fillRef idx="1">
+        <a:scrgbClr r="0" g="0" b="0"/>
+      </a:fillRef>
+      <a:effectRef idx="0">
+        <a:scrgbClr r="0" g="0" b="0"/>
+      </a:effectRef>
+      <a:fontRef idx="minor"/>
+    </dgm:style>
+  </dgm:styleLbl>
+  <dgm:styleLbl name="fgShp">
+    <dgm:scene3d>
+      <a:camera prst="orthographicFront"/>
+      <a:lightRig rig="threePt" dir="t"/>
+    </dgm:scene3d>
+    <dgm:sp3d/>
+    <dgm:txPr/>
+    <dgm:style>
+      <a:lnRef idx="2">
+        <a:scrgbClr r="0" g="0" b="0"/>
+      </a:lnRef>
+      <a:fillRef idx="1">
+        <a:scrgbClr r="0" g="0" b="0"/>
+      </a:fillRef>
+      <a:effectRef idx="0">
+        <a:scrgbClr r="0" g="0" b="0"/>
+      </a:effectRef>
+      <a:fontRef idx="minor"/>
+    </dgm:style>
+  </dgm:styleLbl>
+  <dgm:styleLbl name="revTx">
+    <dgm:scene3d>
+      <a:camera prst="orthographicFront"/>
+      <a:lightRig rig="threePt" dir="t"/>
+    </dgm:scene3d>
+    <dgm:sp3d/>
+    <dgm:txPr/>
+    <dgm:style>
+      <a:lnRef idx="0">
+        <a:scrgbClr r="0" g="0" b="0"/>
+      </a:lnRef>
+      <a:fillRef idx="0">
+        <a:scrgbClr r="0" g="0" b="0"/>
+      </a:fillRef>
+      <a:effectRef idx="0">
+        <a:scrgbClr r="0" g="0" b="0"/>
+      </a:effectRef>
+      <a:fontRef idx="minor"/>
+    </dgm:style>
+  </dgm:styleLbl>
+</dgm:styleDef>
 </file>
 
 <file path=ppt/handoutMasters/handoutMaster1.xml><?xml version="1.0" encoding="utf-8"?>
@@ -9647,13 +12399,13 @@
   <p:clrMapOvr>
     <a:masterClrMapping/>
   </p:clrMapOvr>
-  <mc:AlternateContent xmlns:mc="http://schemas.openxmlformats.org/markup-compatibility/2006" xmlns:p14="http://schemas.microsoft.com/office/powerpoint/2010/main">
-    <mc:Choice Requires="p14">
+  <mc:AlternateContent xmlns:mc="http://schemas.openxmlformats.org/markup-compatibility/2006">
+    <mc:Choice xmlns:p14="http://schemas.microsoft.com/office/powerpoint/2010/main" Requires="p14">
       <p:transition spd="med" p14:dur="700">
         <p:fade/>
       </p:transition>
     </mc:Choice>
-    <mc:Fallback xmlns="">
+    <mc:Fallback>
       <p:transition spd="med">
         <p:fade/>
       </p:transition>
@@ -9687,7 +12439,7 @@
         </p:nvSpPr>
         <p:spPr bwMode="auto">
           <a:xfrm>
-            <a:off x="1371600" y="2590800"/>
+            <a:off x="1600200" y="2347404"/>
             <a:ext cx="2743200" cy="1905000"/>
           </a:xfrm>
           <a:prstGeom prst="rect">
@@ -9743,7 +12495,7 @@
         </p:nvSpPr>
         <p:spPr bwMode="auto">
           <a:xfrm>
-            <a:off x="4953000" y="2605596"/>
+            <a:off x="5181600" y="2362200"/>
             <a:ext cx="2743200" cy="1905000"/>
           </a:xfrm>
           <a:prstGeom prst="rect">
@@ -9799,6 +12551,1167 @@
     <p:extLst>
       <p:ext uri="{BB962C8B-B14F-4D97-AF65-F5344CB8AC3E}">
         <p14:creationId xmlns:p14="http://schemas.microsoft.com/office/powerpoint/2010/main" val="1508003076"/>
+      </p:ext>
+    </p:extLst>
+  </p:cSld>
+  <p:clrMapOvr>
+    <a:masterClrMapping/>
+  </p:clrMapOvr>
+  <mc:AlternateContent xmlns:mc="http://schemas.openxmlformats.org/markup-compatibility/2006">
+    <mc:Choice xmlns:p14="http://schemas.microsoft.com/office/powerpoint/2010/main" Requires="p14">
+      <p:transition spd="med" p14:dur="700">
+        <p:fade/>
+      </p:transition>
+    </mc:Choice>
+    <mc:Fallback>
+      <p:transition spd="med">
+        <p:fade/>
+      </p:transition>
+    </mc:Fallback>
+  </mc:AlternateContent>
+</p:sld>
+</file>
+
+<file path=ppt/slides/slide3.xml><?xml version="1.0" encoding="utf-8"?>
+<p:sld xmlns:a="http://schemas.openxmlformats.org/drawingml/2006/main" xmlns:r="http://schemas.openxmlformats.org/officeDocument/2006/relationships" xmlns:p="http://schemas.openxmlformats.org/presentationml/2006/main">
+  <p:cSld>
+    <p:spTree>
+      <p:nvGrpSpPr>
+        <p:cNvPr id="1" name=""/>
+        <p:cNvGrpSpPr/>
+        <p:nvPr/>
+      </p:nvGrpSpPr>
+      <p:grpSpPr>
+        <a:xfrm>
+          <a:off x="0" y="0"/>
+          <a:ext cx="0" cy="0"/>
+          <a:chOff x="0" y="0"/>
+          <a:chExt cx="0" cy="0"/>
+        </a:xfrm>
+      </p:grpSpPr>
+      <p:sp>
+        <p:nvSpPr>
+          <p:cNvPr id="2" name="Title 1"/>
+          <p:cNvSpPr>
+            <a:spLocks noGrp="1"/>
+          </p:cNvSpPr>
+          <p:nvPr>
+            <p:ph type="title"/>
+          </p:nvPr>
+        </p:nvSpPr>
+        <p:spPr/>
+        <p:txBody>
+          <a:bodyPr/>
+          <a:lstStyle/>
+          <a:p>
+            <a:endParaRPr lang="en-US"/>
+          </a:p>
+        </p:txBody>
+      </p:sp>
+      <p:sp>
+        <p:nvSpPr>
+          <p:cNvPr id="3" name="Text Placeholder 2"/>
+          <p:cNvSpPr>
+            <a:spLocks noGrp="1"/>
+          </p:cNvSpPr>
+          <p:nvPr>
+            <p:ph type="body" idx="1"/>
+          </p:nvPr>
+        </p:nvSpPr>
+        <p:spPr/>
+        <p:txBody>
+          <a:bodyPr/>
+          <a:lstStyle/>
+          <a:p>
+            <a:endParaRPr lang="en-US" dirty="0"/>
+          </a:p>
+        </p:txBody>
+      </p:sp>
+      <p:graphicFrame>
+        <p:nvGraphicFramePr>
+          <p:cNvPr id="4" name="Diagram 3"/>
+          <p:cNvGraphicFramePr/>
+          <p:nvPr>
+            <p:extLst>
+              <p:ext uri="{D42A27DB-BD31-4B8C-83A1-F6EECF244321}">
+                <p14:modId xmlns:p14="http://schemas.microsoft.com/office/powerpoint/2010/main" val="866945169"/>
+              </p:ext>
+            </p:extLst>
+          </p:nvPr>
+        </p:nvGraphicFramePr>
+        <p:xfrm>
+          <a:off x="1524000" y="1397000"/>
+          <a:ext cx="6096000" cy="4064000"/>
+        </p:xfrm>
+        <a:graphic>
+          <a:graphicData uri="http://schemas.openxmlformats.org/drawingml/2006/diagram">
+            <dgm:relIds xmlns:dgm="http://schemas.openxmlformats.org/drawingml/2006/diagram" xmlns:r="http://schemas.openxmlformats.org/officeDocument/2006/relationships" r:dm="rId2" r:lo="rId3" r:qs="rId4" r:cs="rId5"/>
+          </a:graphicData>
+        </a:graphic>
+      </p:graphicFrame>
+    </p:spTree>
+    <p:extLst>
+      <p:ext uri="{BB962C8B-B14F-4D97-AF65-F5344CB8AC3E}">
+        <p14:creationId xmlns:p14="http://schemas.microsoft.com/office/powerpoint/2010/main" val="641294550"/>
+      </p:ext>
+    </p:extLst>
+  </p:cSld>
+  <p:clrMapOvr>
+    <a:masterClrMapping/>
+  </p:clrMapOvr>
+  <mc:AlternateContent xmlns:mc="http://schemas.openxmlformats.org/markup-compatibility/2006">
+    <mc:Choice xmlns:p14="http://schemas.microsoft.com/office/powerpoint/2010/main" Requires="p14">
+      <p:transition spd="med" p14:dur="700">
+        <p:fade/>
+      </p:transition>
+    </mc:Choice>
+    <mc:Fallback>
+      <p:transition spd="med">
+        <p:fade/>
+      </p:transition>
+    </mc:Fallback>
+  </mc:AlternateContent>
+  <p:timing>
+    <p:tnLst>
+      <p:par>
+        <p:cTn id="1" dur="indefinite" restart="never" nodeType="tmRoot">
+          <p:childTnLst>
+            <p:seq concurrent="1" nextAc="seek">
+              <p:cTn id="2" dur="indefinite" nodeType="mainSeq">
+                <p:childTnLst>
+                  <p:par>
+                    <p:cTn id="3" fill="hold">
+                      <p:stCondLst>
+                        <p:cond delay="indefinite"/>
+                      </p:stCondLst>
+                      <p:childTnLst>
+                        <p:par>
+                          <p:cTn id="4" fill="hold">
+                            <p:stCondLst>
+                              <p:cond delay="0"/>
+                            </p:stCondLst>
+                            <p:childTnLst>
+                              <p:par>
+                                <p:cTn id="5" presetID="10" presetClass="entr" presetSubtype="0" fill="hold" grpId="0" nodeType="clickEffect">
+                                  <p:stCondLst>
+                                    <p:cond delay="0"/>
+                                  </p:stCondLst>
+                                  <p:childTnLst>
+                                    <p:set>
+                                      <p:cBhvr>
+                                        <p:cTn id="6" dur="1" fill="hold">
+                                          <p:stCondLst>
+                                            <p:cond delay="0"/>
+                                          </p:stCondLst>
+                                        </p:cTn>
+                                        <p:tgtEl>
+                                          <p:spTgt spid="4">
+                                            <p:graphicEl>
+                                              <a:dgm id="{981A6281-86F8-4AC1-900E-EE98A647CCC7}"/>
+                                            </p:graphicEl>
+                                          </p:spTgt>
+                                        </p:tgtEl>
+                                        <p:attrNameLst>
+                                          <p:attrName>style.visibility</p:attrName>
+                                        </p:attrNameLst>
+                                      </p:cBhvr>
+                                      <p:to>
+                                        <p:strVal val="visible"/>
+                                      </p:to>
+                                    </p:set>
+                                    <p:animEffect transition="in" filter="fade">
+                                      <p:cBhvr>
+                                        <p:cTn id="7" dur="500"/>
+                                        <p:tgtEl>
+                                          <p:spTgt spid="4">
+                                            <p:graphicEl>
+                                              <a:dgm id="{981A6281-86F8-4AC1-900E-EE98A647CCC7}"/>
+                                            </p:graphicEl>
+                                          </p:spTgt>
+                                        </p:tgtEl>
+                                      </p:cBhvr>
+                                    </p:animEffect>
+                                  </p:childTnLst>
+                                </p:cTn>
+                              </p:par>
+                            </p:childTnLst>
+                          </p:cTn>
+                        </p:par>
+                      </p:childTnLst>
+                    </p:cTn>
+                  </p:par>
+                  <p:par>
+                    <p:cTn id="8" fill="hold">
+                      <p:stCondLst>
+                        <p:cond delay="indefinite"/>
+                      </p:stCondLst>
+                      <p:childTnLst>
+                        <p:par>
+                          <p:cTn id="9" fill="hold">
+                            <p:stCondLst>
+                              <p:cond delay="0"/>
+                            </p:stCondLst>
+                            <p:childTnLst>
+                              <p:par>
+                                <p:cTn id="10" presetID="10" presetClass="entr" presetSubtype="0" fill="hold" grpId="0" nodeType="clickEffect">
+                                  <p:stCondLst>
+                                    <p:cond delay="0"/>
+                                  </p:stCondLst>
+                                  <p:childTnLst>
+                                    <p:set>
+                                      <p:cBhvr>
+                                        <p:cTn id="11" dur="1" fill="hold">
+                                          <p:stCondLst>
+                                            <p:cond delay="0"/>
+                                          </p:stCondLst>
+                                        </p:cTn>
+                                        <p:tgtEl>
+                                          <p:spTgt spid="4">
+                                            <p:graphicEl>
+                                              <a:dgm id="{7CF9E0E1-57E1-4E71-AB2A-705C54310011}"/>
+                                            </p:graphicEl>
+                                          </p:spTgt>
+                                        </p:tgtEl>
+                                        <p:attrNameLst>
+                                          <p:attrName>style.visibility</p:attrName>
+                                        </p:attrNameLst>
+                                      </p:cBhvr>
+                                      <p:to>
+                                        <p:strVal val="visible"/>
+                                      </p:to>
+                                    </p:set>
+                                    <p:animEffect transition="in" filter="fade">
+                                      <p:cBhvr>
+                                        <p:cTn id="12" dur="500"/>
+                                        <p:tgtEl>
+                                          <p:spTgt spid="4">
+                                            <p:graphicEl>
+                                              <a:dgm id="{7CF9E0E1-57E1-4E71-AB2A-705C54310011}"/>
+                                            </p:graphicEl>
+                                          </p:spTgt>
+                                        </p:tgtEl>
+                                      </p:cBhvr>
+                                    </p:animEffect>
+                                  </p:childTnLst>
+                                </p:cTn>
+                              </p:par>
+                            </p:childTnLst>
+                          </p:cTn>
+                        </p:par>
+                      </p:childTnLst>
+                    </p:cTn>
+                  </p:par>
+                  <p:par>
+                    <p:cTn id="13" fill="hold">
+                      <p:stCondLst>
+                        <p:cond delay="indefinite"/>
+                      </p:stCondLst>
+                      <p:childTnLst>
+                        <p:par>
+                          <p:cTn id="14" fill="hold">
+                            <p:stCondLst>
+                              <p:cond delay="0"/>
+                            </p:stCondLst>
+                            <p:childTnLst>
+                              <p:par>
+                                <p:cTn id="15" presetID="10" presetClass="entr" presetSubtype="0" fill="hold" grpId="0" nodeType="clickEffect">
+                                  <p:stCondLst>
+                                    <p:cond delay="0"/>
+                                  </p:stCondLst>
+                                  <p:childTnLst>
+                                    <p:set>
+                                      <p:cBhvr>
+                                        <p:cTn id="16" dur="1" fill="hold">
+                                          <p:stCondLst>
+                                            <p:cond delay="0"/>
+                                          </p:stCondLst>
+                                        </p:cTn>
+                                        <p:tgtEl>
+                                          <p:spTgt spid="4">
+                                            <p:graphicEl>
+                                              <a:dgm id="{59568C65-5F91-47FC-BD3B-7D6E5AF8542E}"/>
+                                            </p:graphicEl>
+                                          </p:spTgt>
+                                        </p:tgtEl>
+                                        <p:attrNameLst>
+                                          <p:attrName>style.visibility</p:attrName>
+                                        </p:attrNameLst>
+                                      </p:cBhvr>
+                                      <p:to>
+                                        <p:strVal val="visible"/>
+                                      </p:to>
+                                    </p:set>
+                                    <p:animEffect transition="in" filter="fade">
+                                      <p:cBhvr>
+                                        <p:cTn id="17" dur="500"/>
+                                        <p:tgtEl>
+                                          <p:spTgt spid="4">
+                                            <p:graphicEl>
+                                              <a:dgm id="{59568C65-5F91-47FC-BD3B-7D6E5AF8542E}"/>
+                                            </p:graphicEl>
+                                          </p:spTgt>
+                                        </p:tgtEl>
+                                      </p:cBhvr>
+                                    </p:animEffect>
+                                  </p:childTnLst>
+                                </p:cTn>
+                              </p:par>
+                            </p:childTnLst>
+                          </p:cTn>
+                        </p:par>
+                      </p:childTnLst>
+                    </p:cTn>
+                  </p:par>
+                  <p:par>
+                    <p:cTn id="18" fill="hold">
+                      <p:stCondLst>
+                        <p:cond delay="indefinite"/>
+                      </p:stCondLst>
+                      <p:childTnLst>
+                        <p:par>
+                          <p:cTn id="19" fill="hold">
+                            <p:stCondLst>
+                              <p:cond delay="0"/>
+                            </p:stCondLst>
+                            <p:childTnLst>
+                              <p:par>
+                                <p:cTn id="20" presetID="10" presetClass="entr" presetSubtype="0" fill="hold" grpId="0" nodeType="clickEffect">
+                                  <p:stCondLst>
+                                    <p:cond delay="0"/>
+                                  </p:stCondLst>
+                                  <p:childTnLst>
+                                    <p:set>
+                                      <p:cBhvr>
+                                        <p:cTn id="21" dur="1" fill="hold">
+                                          <p:stCondLst>
+                                            <p:cond delay="0"/>
+                                          </p:stCondLst>
+                                        </p:cTn>
+                                        <p:tgtEl>
+                                          <p:spTgt spid="4">
+                                            <p:graphicEl>
+                                              <a:dgm id="{93093A55-75FF-42DD-A388-171C815381CD}"/>
+                                            </p:graphicEl>
+                                          </p:spTgt>
+                                        </p:tgtEl>
+                                        <p:attrNameLst>
+                                          <p:attrName>style.visibility</p:attrName>
+                                        </p:attrNameLst>
+                                      </p:cBhvr>
+                                      <p:to>
+                                        <p:strVal val="visible"/>
+                                      </p:to>
+                                    </p:set>
+                                    <p:animEffect transition="in" filter="fade">
+                                      <p:cBhvr>
+                                        <p:cTn id="22" dur="500"/>
+                                        <p:tgtEl>
+                                          <p:spTgt spid="4">
+                                            <p:graphicEl>
+                                              <a:dgm id="{93093A55-75FF-42DD-A388-171C815381CD}"/>
+                                            </p:graphicEl>
+                                          </p:spTgt>
+                                        </p:tgtEl>
+                                      </p:cBhvr>
+                                    </p:animEffect>
+                                  </p:childTnLst>
+                                </p:cTn>
+                              </p:par>
+                            </p:childTnLst>
+                          </p:cTn>
+                        </p:par>
+                      </p:childTnLst>
+                    </p:cTn>
+                  </p:par>
+                  <p:par>
+                    <p:cTn id="23" fill="hold">
+                      <p:stCondLst>
+                        <p:cond delay="indefinite"/>
+                      </p:stCondLst>
+                      <p:childTnLst>
+                        <p:par>
+                          <p:cTn id="24" fill="hold">
+                            <p:stCondLst>
+                              <p:cond delay="0"/>
+                            </p:stCondLst>
+                            <p:childTnLst>
+                              <p:par>
+                                <p:cTn id="25" presetID="10" presetClass="entr" presetSubtype="0" fill="hold" grpId="0" nodeType="clickEffect">
+                                  <p:stCondLst>
+                                    <p:cond delay="0"/>
+                                  </p:stCondLst>
+                                  <p:childTnLst>
+                                    <p:set>
+                                      <p:cBhvr>
+                                        <p:cTn id="26" dur="1" fill="hold">
+                                          <p:stCondLst>
+                                            <p:cond delay="0"/>
+                                          </p:stCondLst>
+                                        </p:cTn>
+                                        <p:tgtEl>
+                                          <p:spTgt spid="4">
+                                            <p:graphicEl>
+                                              <a:dgm id="{07B597A2-DACE-457C-BABE-06FE57D509E5}"/>
+                                            </p:graphicEl>
+                                          </p:spTgt>
+                                        </p:tgtEl>
+                                        <p:attrNameLst>
+                                          <p:attrName>style.visibility</p:attrName>
+                                        </p:attrNameLst>
+                                      </p:cBhvr>
+                                      <p:to>
+                                        <p:strVal val="visible"/>
+                                      </p:to>
+                                    </p:set>
+                                    <p:animEffect transition="in" filter="fade">
+                                      <p:cBhvr>
+                                        <p:cTn id="27" dur="500"/>
+                                        <p:tgtEl>
+                                          <p:spTgt spid="4">
+                                            <p:graphicEl>
+                                              <a:dgm id="{07B597A2-DACE-457C-BABE-06FE57D509E5}"/>
+                                            </p:graphicEl>
+                                          </p:spTgt>
+                                        </p:tgtEl>
+                                      </p:cBhvr>
+                                    </p:animEffect>
+                                  </p:childTnLst>
+                                </p:cTn>
+                              </p:par>
+                            </p:childTnLst>
+                          </p:cTn>
+                        </p:par>
+                      </p:childTnLst>
+                    </p:cTn>
+                  </p:par>
+                  <p:par>
+                    <p:cTn id="28" fill="hold">
+                      <p:stCondLst>
+                        <p:cond delay="indefinite"/>
+                      </p:stCondLst>
+                      <p:childTnLst>
+                        <p:par>
+                          <p:cTn id="29" fill="hold">
+                            <p:stCondLst>
+                              <p:cond delay="0"/>
+                            </p:stCondLst>
+                            <p:childTnLst>
+                              <p:par>
+                                <p:cTn id="30" presetID="10" presetClass="entr" presetSubtype="0" fill="hold" grpId="0" nodeType="clickEffect">
+                                  <p:stCondLst>
+                                    <p:cond delay="0"/>
+                                  </p:stCondLst>
+                                  <p:childTnLst>
+                                    <p:set>
+                                      <p:cBhvr>
+                                        <p:cTn id="31" dur="1" fill="hold">
+                                          <p:stCondLst>
+                                            <p:cond delay="0"/>
+                                          </p:stCondLst>
+                                        </p:cTn>
+                                        <p:tgtEl>
+                                          <p:spTgt spid="4">
+                                            <p:graphicEl>
+                                              <a:dgm id="{025112D9-9E0E-477B-B4A8-B3E5D8E05C0C}"/>
+                                            </p:graphicEl>
+                                          </p:spTgt>
+                                        </p:tgtEl>
+                                        <p:attrNameLst>
+                                          <p:attrName>style.visibility</p:attrName>
+                                        </p:attrNameLst>
+                                      </p:cBhvr>
+                                      <p:to>
+                                        <p:strVal val="visible"/>
+                                      </p:to>
+                                    </p:set>
+                                    <p:animEffect transition="in" filter="fade">
+                                      <p:cBhvr>
+                                        <p:cTn id="32" dur="500"/>
+                                        <p:tgtEl>
+                                          <p:spTgt spid="4">
+                                            <p:graphicEl>
+                                              <a:dgm id="{025112D9-9E0E-477B-B4A8-B3E5D8E05C0C}"/>
+                                            </p:graphicEl>
+                                          </p:spTgt>
+                                        </p:tgtEl>
+                                      </p:cBhvr>
+                                    </p:animEffect>
+                                  </p:childTnLst>
+                                </p:cTn>
+                              </p:par>
+                            </p:childTnLst>
+                          </p:cTn>
+                        </p:par>
+                      </p:childTnLst>
+                    </p:cTn>
+                  </p:par>
+                </p:childTnLst>
+              </p:cTn>
+              <p:prevCondLst>
+                <p:cond evt="onPrev" delay="0">
+                  <p:tgtEl>
+                    <p:sldTgt/>
+                  </p:tgtEl>
+                </p:cond>
+              </p:prevCondLst>
+              <p:nextCondLst>
+                <p:cond evt="onNext" delay="0">
+                  <p:tgtEl>
+                    <p:sldTgt/>
+                  </p:tgtEl>
+                </p:cond>
+              </p:nextCondLst>
+            </p:seq>
+          </p:childTnLst>
+        </p:cTn>
+      </p:par>
+    </p:tnLst>
+    <p:bldLst>
+      <p:bldGraphic spid="4" grpId="0">
+        <p:bldSub>
+          <a:bldDgm bld="one"/>
+        </p:bldSub>
+      </p:bldGraphic>
+    </p:bldLst>
+  </p:timing>
+</p:sld>
+</file>
+
+<file path=ppt/slides/slide4.xml><?xml version="1.0" encoding="utf-8"?>
+<p:sld xmlns:a="http://schemas.openxmlformats.org/drawingml/2006/main" xmlns:r="http://schemas.openxmlformats.org/officeDocument/2006/relationships" xmlns:p="http://schemas.openxmlformats.org/presentationml/2006/main">
+  <p:cSld>
+    <p:spTree>
+      <p:nvGrpSpPr>
+        <p:cNvPr id="1" name=""/>
+        <p:cNvGrpSpPr/>
+        <p:nvPr/>
+      </p:nvGrpSpPr>
+      <p:grpSpPr>
+        <a:xfrm>
+          <a:off x="0" y="0"/>
+          <a:ext cx="0" cy="0"/>
+          <a:chOff x="0" y="0"/>
+          <a:chExt cx="0" cy="0"/>
+        </a:xfrm>
+      </p:grpSpPr>
+      <p:sp>
+        <p:nvSpPr>
+          <p:cNvPr id="2" name="Title 1"/>
+          <p:cNvSpPr>
+            <a:spLocks noGrp="1"/>
+          </p:cNvSpPr>
+          <p:nvPr>
+            <p:ph type="title"/>
+          </p:nvPr>
+        </p:nvSpPr>
+        <p:spPr/>
+        <p:txBody>
+          <a:bodyPr/>
+          <a:lstStyle/>
+          <a:p>
+            <a:endParaRPr lang="en-US" dirty="0"/>
+          </a:p>
+        </p:txBody>
+      </p:sp>
+      <p:sp>
+        <p:nvSpPr>
+          <p:cNvPr id="3" name="Text Placeholder 2"/>
+          <p:cNvSpPr>
+            <a:spLocks noGrp="1"/>
+          </p:cNvSpPr>
+          <p:nvPr>
+            <p:ph type="body" idx="1"/>
+          </p:nvPr>
+        </p:nvSpPr>
+        <p:spPr/>
+        <p:txBody>
+          <a:bodyPr/>
+          <a:lstStyle/>
+          <a:p>
+            <a:endParaRPr lang="en-US"/>
+          </a:p>
+        </p:txBody>
+      </p:sp>
+      <p:pic>
+        <p:nvPicPr>
+          <p:cNvPr id="4" name="Picture 3"/>
+          <p:cNvPicPr>
+            <a:picLocks noChangeAspect="1"/>
+          </p:cNvPicPr>
+          <p:nvPr/>
+        </p:nvPicPr>
+        <p:blipFill>
+          <a:blip r:embed="rId2"/>
+          <a:stretch>
+            <a:fillRect/>
+          </a:stretch>
+        </p:blipFill>
+        <p:spPr>
+          <a:xfrm>
+            <a:off x="990600" y="633622"/>
+            <a:ext cx="6856040" cy="5321701"/>
+          </a:xfrm>
+          <a:prstGeom prst="rect">
+            <a:avLst/>
+          </a:prstGeom>
+        </p:spPr>
+      </p:pic>
+    </p:spTree>
+    <p:extLst>
+      <p:ext uri="{BB962C8B-B14F-4D97-AF65-F5344CB8AC3E}">
+        <p14:creationId xmlns:p14="http://schemas.microsoft.com/office/powerpoint/2010/main" val="154186221"/>
+      </p:ext>
+    </p:extLst>
+  </p:cSld>
+  <p:clrMapOvr>
+    <a:masterClrMapping/>
+  </p:clrMapOvr>
+  <mc:AlternateContent xmlns:mc="http://schemas.openxmlformats.org/markup-compatibility/2006" xmlns:p14="http://schemas.microsoft.com/office/powerpoint/2010/main">
+    <mc:Choice Requires="p14">
+      <p:transition spd="slow" p14:dur="1500">
+        <p14:reveal/>
+      </p:transition>
+    </mc:Choice>
+    <mc:Fallback xmlns="">
+      <p:transition spd="slow">
+        <p:fade/>
+      </p:transition>
+    </mc:Fallback>
+  </mc:AlternateContent>
+</p:sld>
+</file>
+
+<file path=ppt/slides/slide5.xml><?xml version="1.0" encoding="utf-8"?>
+<p:sld xmlns:a="http://schemas.openxmlformats.org/drawingml/2006/main" xmlns:r="http://schemas.openxmlformats.org/officeDocument/2006/relationships" xmlns:p="http://schemas.openxmlformats.org/presentationml/2006/main">
+  <p:cSld>
+    <p:spTree>
+      <p:nvGrpSpPr>
+        <p:cNvPr id="1" name=""/>
+        <p:cNvGrpSpPr/>
+        <p:nvPr/>
+      </p:nvGrpSpPr>
+      <p:grpSpPr>
+        <a:xfrm>
+          <a:off x="0" y="0"/>
+          <a:ext cx="0" cy="0"/>
+          <a:chOff x="0" y="0"/>
+          <a:chExt cx="0" cy="0"/>
+        </a:xfrm>
+      </p:grpSpPr>
+      <p:sp>
+        <p:nvSpPr>
+          <p:cNvPr id="2" name="Title 1"/>
+          <p:cNvSpPr>
+            <a:spLocks noGrp="1"/>
+          </p:cNvSpPr>
+          <p:nvPr>
+            <p:ph type="title"/>
+          </p:nvPr>
+        </p:nvSpPr>
+        <p:spPr/>
+        <p:txBody>
+          <a:bodyPr/>
+          <a:lstStyle/>
+          <a:p>
+            <a:endParaRPr lang="en-US"/>
+          </a:p>
+        </p:txBody>
+      </p:sp>
+      <p:sp>
+        <p:nvSpPr>
+          <p:cNvPr id="3" name="Text Placeholder 2"/>
+          <p:cNvSpPr>
+            <a:spLocks noGrp="1"/>
+          </p:cNvSpPr>
+          <p:nvPr>
+            <p:ph type="body" idx="1"/>
+          </p:nvPr>
+        </p:nvSpPr>
+        <p:spPr/>
+        <p:txBody>
+          <a:bodyPr/>
+          <a:lstStyle/>
+          <a:p>
+            <a:endParaRPr lang="en-US" dirty="0"/>
+          </a:p>
+        </p:txBody>
+      </p:sp>
+      <p:pic>
+        <p:nvPicPr>
+          <p:cNvPr id="4" name="Picture 3"/>
+          <p:cNvPicPr>
+            <a:picLocks noChangeAspect="1"/>
+          </p:cNvPicPr>
+          <p:nvPr/>
+        </p:nvPicPr>
+        <p:blipFill>
+          <a:blip r:embed="rId2"/>
+          <a:stretch>
+            <a:fillRect/>
+          </a:stretch>
+        </p:blipFill>
+        <p:spPr>
+          <a:xfrm>
+            <a:off x="152400" y="152400"/>
+            <a:ext cx="6004782" cy="4800600"/>
+          </a:xfrm>
+          <a:prstGeom prst="rect">
+            <a:avLst/>
+          </a:prstGeom>
+        </p:spPr>
+      </p:pic>
+      <p:pic>
+        <p:nvPicPr>
+          <p:cNvPr id="5" name="Picture 4"/>
+          <p:cNvPicPr>
+            <a:picLocks noChangeAspect="1"/>
+          </p:cNvPicPr>
+          <p:nvPr/>
+        </p:nvPicPr>
+        <p:blipFill>
+          <a:blip r:embed="rId3"/>
+          <a:stretch>
+            <a:fillRect/>
+          </a:stretch>
+        </p:blipFill>
+        <p:spPr>
+          <a:xfrm>
+            <a:off x="3412318" y="2057400"/>
+            <a:ext cx="5489728" cy="4388833"/>
+          </a:xfrm>
+          <a:prstGeom prst="rect">
+            <a:avLst/>
+          </a:prstGeom>
+        </p:spPr>
+      </p:pic>
+    </p:spTree>
+    <p:extLst>
+      <p:ext uri="{BB962C8B-B14F-4D97-AF65-F5344CB8AC3E}">
+        <p14:creationId xmlns:p14="http://schemas.microsoft.com/office/powerpoint/2010/main" val="1438261133"/>
+      </p:ext>
+    </p:extLst>
+  </p:cSld>
+  <p:clrMapOvr>
+    <a:masterClrMapping/>
+  </p:clrMapOvr>
+  <mc:AlternateContent xmlns:mc="http://schemas.openxmlformats.org/markup-compatibility/2006" xmlns:p14="http://schemas.microsoft.com/office/powerpoint/2010/main">
+    <mc:Choice Requires="p14">
+      <p:transition spd="slow" p14:dur="1500">
+        <p14:reveal/>
+      </p:transition>
+    </mc:Choice>
+    <mc:Fallback xmlns="">
+      <p:transition spd="slow">
+        <p:fade/>
+      </p:transition>
+    </mc:Fallback>
+  </mc:AlternateContent>
+  <p:timing>
+    <p:tnLst>
+      <p:par>
+        <p:cTn id="1" dur="indefinite" restart="never" nodeType="tmRoot">
+          <p:childTnLst>
+            <p:seq concurrent="1" nextAc="seek">
+              <p:cTn id="2" dur="indefinite" nodeType="mainSeq">
+                <p:childTnLst>
+                  <p:par>
+                    <p:cTn id="3" fill="hold">
+                      <p:stCondLst>
+                        <p:cond delay="indefinite"/>
+                      </p:stCondLst>
+                      <p:childTnLst>
+                        <p:par>
+                          <p:cTn id="4" fill="hold">
+                            <p:stCondLst>
+                              <p:cond delay="0"/>
+                            </p:stCondLst>
+                            <p:childTnLst>
+                              <p:par>
+                                <p:cTn id="5" presetID="10" presetClass="entr" presetSubtype="0" fill="hold" nodeType="clickEffect">
+                                  <p:stCondLst>
+                                    <p:cond delay="0"/>
+                                  </p:stCondLst>
+                                  <p:childTnLst>
+                                    <p:set>
+                                      <p:cBhvr>
+                                        <p:cTn id="6" dur="1" fill="hold">
+                                          <p:stCondLst>
+                                            <p:cond delay="0"/>
+                                          </p:stCondLst>
+                                        </p:cTn>
+                                        <p:tgtEl>
+                                          <p:spTgt spid="4"/>
+                                        </p:tgtEl>
+                                        <p:attrNameLst>
+                                          <p:attrName>style.visibility</p:attrName>
+                                        </p:attrNameLst>
+                                      </p:cBhvr>
+                                      <p:to>
+                                        <p:strVal val="visible"/>
+                                      </p:to>
+                                    </p:set>
+                                    <p:animEffect transition="in" filter="fade">
+                                      <p:cBhvr>
+                                        <p:cTn id="7" dur="500"/>
+                                        <p:tgtEl>
+                                          <p:spTgt spid="4"/>
+                                        </p:tgtEl>
+                                      </p:cBhvr>
+                                    </p:animEffect>
+                                  </p:childTnLst>
+                                </p:cTn>
+                              </p:par>
+                            </p:childTnLst>
+                          </p:cTn>
+                        </p:par>
+                      </p:childTnLst>
+                    </p:cTn>
+                  </p:par>
+                  <p:par>
+                    <p:cTn id="8" fill="hold">
+                      <p:stCondLst>
+                        <p:cond delay="indefinite"/>
+                      </p:stCondLst>
+                      <p:childTnLst>
+                        <p:par>
+                          <p:cTn id="9" fill="hold">
+                            <p:stCondLst>
+                              <p:cond delay="0"/>
+                            </p:stCondLst>
+                            <p:childTnLst>
+                              <p:par>
+                                <p:cTn id="10" presetID="10" presetClass="entr" presetSubtype="0" fill="hold" nodeType="clickEffect">
+                                  <p:stCondLst>
+                                    <p:cond delay="0"/>
+                                  </p:stCondLst>
+                                  <p:childTnLst>
+                                    <p:set>
+                                      <p:cBhvr>
+                                        <p:cTn id="11" dur="1" fill="hold">
+                                          <p:stCondLst>
+                                            <p:cond delay="0"/>
+                                          </p:stCondLst>
+                                        </p:cTn>
+                                        <p:tgtEl>
+                                          <p:spTgt spid="5"/>
+                                        </p:tgtEl>
+                                        <p:attrNameLst>
+                                          <p:attrName>style.visibility</p:attrName>
+                                        </p:attrNameLst>
+                                      </p:cBhvr>
+                                      <p:to>
+                                        <p:strVal val="visible"/>
+                                      </p:to>
+                                    </p:set>
+                                    <p:animEffect transition="in" filter="fade">
+                                      <p:cBhvr>
+                                        <p:cTn id="12" dur="500"/>
+                                        <p:tgtEl>
+                                          <p:spTgt spid="5"/>
+                                        </p:tgtEl>
+                                      </p:cBhvr>
+                                    </p:animEffect>
+                                  </p:childTnLst>
+                                </p:cTn>
+                              </p:par>
+                            </p:childTnLst>
+                          </p:cTn>
+                        </p:par>
+                      </p:childTnLst>
+                    </p:cTn>
+                  </p:par>
+                </p:childTnLst>
+              </p:cTn>
+              <p:prevCondLst>
+                <p:cond evt="onPrev" delay="0">
+                  <p:tgtEl>
+                    <p:sldTgt/>
+                  </p:tgtEl>
+                </p:cond>
+              </p:prevCondLst>
+              <p:nextCondLst>
+                <p:cond evt="onNext" delay="0">
+                  <p:tgtEl>
+                    <p:sldTgt/>
+                  </p:tgtEl>
+                </p:cond>
+              </p:nextCondLst>
+            </p:seq>
+          </p:childTnLst>
+        </p:cTn>
+      </p:par>
+    </p:tnLst>
+  </p:timing>
+</p:sld>
+</file>
+
+<file path=ppt/slides/slide6.xml><?xml version="1.0" encoding="utf-8"?>
+<p:sld xmlns:a="http://schemas.openxmlformats.org/drawingml/2006/main" xmlns:r="http://schemas.openxmlformats.org/officeDocument/2006/relationships" xmlns:p="http://schemas.openxmlformats.org/presentationml/2006/main">
+  <p:cSld>
+    <p:spTree>
+      <p:nvGrpSpPr>
+        <p:cNvPr id="1" name=""/>
+        <p:cNvGrpSpPr/>
+        <p:nvPr/>
+      </p:nvGrpSpPr>
+      <p:grpSpPr>
+        <a:xfrm>
+          <a:off x="0" y="0"/>
+          <a:ext cx="0" cy="0"/>
+          <a:chOff x="0" y="0"/>
+          <a:chExt cx="0" cy="0"/>
+        </a:xfrm>
+      </p:grpSpPr>
+      <p:sp>
+        <p:nvSpPr>
+          <p:cNvPr id="2" name="Title 1"/>
+          <p:cNvSpPr>
+            <a:spLocks noGrp="1"/>
+          </p:cNvSpPr>
+          <p:nvPr>
+            <p:ph type="title"/>
+          </p:nvPr>
+        </p:nvSpPr>
+        <p:spPr/>
+        <p:txBody>
+          <a:bodyPr/>
+          <a:lstStyle/>
+          <a:p>
+            <a:endParaRPr lang="en-US"/>
+          </a:p>
+        </p:txBody>
+      </p:sp>
+      <p:sp>
+        <p:nvSpPr>
+          <p:cNvPr id="3" name="Text Placeholder 2"/>
+          <p:cNvSpPr>
+            <a:spLocks noGrp="1"/>
+          </p:cNvSpPr>
+          <p:nvPr>
+            <p:ph type="body" idx="1"/>
+          </p:nvPr>
+        </p:nvSpPr>
+        <p:spPr/>
+        <p:txBody>
+          <a:bodyPr/>
+          <a:lstStyle/>
+          <a:p>
+            <a:endParaRPr lang="en-US"/>
+          </a:p>
+        </p:txBody>
+      </p:sp>
+      <p:pic>
+        <p:nvPicPr>
+          <p:cNvPr id="5" name="Picture 4"/>
+          <p:cNvPicPr>
+            <a:picLocks noChangeAspect="1"/>
+          </p:cNvPicPr>
+          <p:nvPr/>
+        </p:nvPicPr>
+        <p:blipFill>
+          <a:blip r:embed="rId2"/>
+          <a:stretch>
+            <a:fillRect/>
+          </a:stretch>
+        </p:blipFill>
+        <p:spPr>
+          <a:xfrm>
+            <a:off x="723900" y="533400"/>
+            <a:ext cx="7696200" cy="5546194"/>
+          </a:xfrm>
+          <a:prstGeom prst="rect">
+            <a:avLst/>
+          </a:prstGeom>
+        </p:spPr>
+      </p:pic>
+    </p:spTree>
+    <p:extLst>
+      <p:ext uri="{BB962C8B-B14F-4D97-AF65-F5344CB8AC3E}">
+        <p14:creationId xmlns:p14="http://schemas.microsoft.com/office/powerpoint/2010/main" val="1183395027"/>
+      </p:ext>
+    </p:extLst>
+  </p:cSld>
+  <p:clrMapOvr>
+    <a:masterClrMapping/>
+  </p:clrMapOvr>
+  <mc:AlternateContent xmlns:mc="http://schemas.openxmlformats.org/markup-compatibility/2006" xmlns:p14="http://schemas.microsoft.com/office/powerpoint/2010/main">
+    <mc:Choice Requires="p14">
+      <p:transition spd="slow" p14:dur="1500">
+        <p14:reveal/>
+      </p:transition>
+    </mc:Choice>
+    <mc:Fallback xmlns="">
+      <p:transition spd="slow">
+        <p:fade/>
+      </p:transition>
+    </mc:Fallback>
+  </mc:AlternateContent>
+</p:sld>
+</file>
+
+<file path=ppt/slides/slide7.xml><?xml version="1.0" encoding="utf-8"?>
+<p:sld xmlns:a="http://schemas.openxmlformats.org/drawingml/2006/main" xmlns:r="http://schemas.openxmlformats.org/officeDocument/2006/relationships" xmlns:p="http://schemas.openxmlformats.org/presentationml/2006/main">
+  <p:cSld>
+    <p:spTree>
+      <p:nvGrpSpPr>
+        <p:cNvPr id="1" name=""/>
+        <p:cNvGrpSpPr/>
+        <p:nvPr/>
+      </p:nvGrpSpPr>
+      <p:grpSpPr>
+        <a:xfrm>
+          <a:off x="0" y="0"/>
+          <a:ext cx="0" cy="0"/>
+          <a:chOff x="0" y="0"/>
+          <a:chExt cx="0" cy="0"/>
+        </a:xfrm>
+      </p:grpSpPr>
+      <p:sp>
+        <p:nvSpPr>
+          <p:cNvPr id="2" name="Title 1"/>
+          <p:cNvSpPr>
+            <a:spLocks noGrp="1"/>
+          </p:cNvSpPr>
+          <p:nvPr>
+            <p:ph type="title"/>
+          </p:nvPr>
+        </p:nvSpPr>
+        <p:spPr/>
+        <p:txBody>
+          <a:bodyPr/>
+          <a:lstStyle/>
+          <a:p>
+            <a:endParaRPr lang="en-US"/>
+          </a:p>
+        </p:txBody>
+      </p:sp>
+      <p:sp>
+        <p:nvSpPr>
+          <p:cNvPr id="3" name="Text Placeholder 2"/>
+          <p:cNvSpPr>
+            <a:spLocks noGrp="1"/>
+          </p:cNvSpPr>
+          <p:nvPr>
+            <p:ph type="body" idx="1"/>
+          </p:nvPr>
+        </p:nvSpPr>
+        <p:spPr/>
+        <p:txBody>
+          <a:bodyPr/>
+          <a:lstStyle/>
+          <a:p>
+            <a:endParaRPr lang="en-US"/>
+          </a:p>
+        </p:txBody>
+      </p:sp>
+      <p:pic>
+        <p:nvPicPr>
+          <p:cNvPr id="4" name="Picture 3"/>
+          <p:cNvPicPr>
+            <a:picLocks noChangeAspect="1"/>
+          </p:cNvPicPr>
+          <p:nvPr/>
+        </p:nvPicPr>
+        <p:blipFill>
+          <a:blip r:embed="rId2"/>
+          <a:stretch>
+            <a:fillRect/>
+          </a:stretch>
+        </p:blipFill>
+        <p:spPr>
+          <a:xfrm>
+            <a:off x="914400" y="838200"/>
+            <a:ext cx="7543800" cy="5507215"/>
+          </a:xfrm>
+          <a:prstGeom prst="rect">
+            <a:avLst/>
+          </a:prstGeom>
+        </p:spPr>
+      </p:pic>
+    </p:spTree>
+    <p:extLst>
+      <p:ext uri="{BB962C8B-B14F-4D97-AF65-F5344CB8AC3E}">
+        <p14:creationId xmlns:p14="http://schemas.microsoft.com/office/powerpoint/2010/main" val="2327053198"/>
+      </p:ext>
+    </p:extLst>
+  </p:cSld>
+  <p:clrMapOvr>
+    <a:masterClrMapping/>
+  </p:clrMapOvr>
+  <mc:AlternateContent xmlns:mc="http://schemas.openxmlformats.org/markup-compatibility/2006" xmlns:p14="http://schemas.microsoft.com/office/powerpoint/2010/main">
+    <mc:Choice Requires="p14">
+      <p:transition spd="slow" p14:dur="1500">
+        <p14:reveal/>
+      </p:transition>
+    </mc:Choice>
+    <mc:Fallback xmlns="">
+      <p:transition spd="slow">
+        <p:fade/>
+      </p:transition>
+    </mc:Fallback>
+  </mc:AlternateContent>
+</p:sld>
+</file>
+
+<file path=ppt/slides/slide8.xml><?xml version="1.0" encoding="utf-8"?>
+<p:sld xmlns:a="http://schemas.openxmlformats.org/drawingml/2006/main" xmlns:r="http://schemas.openxmlformats.org/officeDocument/2006/relationships" xmlns:p="http://schemas.openxmlformats.org/presentationml/2006/main">
+  <p:cSld>
+    <p:spTree>
+      <p:nvGrpSpPr>
+        <p:cNvPr id="1" name=""/>
+        <p:cNvGrpSpPr/>
+        <p:nvPr/>
+      </p:nvGrpSpPr>
+      <p:grpSpPr>
+        <a:xfrm>
+          <a:off x="0" y="0"/>
+          <a:ext cx="0" cy="0"/>
+          <a:chOff x="0" y="0"/>
+          <a:chExt cx="0" cy="0"/>
+        </a:xfrm>
+      </p:grpSpPr>
+      <p:sp>
+        <p:nvSpPr>
+          <p:cNvPr id="2" name="Title 1"/>
+          <p:cNvSpPr>
+            <a:spLocks noGrp="1"/>
+          </p:cNvSpPr>
+          <p:nvPr>
+            <p:ph type="title"/>
+          </p:nvPr>
+        </p:nvSpPr>
+        <p:spPr/>
+        <p:txBody>
+          <a:bodyPr/>
+          <a:lstStyle/>
+          <a:p>
+            <a:endParaRPr lang="en-US"/>
+          </a:p>
+        </p:txBody>
+      </p:sp>
+      <p:sp>
+        <p:nvSpPr>
+          <p:cNvPr id="3" name="Text Placeholder 2"/>
+          <p:cNvSpPr>
+            <a:spLocks noGrp="1"/>
+          </p:cNvSpPr>
+          <p:nvPr>
+            <p:ph type="body" idx="1"/>
+          </p:nvPr>
+        </p:nvSpPr>
+        <p:spPr/>
+        <p:txBody>
+          <a:bodyPr/>
+          <a:lstStyle/>
+          <a:p>
+            <a:endParaRPr lang="en-US"/>
+          </a:p>
+        </p:txBody>
+      </p:sp>
+    </p:spTree>
+    <p:extLst>
+      <p:ext uri="{BB962C8B-B14F-4D97-AF65-F5344CB8AC3E}">
+        <p14:creationId xmlns:p14="http://schemas.microsoft.com/office/powerpoint/2010/main" val="1624708878"/>
       </p:ext>
     </p:extLst>
   </p:cSld>

--- a/assorted/aspnetcore_enterprise.pptx
+++ b/assorted/aspnetcore_enterprise.pptx
@@ -7,20 +7,22 @@
     <p:sldMasterId id="2147483800" r:id="rId3"/>
   </p:sldMasterIdLst>
   <p:notesMasterIdLst>
-    <p:notesMasterId r:id="rId12"/>
+    <p:notesMasterId r:id="rId14"/>
   </p:notesMasterIdLst>
   <p:handoutMasterIdLst>
-    <p:handoutMasterId r:id="rId13"/>
+    <p:handoutMasterId r:id="rId15"/>
   </p:handoutMasterIdLst>
   <p:sldIdLst>
     <p:sldId id="327" r:id="rId4"/>
     <p:sldId id="328" r:id="rId5"/>
     <p:sldId id="329" r:id="rId6"/>
-    <p:sldId id="330" r:id="rId7"/>
-    <p:sldId id="331" r:id="rId8"/>
-    <p:sldId id="332" r:id="rId9"/>
-    <p:sldId id="333" r:id="rId10"/>
-    <p:sldId id="334" r:id="rId11"/>
+    <p:sldId id="335" r:id="rId7"/>
+    <p:sldId id="330" r:id="rId8"/>
+    <p:sldId id="331" r:id="rId9"/>
+    <p:sldId id="332" r:id="rId10"/>
+    <p:sldId id="333" r:id="rId11"/>
+    <p:sldId id="334" r:id="rId12"/>
+    <p:sldId id="336" r:id="rId13"/>
   </p:sldIdLst>
   <p:sldSz cx="9144000" cy="6858000" type="screen4x3"/>
   <p:notesSz cx="7302500" cy="9588500"/>
@@ -1246,9 +1248,9 @@
     <dgm:cxn modelId="{BF8F4C00-FADD-47BC-8FF6-B0D6F5FF7438}" srcId="{4FABB2AB-8341-4387-95D0-6C871C4B1E75}" destId="{B78DA597-2353-44E7-B496-2A9805E5F1D2}" srcOrd="4" destOrd="0" parTransId="{8491C830-7FCF-4867-B524-605730A60633}" sibTransId="{B85D36DF-21C0-4243-B5DB-643CB057FF3F}"/>
     <dgm:cxn modelId="{61808D5C-AF9D-4FD1-8A6F-93116DBA0020}" type="presOf" srcId="{4FABB2AB-8341-4387-95D0-6C871C4B1E75}" destId="{EB5847D1-F179-4077-9B45-4530078E0A19}" srcOrd="0" destOrd="0" presId="urn:microsoft.com/office/officeart/2005/8/layout/default"/>
     <dgm:cxn modelId="{CCD18C19-48AE-4175-88C9-E9F4A084F6C7}" srcId="{4FABB2AB-8341-4387-95D0-6C871C4B1E75}" destId="{5689F1C2-3825-4226-A8AC-73A29AE8DA8C}" srcOrd="0" destOrd="0" parTransId="{5A2F31E2-1B46-47BE-8EC6-DBBD58FED895}" sibTransId="{6F42E390-AD0C-48DD-8D3C-93B0864ECB81}"/>
-    <dgm:cxn modelId="{596BBAFC-6570-4997-8020-18D31556627C}" type="presOf" srcId="{5689F1C2-3825-4226-A8AC-73A29AE8DA8C}" destId="{981A6281-86F8-4AC1-900E-EE98A647CCC7}" srcOrd="0" destOrd="0" presId="urn:microsoft.com/office/officeart/2005/8/layout/default"/>
     <dgm:cxn modelId="{D9E3FD46-8465-4AF1-B6CA-D03F0BCA9AA1}" type="presOf" srcId="{01A7C761-A245-47C8-81A5-70F8E91D6242}" destId="{025112D9-9E0E-477B-B4A8-B3E5D8E05C0C}" srcOrd="0" destOrd="0" presId="urn:microsoft.com/office/officeart/2005/8/layout/default"/>
     <dgm:cxn modelId="{EE8FF3D2-5495-47F1-99C8-7E5215EF67F8}" srcId="{4FABB2AB-8341-4387-95D0-6C871C4B1E75}" destId="{8A612EA1-C407-4AE9-B444-7A6E8B0BC71F}" srcOrd="2" destOrd="0" parTransId="{A424C1DC-9E38-4F06-80B4-E4AAA335D15E}" sibTransId="{E19239A5-5A15-4ED4-BD65-CD5BC6E3E2FF}"/>
+    <dgm:cxn modelId="{596BBAFC-6570-4997-8020-18D31556627C}" type="presOf" srcId="{5689F1C2-3825-4226-A8AC-73A29AE8DA8C}" destId="{981A6281-86F8-4AC1-900E-EE98A647CCC7}" srcOrd="0" destOrd="0" presId="urn:microsoft.com/office/officeart/2005/8/layout/default"/>
     <dgm:cxn modelId="{DCEEF805-4CC8-40F6-9270-D33CFA9AEF30}" type="presOf" srcId="{4AF4971F-B93E-4D2F-A375-95B6761C426F}" destId="{93093A55-75FF-42DD-A388-171C815381CD}" srcOrd="0" destOrd="0" presId="urn:microsoft.com/office/officeart/2005/8/layout/default"/>
     <dgm:cxn modelId="{92E52645-490D-469A-8FA7-E7E280A56A28}" srcId="{4FABB2AB-8341-4387-95D0-6C871C4B1E75}" destId="{4AF4971F-B93E-4D2F-A375-95B6761C426F}" srcOrd="3" destOrd="0" parTransId="{156B7F09-3F74-4EBB-B55B-69C406D9ADE3}" sibTransId="{7EE574F6-75D8-4FBF-8731-BBA4C00A57A8}"/>
     <dgm:cxn modelId="{A0E5B55A-F383-483C-ADFB-CC2F0344FD69}" type="presParOf" srcId="{EB5847D1-F179-4077-9B45-4530078E0A19}" destId="{981A6281-86F8-4AC1-900E-EE98A647CCC7}" srcOrd="0" destOrd="0" presId="urn:microsoft.com/office/officeart/2005/8/layout/default"/>
@@ -12399,14 +12401,94 @@
   <p:clrMapOvr>
     <a:masterClrMapping/>
   </p:clrMapOvr>
-  <mc:AlternateContent xmlns:mc="http://schemas.openxmlformats.org/markup-compatibility/2006">
-    <mc:Choice xmlns:p14="http://schemas.microsoft.com/office/powerpoint/2010/main" Requires="p14">
+  <mc:AlternateContent xmlns:mc="http://schemas.openxmlformats.org/markup-compatibility/2006" xmlns:p14="http://schemas.microsoft.com/office/powerpoint/2010/main">
+    <mc:Choice Requires="p14">
       <p:transition spd="med" p14:dur="700">
         <p:fade/>
       </p:transition>
     </mc:Choice>
-    <mc:Fallback>
+    <mc:Fallback xmlns="">
       <p:transition spd="med">
+        <p:fade/>
+      </p:transition>
+    </mc:Fallback>
+  </mc:AlternateContent>
+</p:sld>
+</file>
+
+<file path=ppt/slides/slide10.xml><?xml version="1.0" encoding="utf-8"?>
+<p:sld xmlns:a="http://schemas.openxmlformats.org/drawingml/2006/main" xmlns:r="http://schemas.openxmlformats.org/officeDocument/2006/relationships" xmlns:p="http://schemas.openxmlformats.org/presentationml/2006/main">
+  <p:cSld>
+    <p:spTree>
+      <p:nvGrpSpPr>
+        <p:cNvPr id="1" name=""/>
+        <p:cNvGrpSpPr/>
+        <p:nvPr/>
+      </p:nvGrpSpPr>
+      <p:grpSpPr>
+        <a:xfrm>
+          <a:off x="0" y="0"/>
+          <a:ext cx="0" cy="0"/>
+          <a:chOff x="0" y="0"/>
+          <a:chExt cx="0" cy="0"/>
+        </a:xfrm>
+      </p:grpSpPr>
+      <p:sp>
+        <p:nvSpPr>
+          <p:cNvPr id="2" name="Title 1"/>
+          <p:cNvSpPr>
+            <a:spLocks noGrp="1"/>
+          </p:cNvSpPr>
+          <p:nvPr>
+            <p:ph type="title"/>
+          </p:nvPr>
+        </p:nvSpPr>
+        <p:spPr/>
+        <p:txBody>
+          <a:bodyPr/>
+          <a:lstStyle/>
+          <a:p>
+            <a:endParaRPr lang="en-US"/>
+          </a:p>
+        </p:txBody>
+      </p:sp>
+      <p:sp>
+        <p:nvSpPr>
+          <p:cNvPr id="3" name="Text Placeholder 2"/>
+          <p:cNvSpPr>
+            <a:spLocks noGrp="1"/>
+          </p:cNvSpPr>
+          <p:nvPr>
+            <p:ph type="body" idx="1"/>
+          </p:nvPr>
+        </p:nvSpPr>
+        <p:spPr/>
+        <p:txBody>
+          <a:bodyPr/>
+          <a:lstStyle/>
+          <a:p>
+            <a:endParaRPr lang="en-US"/>
+          </a:p>
+        </p:txBody>
+      </p:sp>
+    </p:spTree>
+    <p:extLst>
+      <p:ext uri="{BB962C8B-B14F-4D97-AF65-F5344CB8AC3E}">
+        <p14:creationId xmlns:p14="http://schemas.microsoft.com/office/powerpoint/2010/main" val="1845776644"/>
+      </p:ext>
+    </p:extLst>
+  </p:cSld>
+  <p:clrMapOvr>
+    <a:masterClrMapping/>
+  </p:clrMapOvr>
+  <mc:AlternateContent xmlns:mc="http://schemas.openxmlformats.org/markup-compatibility/2006" xmlns:p14="http://schemas.microsoft.com/office/powerpoint/2010/main">
+    <mc:Choice Requires="p14">
+      <p:transition spd="slow" p14:dur="1500">
+        <p14:reveal/>
+      </p:transition>
+    </mc:Choice>
+    <mc:Fallback xmlns="">
+      <p:transition spd="slow">
         <p:fade/>
       </p:transition>
     </mc:Fallback>
@@ -12557,13 +12639,13 @@
   <p:clrMapOvr>
     <a:masterClrMapping/>
   </p:clrMapOvr>
-  <mc:AlternateContent xmlns:mc="http://schemas.openxmlformats.org/markup-compatibility/2006">
-    <mc:Choice xmlns:p14="http://schemas.microsoft.com/office/powerpoint/2010/main" Requires="p14">
+  <mc:AlternateContent xmlns:mc="http://schemas.openxmlformats.org/markup-compatibility/2006" xmlns:p14="http://schemas.microsoft.com/office/powerpoint/2010/main">
+    <mc:Choice Requires="p14">
       <p:transition spd="med" p14:dur="700">
         <p:fade/>
       </p:transition>
     </mc:Choice>
-    <mc:Fallback>
+    <mc:Fallback xmlns="">
       <p:transition spd="med">
         <p:fade/>
       </p:transition>
@@ -12659,13 +12741,13 @@
   <p:clrMapOvr>
     <a:masterClrMapping/>
   </p:clrMapOvr>
-  <mc:AlternateContent xmlns:mc="http://schemas.openxmlformats.org/markup-compatibility/2006">
-    <mc:Choice xmlns:p14="http://schemas.microsoft.com/office/powerpoint/2010/main" Requires="p14">
+  <mc:AlternateContent xmlns:mc="http://schemas.openxmlformats.org/markup-compatibility/2006" xmlns:p14="http://schemas.microsoft.com/office/powerpoint/2010/main">
+    <mc:Choice Requires="p14">
       <p:transition spd="med" p14:dur="700">
         <p:fade/>
       </p:transition>
     </mc:Choice>
-    <mc:Fallback>
+    <mc:Fallback xmlns="">
       <p:transition spd="med">
         <p:fade/>
       </p:transition>
@@ -13096,6 +13178,1002 @@
       </p:grpSpPr>
       <p:sp>
         <p:nvSpPr>
+          <p:cNvPr id="4" name="Title 3"/>
+          <p:cNvSpPr>
+            <a:spLocks noGrp="1"/>
+          </p:cNvSpPr>
+          <p:nvPr>
+            <p:ph type="title"/>
+          </p:nvPr>
+        </p:nvSpPr>
+        <p:spPr/>
+        <p:txBody>
+          <a:bodyPr/>
+          <a:lstStyle/>
+          <a:p>
+            <a:endParaRPr lang="en-US"/>
+          </a:p>
+        </p:txBody>
+      </p:sp>
+      <p:sp>
+        <p:nvSpPr>
+          <p:cNvPr id="6" name="Rectangle 5"/>
+          <p:cNvSpPr/>
+          <p:nvPr/>
+        </p:nvSpPr>
+        <p:spPr bwMode="auto">
+          <a:xfrm>
+            <a:off x="1295400" y="1752600"/>
+            <a:ext cx="2712719" cy="3962400"/>
+          </a:xfrm>
+          <a:prstGeom prst="rect">
+            <a:avLst/>
+          </a:prstGeom>
+          <a:solidFill>
+            <a:srgbClr val="00B0F0"/>
+          </a:solidFill>
+          <a:ln w="9525" algn="ctr">
+            <a:solidFill>
+              <a:schemeClr val="tx1"/>
+            </a:solidFill>
+            <a:miter lim="800000"/>
+            <a:headEnd/>
+            <a:tailEnd/>
+          </a:ln>
+          <a:effectLst>
+            <a:outerShdw blurRad="50800" dist="38100" dir="2700000" algn="tl" rotWithShape="0">
+              <a:prstClr val="black">
+                <a:alpha val="40000"/>
+              </a:prstClr>
+            </a:outerShdw>
+          </a:effectLst>
+        </p:spPr>
+        <p:txBody>
+          <a:bodyPr wrap="none" rtlCol="0" anchor="ctr"/>
+          <a:lstStyle/>
+          <a:p>
+            <a:pPr algn="ctr"/>
+            <a:endParaRPr lang="en-US" sz="2000" dirty="0">
+              <a:latin typeface="Tekton Pro" pitchFamily="34" charset="0"/>
+            </a:endParaRPr>
+          </a:p>
+        </p:txBody>
+      </p:sp>
+      <p:sp>
+        <p:nvSpPr>
+          <p:cNvPr id="7" name="Rectangle 6"/>
+          <p:cNvSpPr/>
+          <p:nvPr/>
+        </p:nvSpPr>
+        <p:spPr bwMode="auto">
+          <a:xfrm>
+            <a:off x="4800600" y="1752600"/>
+            <a:ext cx="2712719" cy="3962400"/>
+          </a:xfrm>
+          <a:prstGeom prst="rect">
+            <a:avLst/>
+          </a:prstGeom>
+          <a:solidFill>
+            <a:srgbClr val="00B0F0"/>
+          </a:solidFill>
+          <a:ln w="9525" algn="ctr">
+            <a:solidFill>
+              <a:schemeClr val="tx1"/>
+            </a:solidFill>
+            <a:miter lim="800000"/>
+            <a:headEnd/>
+            <a:tailEnd/>
+          </a:ln>
+          <a:effectLst>
+            <a:outerShdw blurRad="50800" dist="38100" dir="2700000" algn="tl" rotWithShape="0">
+              <a:prstClr val="black">
+                <a:alpha val="40000"/>
+              </a:prstClr>
+            </a:outerShdw>
+          </a:effectLst>
+        </p:spPr>
+        <p:txBody>
+          <a:bodyPr wrap="none" rtlCol="0" anchor="ctr"/>
+          <a:lstStyle/>
+          <a:p>
+            <a:pPr algn="ctr"/>
+            <a:endParaRPr lang="en-US" sz="2000" dirty="0">
+              <a:latin typeface="Tekton Pro" pitchFamily="34" charset="0"/>
+            </a:endParaRPr>
+          </a:p>
+        </p:txBody>
+      </p:sp>
+      <p:sp>
+        <p:nvSpPr>
+          <p:cNvPr id="8" name="Rectangle 7"/>
+          <p:cNvSpPr/>
+          <p:nvPr/>
+        </p:nvSpPr>
+        <p:spPr bwMode="auto">
+          <a:xfrm>
+            <a:off x="1280159" y="1752600"/>
+            <a:ext cx="2727960" cy="1066800"/>
+          </a:xfrm>
+          <a:prstGeom prst="rect">
+            <a:avLst/>
+          </a:prstGeom>
+          <a:solidFill>
+            <a:srgbClr val="0070C0"/>
+          </a:solidFill>
+          <a:ln w="9525" algn="ctr">
+            <a:solidFill>
+              <a:schemeClr val="tx1"/>
+            </a:solidFill>
+            <a:miter lim="800000"/>
+            <a:headEnd/>
+            <a:tailEnd/>
+          </a:ln>
+          <a:effectLst>
+            <a:outerShdw blurRad="50800" dist="38100" dir="2700000" algn="tl" rotWithShape="0">
+              <a:prstClr val="black">
+                <a:alpha val="40000"/>
+              </a:prstClr>
+            </a:outerShdw>
+          </a:effectLst>
+        </p:spPr>
+        <p:txBody>
+          <a:bodyPr wrap="none" rtlCol="0" anchor="ctr"/>
+          <a:lstStyle/>
+          <a:p>
+            <a:pPr algn="ctr"/>
+            <a:r>
+              <a:rPr lang="en-US" sz="2000" dirty="0">
+                <a:solidFill>
+                  <a:schemeClr val="bg1"/>
+                </a:solidFill>
+                <a:latin typeface="Tekton Pro" pitchFamily="34" charset="0"/>
+              </a:rPr>
+              <a:t>.NET Framework</a:t>
+            </a:r>
+          </a:p>
+        </p:txBody>
+      </p:sp>
+      <p:sp>
+        <p:nvSpPr>
+          <p:cNvPr id="9" name="Rectangle 8"/>
+          <p:cNvSpPr/>
+          <p:nvPr/>
+        </p:nvSpPr>
+        <p:spPr bwMode="auto">
+          <a:xfrm>
+            <a:off x="4800600" y="1752600"/>
+            <a:ext cx="2727960" cy="1066800"/>
+          </a:xfrm>
+          <a:prstGeom prst="rect">
+            <a:avLst/>
+          </a:prstGeom>
+          <a:solidFill>
+            <a:srgbClr val="0070C0"/>
+          </a:solidFill>
+          <a:ln w="9525" algn="ctr">
+            <a:solidFill>
+              <a:schemeClr val="tx1"/>
+            </a:solidFill>
+            <a:miter lim="800000"/>
+            <a:headEnd/>
+            <a:tailEnd/>
+          </a:ln>
+          <a:effectLst>
+            <a:outerShdw blurRad="50800" dist="38100" dir="2700000" algn="tl" rotWithShape="0">
+              <a:prstClr val="black">
+                <a:alpha val="40000"/>
+              </a:prstClr>
+            </a:outerShdw>
+          </a:effectLst>
+        </p:spPr>
+        <p:txBody>
+          <a:bodyPr wrap="none" rtlCol="0" anchor="ctr"/>
+          <a:lstStyle/>
+          <a:p>
+            <a:pPr algn="ctr"/>
+            <a:r>
+              <a:rPr lang="en-US" sz="2000" dirty="0">
+                <a:solidFill>
+                  <a:schemeClr val="bg1"/>
+                </a:solidFill>
+                <a:latin typeface="Tekton Pro" pitchFamily="34" charset="0"/>
+              </a:rPr>
+              <a:t>.NET Core</a:t>
+            </a:r>
+          </a:p>
+        </p:txBody>
+      </p:sp>
+      <p:pic>
+        <p:nvPicPr>
+          <p:cNvPr id="11" name="Picture 10"/>
+          <p:cNvPicPr>
+            <a:picLocks noChangeAspect="1"/>
+          </p:cNvPicPr>
+          <p:nvPr/>
+        </p:nvPicPr>
+        <p:blipFill>
+          <a:blip r:embed="rId2" cstate="print">
+            <a:extLst>
+              <a:ext uri="{28A0092B-C50C-407E-A947-70E740481C1C}">
+                <a14:useLocalDpi xmlns:a14="http://schemas.microsoft.com/office/drawing/2010/main" val="0"/>
+              </a:ext>
+            </a:extLst>
+          </a:blip>
+          <a:stretch>
+            <a:fillRect/>
+          </a:stretch>
+        </p:blipFill>
+        <p:spPr>
+          <a:xfrm>
+            <a:off x="2283662" y="4876800"/>
+            <a:ext cx="736194" cy="736194"/>
+          </a:xfrm>
+          <a:prstGeom prst="rect">
+            <a:avLst/>
+          </a:prstGeom>
+        </p:spPr>
+      </p:pic>
+      <p:pic>
+        <p:nvPicPr>
+          <p:cNvPr id="12" name="Picture 11"/>
+          <p:cNvPicPr>
+            <a:picLocks noChangeAspect="1"/>
+          </p:cNvPicPr>
+          <p:nvPr/>
+        </p:nvPicPr>
+        <p:blipFill>
+          <a:blip r:embed="rId3">
+            <a:extLst>
+              <a:ext uri="{28A0092B-C50C-407E-A947-70E740481C1C}">
+                <a14:useLocalDpi xmlns:a14="http://schemas.microsoft.com/office/drawing/2010/main" val="0"/>
+              </a:ext>
+            </a:extLst>
+          </a:blip>
+          <a:stretch>
+            <a:fillRect/>
+          </a:stretch>
+        </p:blipFill>
+        <p:spPr>
+          <a:xfrm>
+            <a:off x="5257800" y="4343400"/>
+            <a:ext cx="1905000" cy="1524000"/>
+          </a:xfrm>
+          <a:prstGeom prst="rect">
+            <a:avLst/>
+          </a:prstGeom>
+        </p:spPr>
+      </p:pic>
+      <p:pic>
+        <p:nvPicPr>
+          <p:cNvPr id="13" name="Picture 12"/>
+          <p:cNvPicPr>
+            <a:picLocks noChangeAspect="1"/>
+          </p:cNvPicPr>
+          <p:nvPr/>
+        </p:nvPicPr>
+        <p:blipFill>
+          <a:blip r:embed="rId2" cstate="print">
+            <a:extLst>
+              <a:ext uri="{28A0092B-C50C-407E-A947-70E740481C1C}">
+                <a14:useLocalDpi xmlns:a14="http://schemas.microsoft.com/office/drawing/2010/main" val="0"/>
+              </a:ext>
+            </a:extLst>
+          </a:blip>
+          <a:stretch>
+            <a:fillRect/>
+          </a:stretch>
+        </p:blipFill>
+        <p:spPr>
+          <a:xfrm>
+            <a:off x="5242559" y="4883860"/>
+            <a:ext cx="736194" cy="736194"/>
+          </a:xfrm>
+          <a:prstGeom prst="rect">
+            <a:avLst/>
+          </a:prstGeom>
+        </p:spPr>
+      </p:pic>
+      <p:sp>
+        <p:nvSpPr>
+          <p:cNvPr id="14" name="Rectangle 13"/>
+          <p:cNvSpPr/>
+          <p:nvPr/>
+        </p:nvSpPr>
+        <p:spPr bwMode="auto">
+          <a:xfrm>
+            <a:off x="1752600" y="3048000"/>
+            <a:ext cx="1600200" cy="533400"/>
+          </a:xfrm>
+          <a:prstGeom prst="rect">
+            <a:avLst/>
+          </a:prstGeom>
+          <a:ln>
+            <a:headEnd/>
+            <a:tailEnd/>
+          </a:ln>
+        </p:spPr>
+        <p:style>
+          <a:lnRef idx="2">
+            <a:schemeClr val="accent1">
+              <a:shade val="50000"/>
+            </a:schemeClr>
+          </a:lnRef>
+          <a:fillRef idx="1">
+            <a:schemeClr val="accent1"/>
+          </a:fillRef>
+          <a:effectRef idx="0">
+            <a:schemeClr val="accent1"/>
+          </a:effectRef>
+          <a:fontRef idx="minor">
+            <a:schemeClr val="lt1"/>
+          </a:fontRef>
+        </p:style>
+        <p:txBody>
+          <a:bodyPr wrap="none" rtlCol="0" anchor="ctr"/>
+          <a:lstStyle/>
+          <a:p>
+            <a:pPr algn="ctr"/>
+            <a:r>
+              <a:rPr lang="en-US" sz="1200" dirty="0">
+                <a:solidFill>
+                  <a:schemeClr val="bg1"/>
+                </a:solidFill>
+                <a:latin typeface="Tekton Pro" pitchFamily="34" charset="0"/>
+              </a:rPr>
+              <a:t>ASP.NET Core</a:t>
+            </a:r>
+          </a:p>
+        </p:txBody>
+      </p:sp>
+      <p:sp>
+        <p:nvSpPr>
+          <p:cNvPr id="15" name="Rectangle 14"/>
+          <p:cNvSpPr/>
+          <p:nvPr/>
+        </p:nvSpPr>
+        <p:spPr bwMode="auto">
+          <a:xfrm>
+            <a:off x="5356859" y="3044470"/>
+            <a:ext cx="1600200" cy="533400"/>
+          </a:xfrm>
+          <a:prstGeom prst="rect">
+            <a:avLst/>
+          </a:prstGeom>
+          <a:ln>
+            <a:headEnd/>
+            <a:tailEnd/>
+          </a:ln>
+        </p:spPr>
+        <p:style>
+          <a:lnRef idx="2">
+            <a:schemeClr val="accent1">
+              <a:shade val="50000"/>
+            </a:schemeClr>
+          </a:lnRef>
+          <a:fillRef idx="1">
+            <a:schemeClr val="accent1"/>
+          </a:fillRef>
+          <a:effectRef idx="0">
+            <a:schemeClr val="accent1"/>
+          </a:effectRef>
+          <a:fontRef idx="minor">
+            <a:schemeClr val="lt1"/>
+          </a:fontRef>
+        </p:style>
+        <p:txBody>
+          <a:bodyPr wrap="none" rtlCol="0" anchor="ctr"/>
+          <a:lstStyle/>
+          <a:p>
+            <a:pPr algn="ctr"/>
+            <a:r>
+              <a:rPr lang="en-US" sz="1200" dirty="0">
+                <a:solidFill>
+                  <a:schemeClr val="bg1"/>
+                </a:solidFill>
+                <a:latin typeface="Tekton Pro" pitchFamily="34" charset="0"/>
+              </a:rPr>
+              <a:t>ASP.NET Core</a:t>
+            </a:r>
+          </a:p>
+        </p:txBody>
+      </p:sp>
+      <p:sp>
+        <p:nvSpPr>
+          <p:cNvPr id="16" name="Rectangle 15"/>
+          <p:cNvSpPr/>
+          <p:nvPr/>
+        </p:nvSpPr>
+        <p:spPr bwMode="auto">
+          <a:xfrm>
+            <a:off x="1752600" y="3742692"/>
+            <a:ext cx="1600200" cy="1210308"/>
+          </a:xfrm>
+          <a:prstGeom prst="rect">
+            <a:avLst/>
+          </a:prstGeom>
+          <a:solidFill>
+            <a:srgbClr val="002060"/>
+          </a:solidFill>
+          <a:ln w="9525" algn="ctr">
+            <a:solidFill>
+              <a:schemeClr val="tx1"/>
+            </a:solidFill>
+            <a:miter lim="800000"/>
+            <a:headEnd/>
+            <a:tailEnd/>
+          </a:ln>
+          <a:effectLst>
+            <a:outerShdw blurRad="50800" dist="38100" dir="2700000" algn="tl" rotWithShape="0">
+              <a:prstClr val="black">
+                <a:alpha val="40000"/>
+              </a:prstClr>
+            </a:outerShdw>
+          </a:effectLst>
+        </p:spPr>
+        <p:txBody>
+          <a:bodyPr wrap="none" rtlCol="0" anchor="ctr"/>
+          <a:lstStyle/>
+          <a:p>
+            <a:pPr algn="ctr"/>
+            <a:r>
+              <a:rPr lang="en-US" sz="1200" dirty="0">
+                <a:solidFill>
+                  <a:schemeClr val="bg1"/>
+                </a:solidFill>
+                <a:latin typeface="Tekton Pro" pitchFamily="34" charset="0"/>
+              </a:rPr>
+              <a:t>WinForms</a:t>
+            </a:r>
+          </a:p>
+          <a:p>
+            <a:pPr algn="ctr"/>
+            <a:r>
+              <a:rPr lang="en-US" sz="1200" dirty="0" err="1">
+                <a:solidFill>
+                  <a:schemeClr val="bg1"/>
+                </a:solidFill>
+                <a:latin typeface="Tekton Pro" pitchFamily="34" charset="0"/>
+              </a:rPr>
+              <a:t>WebForms</a:t>
+            </a:r>
+            <a:endParaRPr lang="en-US" sz="1200" dirty="0">
+              <a:solidFill>
+                <a:schemeClr val="bg1"/>
+              </a:solidFill>
+              <a:latin typeface="Tekton Pro" pitchFamily="34" charset="0"/>
+            </a:endParaRPr>
+          </a:p>
+          <a:p>
+            <a:pPr algn="ctr"/>
+            <a:r>
+              <a:rPr lang="en-US" sz="1200" dirty="0">
+                <a:solidFill>
+                  <a:schemeClr val="bg1"/>
+                </a:solidFill>
+                <a:latin typeface="Tekton Pro" pitchFamily="34" charset="0"/>
+              </a:rPr>
+              <a:t>WCF</a:t>
+            </a:r>
+          </a:p>
+          <a:p>
+            <a:pPr algn="ctr"/>
+            <a:r>
+              <a:rPr lang="en-US" sz="1200" dirty="0">
+                <a:solidFill>
+                  <a:schemeClr val="bg1"/>
+                </a:solidFill>
+                <a:latin typeface="Tekton Pro" pitchFamily="34" charset="0"/>
+              </a:rPr>
+              <a:t>WPF</a:t>
+            </a:r>
+          </a:p>
+        </p:txBody>
+      </p:sp>
+    </p:spTree>
+    <p:extLst>
+      <p:ext uri="{BB962C8B-B14F-4D97-AF65-F5344CB8AC3E}">
+        <p14:creationId xmlns:p14="http://schemas.microsoft.com/office/powerpoint/2010/main" val="352424406"/>
+      </p:ext>
+    </p:extLst>
+  </p:cSld>
+  <p:clrMapOvr>
+    <a:masterClrMapping/>
+  </p:clrMapOvr>
+  <mc:AlternateContent xmlns:mc="http://schemas.openxmlformats.org/markup-compatibility/2006" xmlns:p14="http://schemas.microsoft.com/office/powerpoint/2010/main">
+    <mc:Choice Requires="p14">
+      <p:transition spd="slow" p14:dur="1500">
+        <p14:reveal/>
+      </p:transition>
+    </mc:Choice>
+    <mc:Fallback xmlns="">
+      <p:transition spd="slow">
+        <p:fade/>
+      </p:transition>
+    </mc:Fallback>
+  </mc:AlternateContent>
+  <p:timing>
+    <p:tnLst>
+      <p:par>
+        <p:cTn id="1" dur="indefinite" restart="never" nodeType="tmRoot">
+          <p:childTnLst>
+            <p:seq concurrent="1" nextAc="seek">
+              <p:cTn id="2" dur="indefinite" nodeType="mainSeq">
+                <p:childTnLst>
+                  <p:par>
+                    <p:cTn id="3" fill="hold">
+                      <p:stCondLst>
+                        <p:cond delay="indefinite"/>
+                      </p:stCondLst>
+                      <p:childTnLst>
+                        <p:par>
+                          <p:cTn id="4" fill="hold">
+                            <p:stCondLst>
+                              <p:cond delay="0"/>
+                            </p:stCondLst>
+                            <p:childTnLst>
+                              <p:par>
+                                <p:cTn id="5" presetID="10" presetClass="entr" presetSubtype="0" fill="hold" grpId="0" nodeType="clickEffect">
+                                  <p:stCondLst>
+                                    <p:cond delay="0"/>
+                                  </p:stCondLst>
+                                  <p:childTnLst>
+                                    <p:set>
+                                      <p:cBhvr>
+                                        <p:cTn id="6" dur="1" fill="hold">
+                                          <p:stCondLst>
+                                            <p:cond delay="0"/>
+                                          </p:stCondLst>
+                                        </p:cTn>
+                                        <p:tgtEl>
+                                          <p:spTgt spid="8"/>
+                                        </p:tgtEl>
+                                        <p:attrNameLst>
+                                          <p:attrName>style.visibility</p:attrName>
+                                        </p:attrNameLst>
+                                      </p:cBhvr>
+                                      <p:to>
+                                        <p:strVal val="visible"/>
+                                      </p:to>
+                                    </p:set>
+                                    <p:animEffect transition="in" filter="fade">
+                                      <p:cBhvr>
+                                        <p:cTn id="7" dur="500"/>
+                                        <p:tgtEl>
+                                          <p:spTgt spid="8"/>
+                                        </p:tgtEl>
+                                      </p:cBhvr>
+                                    </p:animEffect>
+                                  </p:childTnLst>
+                                </p:cTn>
+                              </p:par>
+                              <p:par>
+                                <p:cTn id="8" presetID="10" presetClass="entr" presetSubtype="0" fill="hold" grpId="0" nodeType="withEffect">
+                                  <p:stCondLst>
+                                    <p:cond delay="0"/>
+                                  </p:stCondLst>
+                                  <p:childTnLst>
+                                    <p:set>
+                                      <p:cBhvr>
+                                        <p:cTn id="9" dur="1" fill="hold">
+                                          <p:stCondLst>
+                                            <p:cond delay="0"/>
+                                          </p:stCondLst>
+                                        </p:cTn>
+                                        <p:tgtEl>
+                                          <p:spTgt spid="9"/>
+                                        </p:tgtEl>
+                                        <p:attrNameLst>
+                                          <p:attrName>style.visibility</p:attrName>
+                                        </p:attrNameLst>
+                                      </p:cBhvr>
+                                      <p:to>
+                                        <p:strVal val="visible"/>
+                                      </p:to>
+                                    </p:set>
+                                    <p:animEffect transition="in" filter="fade">
+                                      <p:cBhvr>
+                                        <p:cTn id="10" dur="500"/>
+                                        <p:tgtEl>
+                                          <p:spTgt spid="9"/>
+                                        </p:tgtEl>
+                                      </p:cBhvr>
+                                    </p:animEffect>
+                                  </p:childTnLst>
+                                </p:cTn>
+                              </p:par>
+                            </p:childTnLst>
+                          </p:cTn>
+                        </p:par>
+                      </p:childTnLst>
+                    </p:cTn>
+                  </p:par>
+                  <p:par>
+                    <p:cTn id="11" fill="hold">
+                      <p:stCondLst>
+                        <p:cond delay="indefinite"/>
+                      </p:stCondLst>
+                      <p:childTnLst>
+                        <p:par>
+                          <p:cTn id="12" fill="hold">
+                            <p:stCondLst>
+                              <p:cond delay="0"/>
+                            </p:stCondLst>
+                            <p:childTnLst>
+                              <p:par>
+                                <p:cTn id="13" presetID="10" presetClass="entr" presetSubtype="0" fill="hold" grpId="0" nodeType="clickEffect">
+                                  <p:stCondLst>
+                                    <p:cond delay="0"/>
+                                  </p:stCondLst>
+                                  <p:childTnLst>
+                                    <p:set>
+                                      <p:cBhvr>
+                                        <p:cTn id="14" dur="1" fill="hold">
+                                          <p:stCondLst>
+                                            <p:cond delay="0"/>
+                                          </p:stCondLst>
+                                        </p:cTn>
+                                        <p:tgtEl>
+                                          <p:spTgt spid="6"/>
+                                        </p:tgtEl>
+                                        <p:attrNameLst>
+                                          <p:attrName>style.visibility</p:attrName>
+                                        </p:attrNameLst>
+                                      </p:cBhvr>
+                                      <p:to>
+                                        <p:strVal val="visible"/>
+                                      </p:to>
+                                    </p:set>
+                                    <p:animEffect transition="in" filter="fade">
+                                      <p:cBhvr>
+                                        <p:cTn id="15" dur="500"/>
+                                        <p:tgtEl>
+                                          <p:spTgt spid="6"/>
+                                        </p:tgtEl>
+                                      </p:cBhvr>
+                                    </p:animEffect>
+                                  </p:childTnLst>
+                                </p:cTn>
+                              </p:par>
+                              <p:par>
+                                <p:cTn id="16" presetID="10" presetClass="entr" presetSubtype="0" fill="hold" grpId="0" nodeType="withEffect">
+                                  <p:stCondLst>
+                                    <p:cond delay="0"/>
+                                  </p:stCondLst>
+                                  <p:childTnLst>
+                                    <p:set>
+                                      <p:cBhvr>
+                                        <p:cTn id="17" dur="1" fill="hold">
+                                          <p:stCondLst>
+                                            <p:cond delay="0"/>
+                                          </p:stCondLst>
+                                        </p:cTn>
+                                        <p:tgtEl>
+                                          <p:spTgt spid="7"/>
+                                        </p:tgtEl>
+                                        <p:attrNameLst>
+                                          <p:attrName>style.visibility</p:attrName>
+                                        </p:attrNameLst>
+                                      </p:cBhvr>
+                                      <p:to>
+                                        <p:strVal val="visible"/>
+                                      </p:to>
+                                    </p:set>
+                                    <p:animEffect transition="in" filter="fade">
+                                      <p:cBhvr>
+                                        <p:cTn id="18" dur="500"/>
+                                        <p:tgtEl>
+                                          <p:spTgt spid="7"/>
+                                        </p:tgtEl>
+                                      </p:cBhvr>
+                                    </p:animEffect>
+                                  </p:childTnLst>
+                                </p:cTn>
+                              </p:par>
+                              <p:par>
+                                <p:cTn id="19" presetID="10" presetClass="entr" presetSubtype="0" fill="hold" nodeType="withEffect">
+                                  <p:stCondLst>
+                                    <p:cond delay="0"/>
+                                  </p:stCondLst>
+                                  <p:childTnLst>
+                                    <p:set>
+                                      <p:cBhvr>
+                                        <p:cTn id="20" dur="1" fill="hold">
+                                          <p:stCondLst>
+                                            <p:cond delay="0"/>
+                                          </p:stCondLst>
+                                        </p:cTn>
+                                        <p:tgtEl>
+                                          <p:spTgt spid="11"/>
+                                        </p:tgtEl>
+                                        <p:attrNameLst>
+                                          <p:attrName>style.visibility</p:attrName>
+                                        </p:attrNameLst>
+                                      </p:cBhvr>
+                                      <p:to>
+                                        <p:strVal val="visible"/>
+                                      </p:to>
+                                    </p:set>
+                                    <p:animEffect transition="in" filter="fade">
+                                      <p:cBhvr>
+                                        <p:cTn id="21" dur="500"/>
+                                        <p:tgtEl>
+                                          <p:spTgt spid="11"/>
+                                        </p:tgtEl>
+                                      </p:cBhvr>
+                                    </p:animEffect>
+                                  </p:childTnLst>
+                                </p:cTn>
+                              </p:par>
+                              <p:par>
+                                <p:cTn id="22" presetID="10" presetClass="entr" presetSubtype="0" fill="hold" nodeType="withEffect">
+                                  <p:stCondLst>
+                                    <p:cond delay="0"/>
+                                  </p:stCondLst>
+                                  <p:childTnLst>
+                                    <p:set>
+                                      <p:cBhvr>
+                                        <p:cTn id="23" dur="1" fill="hold">
+                                          <p:stCondLst>
+                                            <p:cond delay="0"/>
+                                          </p:stCondLst>
+                                        </p:cTn>
+                                        <p:tgtEl>
+                                          <p:spTgt spid="13"/>
+                                        </p:tgtEl>
+                                        <p:attrNameLst>
+                                          <p:attrName>style.visibility</p:attrName>
+                                        </p:attrNameLst>
+                                      </p:cBhvr>
+                                      <p:to>
+                                        <p:strVal val="visible"/>
+                                      </p:to>
+                                    </p:set>
+                                    <p:animEffect transition="in" filter="fade">
+                                      <p:cBhvr>
+                                        <p:cTn id="24" dur="500"/>
+                                        <p:tgtEl>
+                                          <p:spTgt spid="13"/>
+                                        </p:tgtEl>
+                                      </p:cBhvr>
+                                    </p:animEffect>
+                                  </p:childTnLst>
+                                </p:cTn>
+                              </p:par>
+                              <p:par>
+                                <p:cTn id="25" presetID="10" presetClass="entr" presetSubtype="0" fill="hold" nodeType="withEffect">
+                                  <p:stCondLst>
+                                    <p:cond delay="0"/>
+                                  </p:stCondLst>
+                                  <p:childTnLst>
+                                    <p:set>
+                                      <p:cBhvr>
+                                        <p:cTn id="26" dur="1" fill="hold">
+                                          <p:stCondLst>
+                                            <p:cond delay="0"/>
+                                          </p:stCondLst>
+                                        </p:cTn>
+                                        <p:tgtEl>
+                                          <p:spTgt spid="12"/>
+                                        </p:tgtEl>
+                                        <p:attrNameLst>
+                                          <p:attrName>style.visibility</p:attrName>
+                                        </p:attrNameLst>
+                                      </p:cBhvr>
+                                      <p:to>
+                                        <p:strVal val="visible"/>
+                                      </p:to>
+                                    </p:set>
+                                    <p:animEffect transition="in" filter="fade">
+                                      <p:cBhvr>
+                                        <p:cTn id="27" dur="500"/>
+                                        <p:tgtEl>
+                                          <p:spTgt spid="12"/>
+                                        </p:tgtEl>
+                                      </p:cBhvr>
+                                    </p:animEffect>
+                                  </p:childTnLst>
+                                </p:cTn>
+                              </p:par>
+                            </p:childTnLst>
+                          </p:cTn>
+                        </p:par>
+                      </p:childTnLst>
+                    </p:cTn>
+                  </p:par>
+                  <p:par>
+                    <p:cTn id="28" fill="hold">
+                      <p:stCondLst>
+                        <p:cond delay="indefinite"/>
+                      </p:stCondLst>
+                      <p:childTnLst>
+                        <p:par>
+                          <p:cTn id="29" fill="hold">
+                            <p:stCondLst>
+                              <p:cond delay="0"/>
+                            </p:stCondLst>
+                            <p:childTnLst>
+                              <p:par>
+                                <p:cTn id="30" presetID="10" presetClass="entr" presetSubtype="0" fill="hold" grpId="0" nodeType="clickEffect">
+                                  <p:stCondLst>
+                                    <p:cond delay="0"/>
+                                  </p:stCondLst>
+                                  <p:childTnLst>
+                                    <p:set>
+                                      <p:cBhvr>
+                                        <p:cTn id="31" dur="1" fill="hold">
+                                          <p:stCondLst>
+                                            <p:cond delay="0"/>
+                                          </p:stCondLst>
+                                        </p:cTn>
+                                        <p:tgtEl>
+                                          <p:spTgt spid="16"/>
+                                        </p:tgtEl>
+                                        <p:attrNameLst>
+                                          <p:attrName>style.visibility</p:attrName>
+                                        </p:attrNameLst>
+                                      </p:cBhvr>
+                                      <p:to>
+                                        <p:strVal val="visible"/>
+                                      </p:to>
+                                    </p:set>
+                                    <p:animEffect transition="in" filter="fade">
+                                      <p:cBhvr>
+                                        <p:cTn id="32" dur="500"/>
+                                        <p:tgtEl>
+                                          <p:spTgt spid="16"/>
+                                        </p:tgtEl>
+                                      </p:cBhvr>
+                                    </p:animEffect>
+                                  </p:childTnLst>
+                                </p:cTn>
+                              </p:par>
+                            </p:childTnLst>
+                          </p:cTn>
+                        </p:par>
+                      </p:childTnLst>
+                    </p:cTn>
+                  </p:par>
+                  <p:par>
+                    <p:cTn id="33" fill="hold">
+                      <p:stCondLst>
+                        <p:cond delay="indefinite"/>
+                      </p:stCondLst>
+                      <p:childTnLst>
+                        <p:par>
+                          <p:cTn id="34" fill="hold">
+                            <p:stCondLst>
+                              <p:cond delay="0"/>
+                            </p:stCondLst>
+                            <p:childTnLst>
+                              <p:par>
+                                <p:cTn id="35" presetID="10" presetClass="entr" presetSubtype="0" fill="hold" grpId="0" nodeType="clickEffect">
+                                  <p:stCondLst>
+                                    <p:cond delay="0"/>
+                                  </p:stCondLst>
+                                  <p:childTnLst>
+                                    <p:set>
+                                      <p:cBhvr>
+                                        <p:cTn id="36" dur="1" fill="hold">
+                                          <p:stCondLst>
+                                            <p:cond delay="0"/>
+                                          </p:stCondLst>
+                                        </p:cTn>
+                                        <p:tgtEl>
+                                          <p:spTgt spid="14"/>
+                                        </p:tgtEl>
+                                        <p:attrNameLst>
+                                          <p:attrName>style.visibility</p:attrName>
+                                        </p:attrNameLst>
+                                      </p:cBhvr>
+                                      <p:to>
+                                        <p:strVal val="visible"/>
+                                      </p:to>
+                                    </p:set>
+                                    <p:animEffect transition="in" filter="fade">
+                                      <p:cBhvr>
+                                        <p:cTn id="37" dur="500"/>
+                                        <p:tgtEl>
+                                          <p:spTgt spid="14"/>
+                                        </p:tgtEl>
+                                      </p:cBhvr>
+                                    </p:animEffect>
+                                  </p:childTnLst>
+                                </p:cTn>
+                              </p:par>
+                              <p:par>
+                                <p:cTn id="38" presetID="10" presetClass="entr" presetSubtype="0" fill="hold" grpId="0" nodeType="withEffect">
+                                  <p:stCondLst>
+                                    <p:cond delay="0"/>
+                                  </p:stCondLst>
+                                  <p:childTnLst>
+                                    <p:set>
+                                      <p:cBhvr>
+                                        <p:cTn id="39" dur="1" fill="hold">
+                                          <p:stCondLst>
+                                            <p:cond delay="0"/>
+                                          </p:stCondLst>
+                                        </p:cTn>
+                                        <p:tgtEl>
+                                          <p:spTgt spid="15"/>
+                                        </p:tgtEl>
+                                        <p:attrNameLst>
+                                          <p:attrName>style.visibility</p:attrName>
+                                        </p:attrNameLst>
+                                      </p:cBhvr>
+                                      <p:to>
+                                        <p:strVal val="visible"/>
+                                      </p:to>
+                                    </p:set>
+                                    <p:animEffect transition="in" filter="fade">
+                                      <p:cBhvr>
+                                        <p:cTn id="40" dur="500"/>
+                                        <p:tgtEl>
+                                          <p:spTgt spid="15"/>
+                                        </p:tgtEl>
+                                      </p:cBhvr>
+                                    </p:animEffect>
+                                  </p:childTnLst>
+                                </p:cTn>
+                              </p:par>
+                            </p:childTnLst>
+                          </p:cTn>
+                        </p:par>
+                      </p:childTnLst>
+                    </p:cTn>
+                  </p:par>
+                </p:childTnLst>
+              </p:cTn>
+              <p:prevCondLst>
+                <p:cond evt="onPrev" delay="0">
+                  <p:tgtEl>
+                    <p:sldTgt/>
+                  </p:tgtEl>
+                </p:cond>
+              </p:prevCondLst>
+              <p:nextCondLst>
+                <p:cond evt="onNext" delay="0">
+                  <p:tgtEl>
+                    <p:sldTgt/>
+                  </p:tgtEl>
+                </p:cond>
+              </p:nextCondLst>
+            </p:seq>
+          </p:childTnLst>
+        </p:cTn>
+      </p:par>
+    </p:tnLst>
+    <p:bldLst>
+      <p:bldP spid="6" grpId="0" animBg="1"/>
+      <p:bldP spid="7" grpId="0" animBg="1"/>
+      <p:bldP spid="8" grpId="0" animBg="1"/>
+      <p:bldP spid="9" grpId="0" animBg="1"/>
+      <p:bldP spid="14" grpId="0" animBg="1"/>
+      <p:bldP spid="15" grpId="0" animBg="1"/>
+      <p:bldP spid="16" grpId="0" animBg="1"/>
+    </p:bldLst>
+  </p:timing>
+</p:sld>
+</file>
+
+<file path=ppt/slides/slide5.xml><?xml version="1.0" encoding="utf-8"?>
+<p:sld xmlns:a="http://schemas.openxmlformats.org/drawingml/2006/main" xmlns:r="http://schemas.openxmlformats.org/officeDocument/2006/relationships" xmlns:p="http://schemas.openxmlformats.org/presentationml/2006/main">
+  <p:cSld>
+    <p:spTree>
+      <p:nvGrpSpPr>
+        <p:cNvPr id="1" name=""/>
+        <p:cNvGrpSpPr/>
+        <p:nvPr/>
+      </p:nvGrpSpPr>
+      <p:grpSpPr>
+        <a:xfrm>
+          <a:off x="0" y="0"/>
+          <a:ext cx="0" cy="0"/>
+          <a:chOff x="0" y="0"/>
+          <a:chExt cx="0" cy="0"/>
+        </a:xfrm>
+      </p:grpSpPr>
+      <p:sp>
+        <p:nvSpPr>
           <p:cNvPr id="2" name="Title 1"/>
           <p:cNvSpPr>
             <a:spLocks noGrp="1"/>
@@ -13181,7 +14259,7 @@
 </p:sld>
 </file>
 
-<file path=ppt/slides/slide5.xml><?xml version="1.0" encoding="utf-8"?>
+<file path=ppt/slides/slide6.xml><?xml version="1.0" encoding="utf-8"?>
 <p:sld xmlns:a="http://schemas.openxmlformats.org/drawingml/2006/main" xmlns:r="http://schemas.openxmlformats.org/officeDocument/2006/relationships" xmlns:p="http://schemas.openxmlformats.org/presentationml/2006/main">
   <p:cSld>
     <p:spTree>
@@ -13445,110 +14523,6 @@
 </p:sld>
 </file>
 
-<file path=ppt/slides/slide6.xml><?xml version="1.0" encoding="utf-8"?>
-<p:sld xmlns:a="http://schemas.openxmlformats.org/drawingml/2006/main" xmlns:r="http://schemas.openxmlformats.org/officeDocument/2006/relationships" xmlns:p="http://schemas.openxmlformats.org/presentationml/2006/main">
-  <p:cSld>
-    <p:spTree>
-      <p:nvGrpSpPr>
-        <p:cNvPr id="1" name=""/>
-        <p:cNvGrpSpPr/>
-        <p:nvPr/>
-      </p:nvGrpSpPr>
-      <p:grpSpPr>
-        <a:xfrm>
-          <a:off x="0" y="0"/>
-          <a:ext cx="0" cy="0"/>
-          <a:chOff x="0" y="0"/>
-          <a:chExt cx="0" cy="0"/>
-        </a:xfrm>
-      </p:grpSpPr>
-      <p:sp>
-        <p:nvSpPr>
-          <p:cNvPr id="2" name="Title 1"/>
-          <p:cNvSpPr>
-            <a:spLocks noGrp="1"/>
-          </p:cNvSpPr>
-          <p:nvPr>
-            <p:ph type="title"/>
-          </p:nvPr>
-        </p:nvSpPr>
-        <p:spPr/>
-        <p:txBody>
-          <a:bodyPr/>
-          <a:lstStyle/>
-          <a:p>
-            <a:endParaRPr lang="en-US"/>
-          </a:p>
-        </p:txBody>
-      </p:sp>
-      <p:sp>
-        <p:nvSpPr>
-          <p:cNvPr id="3" name="Text Placeholder 2"/>
-          <p:cNvSpPr>
-            <a:spLocks noGrp="1"/>
-          </p:cNvSpPr>
-          <p:nvPr>
-            <p:ph type="body" idx="1"/>
-          </p:nvPr>
-        </p:nvSpPr>
-        <p:spPr/>
-        <p:txBody>
-          <a:bodyPr/>
-          <a:lstStyle/>
-          <a:p>
-            <a:endParaRPr lang="en-US"/>
-          </a:p>
-        </p:txBody>
-      </p:sp>
-      <p:pic>
-        <p:nvPicPr>
-          <p:cNvPr id="5" name="Picture 4"/>
-          <p:cNvPicPr>
-            <a:picLocks noChangeAspect="1"/>
-          </p:cNvPicPr>
-          <p:nvPr/>
-        </p:nvPicPr>
-        <p:blipFill>
-          <a:blip r:embed="rId2"/>
-          <a:stretch>
-            <a:fillRect/>
-          </a:stretch>
-        </p:blipFill>
-        <p:spPr>
-          <a:xfrm>
-            <a:off x="723900" y="533400"/>
-            <a:ext cx="7696200" cy="5546194"/>
-          </a:xfrm>
-          <a:prstGeom prst="rect">
-            <a:avLst/>
-          </a:prstGeom>
-        </p:spPr>
-      </p:pic>
-    </p:spTree>
-    <p:extLst>
-      <p:ext uri="{BB962C8B-B14F-4D97-AF65-F5344CB8AC3E}">
-        <p14:creationId xmlns:p14="http://schemas.microsoft.com/office/powerpoint/2010/main" val="1183395027"/>
-      </p:ext>
-    </p:extLst>
-  </p:cSld>
-  <p:clrMapOvr>
-    <a:masterClrMapping/>
-  </p:clrMapOvr>
-  <mc:AlternateContent xmlns:mc="http://schemas.openxmlformats.org/markup-compatibility/2006" xmlns:p14="http://schemas.microsoft.com/office/powerpoint/2010/main">
-    <mc:Choice Requires="p14">
-      <p:transition spd="slow" p14:dur="1500">
-        <p14:reveal/>
-      </p:transition>
-    </mc:Choice>
-    <mc:Fallback xmlns="">
-      <p:transition spd="slow">
-        <p:fade/>
-      </p:transition>
-    </mc:Fallback>
-  </mc:AlternateContent>
-</p:sld>
-</file>
-
 <file path=ppt/slides/slide7.xml><?xml version="1.0" encoding="utf-8"?>
 <p:sld xmlns:a="http://schemas.openxmlformats.org/drawingml/2006/main" xmlns:r="http://schemas.openxmlformats.org/officeDocument/2006/relationships" xmlns:p="http://schemas.openxmlformats.org/presentationml/2006/main">
   <p:cSld>
@@ -13606,7 +14580,7 @@
       </p:sp>
       <p:pic>
         <p:nvPicPr>
-          <p:cNvPr id="4" name="Picture 3"/>
+          <p:cNvPr id="5" name="Picture 4"/>
           <p:cNvPicPr>
             <a:picLocks noChangeAspect="1"/>
           </p:cNvPicPr>
@@ -13620,8 +14594,8 @@
         </p:blipFill>
         <p:spPr>
           <a:xfrm>
-            <a:off x="914400" y="838200"/>
-            <a:ext cx="7543800" cy="5507215"/>
+            <a:off x="723900" y="533400"/>
+            <a:ext cx="7696200" cy="5546194"/>
           </a:xfrm>
           <a:prstGeom prst="rect">
             <a:avLst/>
@@ -13631,7 +14605,7 @@
     </p:spTree>
     <p:extLst>
       <p:ext uri="{BB962C8B-B14F-4D97-AF65-F5344CB8AC3E}">
-        <p14:creationId xmlns:p14="http://schemas.microsoft.com/office/powerpoint/2010/main" val="2327053198"/>
+        <p14:creationId xmlns:p14="http://schemas.microsoft.com/office/powerpoint/2010/main" val="1183395027"/>
       </p:ext>
     </p:extLst>
   </p:cSld>
@@ -13708,6 +14682,134 @@
           </a:p>
         </p:txBody>
       </p:sp>
+      <p:pic>
+        <p:nvPicPr>
+          <p:cNvPr id="4" name="Picture 3"/>
+          <p:cNvPicPr>
+            <a:picLocks noChangeAspect="1"/>
+          </p:cNvPicPr>
+          <p:nvPr/>
+        </p:nvPicPr>
+        <p:blipFill>
+          <a:blip r:embed="rId2"/>
+          <a:stretch>
+            <a:fillRect/>
+          </a:stretch>
+        </p:blipFill>
+        <p:spPr>
+          <a:xfrm>
+            <a:off x="914400" y="838200"/>
+            <a:ext cx="7543800" cy="5507215"/>
+          </a:xfrm>
+          <a:prstGeom prst="rect">
+            <a:avLst/>
+          </a:prstGeom>
+        </p:spPr>
+      </p:pic>
+    </p:spTree>
+    <p:extLst>
+      <p:ext uri="{BB962C8B-B14F-4D97-AF65-F5344CB8AC3E}">
+        <p14:creationId xmlns:p14="http://schemas.microsoft.com/office/powerpoint/2010/main" val="2327053198"/>
+      </p:ext>
+    </p:extLst>
+  </p:cSld>
+  <p:clrMapOvr>
+    <a:masterClrMapping/>
+  </p:clrMapOvr>
+  <mc:AlternateContent xmlns:mc="http://schemas.openxmlformats.org/markup-compatibility/2006" xmlns:p14="http://schemas.microsoft.com/office/powerpoint/2010/main">
+    <mc:Choice Requires="p14">
+      <p:transition spd="slow" p14:dur="1500">
+        <p14:reveal/>
+      </p:transition>
+    </mc:Choice>
+    <mc:Fallback xmlns="">
+      <p:transition spd="slow">
+        <p:fade/>
+      </p:transition>
+    </mc:Fallback>
+  </mc:AlternateContent>
+</p:sld>
+</file>
+
+<file path=ppt/slides/slide9.xml><?xml version="1.0" encoding="utf-8"?>
+<p:sld xmlns:a="http://schemas.openxmlformats.org/drawingml/2006/main" xmlns:r="http://schemas.openxmlformats.org/officeDocument/2006/relationships" xmlns:p="http://schemas.openxmlformats.org/presentationml/2006/main">
+  <p:cSld>
+    <p:spTree>
+      <p:nvGrpSpPr>
+        <p:cNvPr id="1" name=""/>
+        <p:cNvGrpSpPr/>
+        <p:nvPr/>
+      </p:nvGrpSpPr>
+      <p:grpSpPr>
+        <a:xfrm>
+          <a:off x="0" y="0"/>
+          <a:ext cx="0" cy="0"/>
+          <a:chOff x="0" y="0"/>
+          <a:chExt cx="0" cy="0"/>
+        </a:xfrm>
+      </p:grpSpPr>
+      <p:sp>
+        <p:nvSpPr>
+          <p:cNvPr id="2" name="Title 1"/>
+          <p:cNvSpPr>
+            <a:spLocks noGrp="1"/>
+          </p:cNvSpPr>
+          <p:nvPr>
+            <p:ph type="title"/>
+          </p:nvPr>
+        </p:nvSpPr>
+        <p:spPr/>
+        <p:txBody>
+          <a:bodyPr/>
+          <a:lstStyle/>
+          <a:p>
+            <a:endParaRPr lang="en-US"/>
+          </a:p>
+        </p:txBody>
+      </p:sp>
+      <p:sp>
+        <p:nvSpPr>
+          <p:cNvPr id="3" name="Text Placeholder 2"/>
+          <p:cNvSpPr>
+            <a:spLocks noGrp="1"/>
+          </p:cNvSpPr>
+          <p:nvPr>
+            <p:ph type="body" idx="1"/>
+          </p:nvPr>
+        </p:nvSpPr>
+        <p:spPr/>
+        <p:txBody>
+          <a:bodyPr/>
+          <a:lstStyle/>
+          <a:p>
+            <a:endParaRPr lang="en-US"/>
+          </a:p>
+        </p:txBody>
+      </p:sp>
+      <p:pic>
+        <p:nvPicPr>
+          <p:cNvPr id="4" name="Picture 3"/>
+          <p:cNvPicPr>
+            <a:picLocks noChangeAspect="1"/>
+          </p:cNvPicPr>
+          <p:nvPr/>
+        </p:nvPicPr>
+        <p:blipFill>
+          <a:blip r:embed="rId2"/>
+          <a:stretch>
+            <a:fillRect/>
+          </a:stretch>
+        </p:blipFill>
+        <p:spPr>
+          <a:xfrm>
+            <a:off x="838200" y="272716"/>
+            <a:ext cx="7264480" cy="6129284"/>
+          </a:xfrm>
+          <a:prstGeom prst="rect">
+            <a:avLst/>
+          </a:prstGeom>
+        </p:spPr>
+      </p:pic>
     </p:spTree>
     <p:extLst>
       <p:ext uri="{BB962C8B-B14F-4D97-AF65-F5344CB8AC3E}">
